--- a/ppt/GIT05-Conflicts.pptx
+++ b/ppt/GIT05-Conflicts.pptx
@@ -5,15 +5,25 @@
     <p:sldMasterId id="2147483653" r:id="rId1"/>
   </p:sldMasterIdLst>
   <p:notesMasterIdLst>
-    <p:notesMasterId r:id="rId5"/>
+    <p:notesMasterId r:id="rId15"/>
   </p:notesMasterIdLst>
   <p:handoutMasterIdLst>
-    <p:handoutMasterId r:id="rId6"/>
+    <p:handoutMasterId r:id="rId16"/>
   </p:handoutMasterIdLst>
   <p:sldIdLst>
     <p:sldId id="264" r:id="rId2"/>
-    <p:sldId id="266" r:id="rId3"/>
-    <p:sldId id="265" r:id="rId4"/>
+    <p:sldId id="265" r:id="rId3"/>
+    <p:sldId id="266" r:id="rId4"/>
+    <p:sldId id="269" r:id="rId5"/>
+    <p:sldId id="273" r:id="rId6"/>
+    <p:sldId id="275" r:id="rId7"/>
+    <p:sldId id="274" r:id="rId8"/>
+    <p:sldId id="270" r:id="rId9"/>
+    <p:sldId id="276" r:id="rId10"/>
+    <p:sldId id="277" r:id="rId11"/>
+    <p:sldId id="278" r:id="rId12"/>
+    <p:sldId id="271" r:id="rId13"/>
+    <p:sldId id="272" r:id="rId14"/>
   </p:sldIdLst>
   <p:sldSz cx="9144000" cy="6858000" type="screen4x3"/>
   <p:notesSz cx="6648450" cy="9782175"/>
@@ -3752,7 +3762,628 @@
 </p:sld>
 </file>
 
+<file path=ppt/slides/slide10.xml><?xml version="1.0" encoding="utf-8"?>
+<p:sld xmlns:a="http://schemas.openxmlformats.org/drawingml/2006/main" xmlns:r="http://schemas.openxmlformats.org/officeDocument/2006/relationships" xmlns:p="http://schemas.openxmlformats.org/presentationml/2006/main">
+  <p:cSld>
+    <p:spTree>
+      <p:nvGrpSpPr>
+        <p:cNvPr id="1" name=""/>
+        <p:cNvGrpSpPr/>
+        <p:nvPr/>
+      </p:nvGrpSpPr>
+      <p:grpSpPr>
+        <a:xfrm>
+          <a:off x="0" y="0"/>
+          <a:ext cx="0" cy="0"/>
+          <a:chOff x="0" y="0"/>
+          <a:chExt cx="0" cy="0"/>
+        </a:xfrm>
+      </p:grpSpPr>
+      <p:sp>
+        <p:nvSpPr>
+          <p:cNvPr id="2" name="Titre 1">
+            <a:extLst>
+              <a:ext uri="{FF2B5EF4-FFF2-40B4-BE49-F238E27FC236}">
+                <a16:creationId xmlns:a16="http://schemas.microsoft.com/office/drawing/2014/main" id="{E5492E3B-804D-FCFA-AE96-53315311EC7E}"/>
+              </a:ext>
+            </a:extLst>
+          </p:cNvPr>
+          <p:cNvSpPr>
+            <a:spLocks noGrp="1"/>
+          </p:cNvSpPr>
+          <p:nvPr>
+            <p:ph type="title"/>
+          </p:nvPr>
+        </p:nvSpPr>
+        <p:spPr/>
+        <p:txBody>
+          <a:bodyPr/>
+          <a:lstStyle/>
+          <a:p>
+            <a:r>
+              <a:rPr lang="fr-FR" dirty="0"/>
+              <a:t>Reset</a:t>
+            </a:r>
+          </a:p>
+        </p:txBody>
+      </p:sp>
+      <p:sp>
+        <p:nvSpPr>
+          <p:cNvPr id="3" name="Espace réservé du contenu 2">
+            <a:extLst>
+              <a:ext uri="{FF2B5EF4-FFF2-40B4-BE49-F238E27FC236}">
+                <a16:creationId xmlns:a16="http://schemas.microsoft.com/office/drawing/2014/main" id="{66F7FFBD-6930-7E08-D64A-BDEF2F37D669}"/>
+              </a:ext>
+            </a:extLst>
+          </p:cNvPr>
+          <p:cNvSpPr>
+            <a:spLocks noGrp="1"/>
+          </p:cNvSpPr>
+          <p:nvPr>
+            <p:ph idx="1"/>
+          </p:nvPr>
+        </p:nvSpPr>
+        <p:spPr/>
+        <p:txBody>
+          <a:bodyPr/>
+          <a:lstStyle/>
+          <a:p>
+            <a:r>
+              <a:rPr lang="fr-FR" dirty="0"/>
+              <a:t>Cas complexe : annulation sur la branche main et déplacement des fichiers sur une autre branche</a:t>
+            </a:r>
+          </a:p>
+          <a:p>
+            <a:pPr lvl="1"/>
+            <a:r>
+              <a:rPr lang="fr-FR" dirty="0"/>
+              <a:t>git log</a:t>
+            </a:r>
+          </a:p>
+          <a:p>
+            <a:pPr lvl="2"/>
+            <a:r>
+              <a:rPr lang="fr-FR" dirty="0"/>
+              <a:t>Noter ca83a6df</a:t>
+            </a:r>
+          </a:p>
+          <a:p>
+            <a:pPr lvl="1"/>
+            <a:r>
+              <a:rPr lang="fr-FR" dirty="0"/>
+              <a:t>git reset --hard HEAD^</a:t>
+            </a:r>
+          </a:p>
+          <a:p>
+            <a:pPr lvl="1"/>
+            <a:r>
+              <a:rPr lang="fr-FR" dirty="0"/>
+              <a:t>git </a:t>
+            </a:r>
+            <a:r>
+              <a:rPr lang="fr-FR" dirty="0" err="1"/>
+              <a:t>branch</a:t>
+            </a:r>
+            <a:r>
+              <a:rPr lang="fr-FR" dirty="0"/>
+              <a:t> </a:t>
+            </a:r>
+            <a:r>
+              <a:rPr lang="fr-FR" dirty="0" err="1"/>
+              <a:t>brancheCommit</a:t>
+            </a:r>
+            <a:endParaRPr lang="fr-FR" dirty="0"/>
+          </a:p>
+          <a:p>
+            <a:pPr lvl="1"/>
+            <a:r>
+              <a:rPr lang="fr-FR" dirty="0"/>
+              <a:t>git </a:t>
+            </a:r>
+            <a:r>
+              <a:rPr lang="fr-FR" dirty="0" err="1"/>
+              <a:t>checkout</a:t>
+            </a:r>
+            <a:r>
+              <a:rPr lang="fr-FR" dirty="0"/>
+              <a:t> </a:t>
+            </a:r>
+            <a:r>
+              <a:rPr lang="fr-FR" dirty="0" err="1"/>
+              <a:t>brancheCommit</a:t>
+            </a:r>
+            <a:endParaRPr lang="fr-FR" dirty="0"/>
+          </a:p>
+          <a:p>
+            <a:pPr lvl="1"/>
+            <a:r>
+              <a:rPr lang="fr-FR" dirty="0"/>
+              <a:t>git reset --hard ca83a6df</a:t>
+            </a:r>
+          </a:p>
+          <a:p>
+            <a:pPr lvl="1"/>
+            <a:r>
+              <a:rPr lang="fr-FR" dirty="0"/>
+              <a:t>Ceci applique le commit sur la nouvelle branche</a:t>
+            </a:r>
+          </a:p>
+        </p:txBody>
+      </p:sp>
+    </p:spTree>
+    <p:extLst>
+      <p:ext uri="{BB962C8B-B14F-4D97-AF65-F5344CB8AC3E}">
+        <p14:creationId xmlns:p14="http://schemas.microsoft.com/office/powerpoint/2010/main" val="4001655820"/>
+      </p:ext>
+    </p:extLst>
+  </p:cSld>
+  <p:clrMapOvr>
+    <a:masterClrMapping/>
+  </p:clrMapOvr>
+</p:sld>
+</file>
+
+<file path=ppt/slides/slide11.xml><?xml version="1.0" encoding="utf-8"?>
+<p:sld xmlns:a="http://schemas.openxmlformats.org/drawingml/2006/main" xmlns:r="http://schemas.openxmlformats.org/officeDocument/2006/relationships" xmlns:p="http://schemas.openxmlformats.org/presentationml/2006/main">
+  <p:cSld>
+    <p:spTree>
+      <p:nvGrpSpPr>
+        <p:cNvPr id="1" name=""/>
+        <p:cNvGrpSpPr/>
+        <p:nvPr/>
+      </p:nvGrpSpPr>
+      <p:grpSpPr>
+        <a:xfrm>
+          <a:off x="0" y="0"/>
+          <a:ext cx="0" cy="0"/>
+          <a:chOff x="0" y="0"/>
+          <a:chExt cx="0" cy="0"/>
+        </a:xfrm>
+      </p:grpSpPr>
+      <p:sp>
+        <p:nvSpPr>
+          <p:cNvPr id="2" name="Titre 1">
+            <a:extLst>
+              <a:ext uri="{FF2B5EF4-FFF2-40B4-BE49-F238E27FC236}">
+                <a16:creationId xmlns:a16="http://schemas.microsoft.com/office/drawing/2014/main" id="{1AB6C963-DB76-3DF7-FFBB-5F637E77E432}"/>
+              </a:ext>
+            </a:extLst>
+          </p:cNvPr>
+          <p:cNvSpPr>
+            <a:spLocks noGrp="1"/>
+          </p:cNvSpPr>
+          <p:nvPr>
+            <p:ph type="title"/>
+          </p:nvPr>
+        </p:nvSpPr>
+        <p:spPr/>
+        <p:txBody>
+          <a:bodyPr/>
+          <a:lstStyle/>
+          <a:p>
+            <a:r>
+              <a:rPr lang="fr-FR" dirty="0"/>
+              <a:t>Mauvais message de commit</a:t>
+            </a:r>
+          </a:p>
+        </p:txBody>
+      </p:sp>
+      <p:sp>
+        <p:nvSpPr>
+          <p:cNvPr id="3" name="Espace réservé du contenu 2">
+            <a:extLst>
+              <a:ext uri="{FF2B5EF4-FFF2-40B4-BE49-F238E27FC236}">
+                <a16:creationId xmlns:a16="http://schemas.microsoft.com/office/drawing/2014/main" id="{28D47F11-E40F-2257-2338-DE9F822D787C}"/>
+              </a:ext>
+            </a:extLst>
+          </p:cNvPr>
+          <p:cNvSpPr>
+            <a:spLocks noGrp="1"/>
+          </p:cNvSpPr>
+          <p:nvPr>
+            <p:ph idx="1"/>
+          </p:nvPr>
+        </p:nvSpPr>
+        <p:spPr/>
+        <p:txBody>
+          <a:bodyPr/>
+          <a:lstStyle/>
+          <a:p>
+            <a:r>
+              <a:rPr lang="fr-FR" dirty="0"/>
+              <a:t>Attention ! Cette commande va fonctionner pour le dernier commit réalisé !</a:t>
+            </a:r>
+          </a:p>
+          <a:p>
+            <a:r>
+              <a:rPr lang="fr-FR" dirty="0"/>
+              <a:t>Lorsque l'on travaille sur un projet avec Git, il est très important de marquer correctement les modifications effectuées dans le message descriptif. Cependant, si vous faites une erreur dans l'un de vos messages de commit, il est possible de changer le message après coup</a:t>
+            </a:r>
+          </a:p>
+          <a:p>
+            <a:pPr lvl="1"/>
+            <a:r>
+              <a:rPr lang="fr-FR" dirty="0"/>
+              <a:t>git commit --</a:t>
+            </a:r>
+            <a:r>
+              <a:rPr lang="fr-FR" dirty="0" err="1"/>
+              <a:t>amend</a:t>
+            </a:r>
+            <a:r>
+              <a:rPr lang="fr-FR" dirty="0"/>
+              <a:t> -m "Nouveau message de commit"</a:t>
+            </a:r>
+          </a:p>
+        </p:txBody>
+      </p:sp>
+    </p:spTree>
+    <p:extLst>
+      <p:ext uri="{BB962C8B-B14F-4D97-AF65-F5344CB8AC3E}">
+        <p14:creationId xmlns:p14="http://schemas.microsoft.com/office/powerpoint/2010/main" val="903590408"/>
+      </p:ext>
+    </p:extLst>
+  </p:cSld>
+  <p:clrMapOvr>
+    <a:masterClrMapping/>
+  </p:clrMapOvr>
+</p:sld>
+</file>
+
+<file path=ppt/slides/slide12.xml><?xml version="1.0" encoding="utf-8"?>
+<p:sld xmlns:a="http://schemas.openxmlformats.org/drawingml/2006/main" xmlns:r="http://schemas.openxmlformats.org/officeDocument/2006/relationships" xmlns:p="http://schemas.openxmlformats.org/presentationml/2006/main">
+  <p:cSld>
+    <p:spTree>
+      <p:nvGrpSpPr>
+        <p:cNvPr id="1" name=""/>
+        <p:cNvGrpSpPr/>
+        <p:nvPr/>
+      </p:nvGrpSpPr>
+      <p:grpSpPr>
+        <a:xfrm>
+          <a:off x="0" y="0"/>
+          <a:ext cx="0" cy="0"/>
+          <a:chOff x="0" y="0"/>
+          <a:chExt cx="0" cy="0"/>
+        </a:xfrm>
+      </p:grpSpPr>
+      <p:sp>
+        <p:nvSpPr>
+          <p:cNvPr id="2" name="Titre 1">
+            <a:extLst>
+              <a:ext uri="{FF2B5EF4-FFF2-40B4-BE49-F238E27FC236}">
+                <a16:creationId xmlns:a16="http://schemas.microsoft.com/office/drawing/2014/main" id="{7E0EC95E-7298-1777-DC04-1C4433E4AF1F}"/>
+              </a:ext>
+            </a:extLst>
+          </p:cNvPr>
+          <p:cNvSpPr>
+            <a:spLocks noGrp="1"/>
+          </p:cNvSpPr>
+          <p:nvPr>
+            <p:ph type="title"/>
+          </p:nvPr>
+        </p:nvSpPr>
+        <p:spPr/>
+        <p:txBody>
+          <a:bodyPr/>
+          <a:lstStyle/>
+          <a:p>
+            <a:r>
+              <a:rPr lang="fr-FR" dirty="0"/>
+              <a:t>Erreur après push</a:t>
+            </a:r>
+          </a:p>
+        </p:txBody>
+      </p:sp>
+      <p:sp>
+        <p:nvSpPr>
+          <p:cNvPr id="3" name="Espace réservé du contenu 2">
+            <a:extLst>
+              <a:ext uri="{FF2B5EF4-FFF2-40B4-BE49-F238E27FC236}">
+                <a16:creationId xmlns:a16="http://schemas.microsoft.com/office/drawing/2014/main" id="{7DBA0353-CD48-955D-E3EE-B291E30599B8}"/>
+              </a:ext>
+            </a:extLst>
+          </p:cNvPr>
+          <p:cNvSpPr>
+            <a:spLocks noGrp="1"/>
+          </p:cNvSpPr>
+          <p:nvPr>
+            <p:ph idx="1"/>
+          </p:nvPr>
+        </p:nvSpPr>
+        <p:spPr/>
+        <p:txBody>
+          <a:bodyPr/>
+          <a:lstStyle/>
+          <a:p>
+            <a:r>
+              <a:rPr lang="fr-FR" dirty="0"/>
+              <a:t>C'est le cas le plus délicat</a:t>
+            </a:r>
+          </a:p>
+          <a:p>
+            <a:r>
+              <a:rPr lang="fr-FR" dirty="0"/>
+              <a:t>Tout push devrait être fait après des tests unitaires</a:t>
+            </a:r>
+          </a:p>
+        </p:txBody>
+      </p:sp>
+    </p:spTree>
+    <p:extLst>
+      <p:ext uri="{BB962C8B-B14F-4D97-AF65-F5344CB8AC3E}">
+        <p14:creationId xmlns:p14="http://schemas.microsoft.com/office/powerpoint/2010/main" val="3720228999"/>
+      </p:ext>
+    </p:extLst>
+  </p:cSld>
+  <p:clrMapOvr>
+    <a:masterClrMapping/>
+  </p:clrMapOvr>
+</p:sld>
+</file>
+
+<file path=ppt/slides/slide13.xml><?xml version="1.0" encoding="utf-8"?>
+<p:sld xmlns:a="http://schemas.openxmlformats.org/drawingml/2006/main" xmlns:r="http://schemas.openxmlformats.org/officeDocument/2006/relationships" xmlns:p="http://schemas.openxmlformats.org/presentationml/2006/main">
+  <p:cSld>
+    <p:spTree>
+      <p:nvGrpSpPr>
+        <p:cNvPr id="1" name=""/>
+        <p:cNvGrpSpPr/>
+        <p:nvPr/>
+      </p:nvGrpSpPr>
+      <p:grpSpPr>
+        <a:xfrm>
+          <a:off x="0" y="0"/>
+          <a:ext cx="0" cy="0"/>
+          <a:chOff x="0" y="0"/>
+          <a:chExt cx="0" cy="0"/>
+        </a:xfrm>
+      </p:grpSpPr>
+      <p:sp>
+        <p:nvSpPr>
+          <p:cNvPr id="2" name="Titre 1">
+            <a:extLst>
+              <a:ext uri="{FF2B5EF4-FFF2-40B4-BE49-F238E27FC236}">
+                <a16:creationId xmlns:a16="http://schemas.microsoft.com/office/drawing/2014/main" id="{E15E48FD-AE46-24C9-F354-D49ADCA4E8B8}"/>
+              </a:ext>
+            </a:extLst>
+          </p:cNvPr>
+          <p:cNvSpPr>
+            <a:spLocks noGrp="1"/>
+          </p:cNvSpPr>
+          <p:nvPr>
+            <p:ph type="title"/>
+          </p:nvPr>
+        </p:nvSpPr>
+        <p:spPr/>
+        <p:txBody>
+          <a:bodyPr/>
+          <a:lstStyle/>
+          <a:p>
+            <a:r>
+              <a:rPr lang="fr-FR" dirty="0"/>
+              <a:t>Erreurs sur le main </a:t>
+            </a:r>
+            <a:r>
+              <a:rPr lang="fr-FR" dirty="0" err="1"/>
+              <a:t>remote</a:t>
+            </a:r>
+            <a:endParaRPr lang="fr-FR" dirty="0"/>
+          </a:p>
+        </p:txBody>
+      </p:sp>
+      <p:sp>
+        <p:nvSpPr>
+          <p:cNvPr id="3" name="Espace réservé du contenu 2">
+            <a:extLst>
+              <a:ext uri="{FF2B5EF4-FFF2-40B4-BE49-F238E27FC236}">
+                <a16:creationId xmlns:a16="http://schemas.microsoft.com/office/drawing/2014/main" id="{E7E21B02-7FF3-7441-4F0D-FAB86F460033}"/>
+              </a:ext>
+            </a:extLst>
+          </p:cNvPr>
+          <p:cNvSpPr>
+            <a:spLocks noGrp="1"/>
+          </p:cNvSpPr>
+          <p:nvPr>
+            <p:ph idx="1"/>
+          </p:nvPr>
+        </p:nvSpPr>
+        <p:spPr/>
+        <p:txBody>
+          <a:bodyPr/>
+          <a:lstStyle/>
+          <a:p>
+            <a:r>
+              <a:rPr lang="fr-FR" dirty="0"/>
+              <a:t>C'est le pire cas</a:t>
+            </a:r>
+          </a:p>
+          <a:p>
+            <a:pPr lvl="1"/>
+            <a:r>
+              <a:rPr lang="fr-FR" dirty="0"/>
+              <a:t>Les pull </a:t>
+            </a:r>
+            <a:r>
+              <a:rPr lang="fr-FR" dirty="0" err="1"/>
+              <a:t>request</a:t>
+            </a:r>
+            <a:r>
+              <a:rPr lang="fr-FR" dirty="0"/>
+              <a:t> sont fait pour éviter cela</a:t>
+            </a:r>
+          </a:p>
+          <a:p>
+            <a:pPr lvl="1"/>
+            <a:r>
+              <a:rPr lang="fr-FR" dirty="0"/>
+              <a:t>En général on n'annule pas le commit sur main</a:t>
+            </a:r>
+          </a:p>
+          <a:p>
+            <a:pPr lvl="1"/>
+            <a:r>
+              <a:rPr lang="fr-FR" dirty="0"/>
+              <a:t>Il faudrait créer un nouveau commit qui corrige le bug</a:t>
+            </a:r>
+          </a:p>
+        </p:txBody>
+      </p:sp>
+    </p:spTree>
+    <p:extLst>
+      <p:ext uri="{BB962C8B-B14F-4D97-AF65-F5344CB8AC3E}">
+        <p14:creationId xmlns:p14="http://schemas.microsoft.com/office/powerpoint/2010/main" val="2495307716"/>
+      </p:ext>
+    </p:extLst>
+  </p:cSld>
+  <p:clrMapOvr>
+    <a:masterClrMapping/>
+  </p:clrMapOvr>
+</p:sld>
+</file>
+
 <file path=ppt/slides/slide2.xml><?xml version="1.0" encoding="utf-8"?>
+<p:sld xmlns:a="http://schemas.openxmlformats.org/drawingml/2006/main" xmlns:r="http://schemas.openxmlformats.org/officeDocument/2006/relationships" xmlns:p="http://schemas.openxmlformats.org/presentationml/2006/main">
+  <p:cSld>
+    <p:spTree>
+      <p:nvGrpSpPr>
+        <p:cNvPr id="1" name=""/>
+        <p:cNvGrpSpPr/>
+        <p:nvPr/>
+      </p:nvGrpSpPr>
+      <p:grpSpPr>
+        <a:xfrm>
+          <a:off x="0" y="0"/>
+          <a:ext cx="0" cy="0"/>
+          <a:chOff x="0" y="0"/>
+          <a:chExt cx="0" cy="0"/>
+        </a:xfrm>
+      </p:grpSpPr>
+      <p:sp>
+        <p:nvSpPr>
+          <p:cNvPr id="2" name="Titre 1">
+            <a:extLst>
+              <a:ext uri="{FF2B5EF4-FFF2-40B4-BE49-F238E27FC236}">
+                <a16:creationId xmlns:a16="http://schemas.microsoft.com/office/drawing/2014/main" id="{1516B92B-6629-822F-010F-E4EDE5AEA628}"/>
+              </a:ext>
+            </a:extLst>
+          </p:cNvPr>
+          <p:cNvSpPr>
+            <a:spLocks noGrp="1"/>
+          </p:cNvSpPr>
+          <p:nvPr>
+            <p:ph type="title"/>
+          </p:nvPr>
+        </p:nvSpPr>
+        <p:spPr/>
+        <p:txBody>
+          <a:bodyPr/>
+          <a:lstStyle/>
+          <a:p>
+            <a:r>
+              <a:rPr lang="fr-FR" dirty="0"/>
+              <a:t>Conflits</a:t>
+            </a:r>
+          </a:p>
+        </p:txBody>
+      </p:sp>
+      <p:sp>
+        <p:nvSpPr>
+          <p:cNvPr id="3" name="Espace réservé du contenu 2">
+            <a:extLst>
+              <a:ext uri="{FF2B5EF4-FFF2-40B4-BE49-F238E27FC236}">
+                <a16:creationId xmlns:a16="http://schemas.microsoft.com/office/drawing/2014/main" id="{296BD12E-E0B5-CEB3-4562-F1D682CA0692}"/>
+              </a:ext>
+            </a:extLst>
+          </p:cNvPr>
+          <p:cNvSpPr>
+            <a:spLocks noGrp="1"/>
+          </p:cNvSpPr>
+          <p:nvPr>
+            <p:ph idx="1"/>
+          </p:nvPr>
+        </p:nvSpPr>
+        <p:spPr/>
+        <p:txBody>
+          <a:bodyPr/>
+          <a:lstStyle/>
+          <a:p>
+            <a:r>
+              <a:rPr lang="fr-FR" dirty="0"/>
+              <a:t>Parfois Git rencontre des erreurs</a:t>
+            </a:r>
+          </a:p>
+          <a:p>
+            <a:r>
+              <a:rPr lang="fr-FR" dirty="0"/>
+              <a:t>Pas de panique ! Git explique les erreurs</a:t>
+            </a:r>
+          </a:p>
+          <a:p>
+            <a:r>
+              <a:rPr lang="fr-FR" dirty="0"/>
+              <a:t>Bien lire les messages d'erreur</a:t>
+            </a:r>
+          </a:p>
+          <a:p>
+            <a:r>
+              <a:rPr lang="fr-FR" dirty="0"/>
+              <a:t>Bien plus facile à faire sur un IDE</a:t>
+            </a:r>
+          </a:p>
+          <a:p>
+            <a:pPr lvl="1"/>
+            <a:r>
+              <a:rPr lang="fr-FR" dirty="0"/>
+              <a:t>Possibilité d'accepter les changements distants, locaux, ou manuels</a:t>
+            </a:r>
+          </a:p>
+        </p:txBody>
+      </p:sp>
+      <p:pic>
+        <p:nvPicPr>
+          <p:cNvPr id="5" name="Image 4">
+            <a:extLst>
+              <a:ext uri="{FF2B5EF4-FFF2-40B4-BE49-F238E27FC236}">
+                <a16:creationId xmlns:a16="http://schemas.microsoft.com/office/drawing/2014/main" id="{E9A311E2-3B44-850F-E344-B2AB9B173E0F}"/>
+              </a:ext>
+            </a:extLst>
+          </p:cNvPr>
+          <p:cNvPicPr>
+            <a:picLocks noChangeAspect="1"/>
+          </p:cNvPicPr>
+          <p:nvPr/>
+        </p:nvPicPr>
+        <p:blipFill>
+          <a:blip r:embed="rId2"/>
+          <a:stretch>
+            <a:fillRect/>
+          </a:stretch>
+        </p:blipFill>
+        <p:spPr>
+          <a:xfrm>
+            <a:off x="-9463" y="4837302"/>
+            <a:ext cx="9144000" cy="1215843"/>
+          </a:xfrm>
+          <a:prstGeom prst="rect">
+            <a:avLst/>
+          </a:prstGeom>
+        </p:spPr>
+      </p:pic>
+    </p:spTree>
+    <p:extLst>
+      <p:ext uri="{BB962C8B-B14F-4D97-AF65-F5344CB8AC3E}">
+        <p14:creationId xmlns:p14="http://schemas.microsoft.com/office/powerpoint/2010/main" val="3199845986"/>
+      </p:ext>
+    </p:extLst>
+  </p:cSld>
+  <p:clrMapOvr>
+    <a:masterClrMapping/>
+  </p:clrMapOvr>
+</p:sld>
+</file>
+
+<file path=ppt/slides/slide3.xml><?xml version="1.0" encoding="utf-8"?>
 <p:sld xmlns:a="http://schemas.openxmlformats.org/drawingml/2006/main" xmlns:r="http://schemas.openxmlformats.org/officeDocument/2006/relationships" xmlns:p="http://schemas.openxmlformats.org/presentationml/2006/main">
   <p:cSld>
     <p:spTree>
@@ -3826,16 +4457,12 @@
               <a:rPr lang="fr-FR" dirty="0" err="1"/>
               <a:t>commits</a:t>
             </a:r>
-            <a:endParaRPr lang="fr-FR"/>
-          </a:p>
-          <a:p>
-            <a:r>
-              <a:rPr lang="fr-FR"/>
-              <a:t>Mais </a:t>
-            </a:r>
-            <a:r>
-              <a:rPr lang="fr-FR" dirty="0"/>
-              <a:t>ne vous inquiétez pas, nous allons voir ensemble que toutes ces petites erreurs ne sont pas difficiles à corriger avec les bonnes techniques.</a:t>
+            <a:endParaRPr lang="fr-FR" dirty="0"/>
+          </a:p>
+          <a:p>
+            <a:r>
+              <a:rPr lang="fr-FR" dirty="0"/>
+              <a:t>Mais ne vous inquiétez pas, nous allons voir ensemble que toutes ces petites erreurs ne sont pas difficiles à corriger avec les bonnes techniques.</a:t>
             </a:r>
           </a:p>
         </p:txBody>
@@ -3853,7 +4480,7 @@
 </p:sld>
 </file>
 
-<file path=ppt/slides/slide3.xml><?xml version="1.0" encoding="utf-8"?>
+<file path=ppt/slides/slide4.xml><?xml version="1.0" encoding="utf-8"?>
 <p:sld xmlns:a="http://schemas.openxmlformats.org/drawingml/2006/main" xmlns:r="http://schemas.openxmlformats.org/officeDocument/2006/relationships" xmlns:p="http://schemas.openxmlformats.org/presentationml/2006/main">
   <p:cSld>
     <p:spTree>
@@ -3875,7 +4502,7 @@
           <p:cNvPr id="2" name="Titre 1">
             <a:extLst>
               <a:ext uri="{FF2B5EF4-FFF2-40B4-BE49-F238E27FC236}">
-                <a16:creationId xmlns:a16="http://schemas.microsoft.com/office/drawing/2014/main" id="{1516B92B-6629-822F-010F-E4EDE5AEA628}"/>
+                <a16:creationId xmlns:a16="http://schemas.microsoft.com/office/drawing/2014/main" id="{150B35C1-11C4-3EF2-F38B-2E930936CF72}"/>
               </a:ext>
             </a:extLst>
           </p:cNvPr>
@@ -3893,7 +4520,7 @@
           <a:p>
             <a:r>
               <a:rPr lang="fr-FR" dirty="0"/>
-              <a:t>Conflits</a:t>
+              <a:t>Erreurs avant commit</a:t>
             </a:r>
           </a:p>
         </p:txBody>
@@ -3903,7 +4530,7 @@
           <p:cNvPr id="3" name="Espace réservé du contenu 2">
             <a:extLst>
               <a:ext uri="{FF2B5EF4-FFF2-40B4-BE49-F238E27FC236}">
-                <a16:creationId xmlns:a16="http://schemas.microsoft.com/office/drawing/2014/main" id="{296BD12E-E0B5-CEB3-4562-F1D682CA0692}"/>
+                <a16:creationId xmlns:a16="http://schemas.microsoft.com/office/drawing/2014/main" id="{11D6ED4F-4845-5B4B-7807-D1F663A9CB59}"/>
               </a:ext>
             </a:extLst>
           </p:cNvPr>
@@ -3921,32 +4548,519 @@
           <a:p>
             <a:r>
               <a:rPr lang="fr-FR" dirty="0"/>
-              <a:t>Parfois Git rencontre des erreurs</a:t>
-            </a:r>
-          </a:p>
-          <a:p>
-            <a:r>
-              <a:rPr lang="fr-FR" dirty="0"/>
-              <a:t>Pas de panique ! Git explique les erreurs</a:t>
-            </a:r>
-          </a:p>
-          <a:p>
-            <a:r>
-              <a:rPr lang="fr-FR" dirty="0"/>
-              <a:t>Bien lire les messages d'erreur</a:t>
-            </a:r>
-          </a:p>
-          <a:p>
-            <a:r>
-              <a:rPr lang="fr-FR" dirty="0"/>
-              <a:t>Bien plus facile à faire sur un IDE</a:t>
+              <a:t>Ce n'est pas grave, c'est facilement réversible</a:t>
+            </a:r>
+          </a:p>
+          <a:p>
+            <a:r>
+              <a:rPr lang="fr-FR" dirty="0"/>
+              <a:t>Un simple git </a:t>
+            </a:r>
+            <a:r>
+              <a:rPr lang="fr-FR" dirty="0" err="1"/>
+              <a:t>rm</a:t>
+            </a:r>
+            <a:r>
+              <a:rPr lang="fr-FR" dirty="0"/>
+              <a:t> devrait suffire</a:t>
+            </a:r>
+          </a:p>
+          <a:p>
+            <a:r>
+              <a:rPr lang="fr-FR" dirty="0"/>
+              <a:t>Pour les branches</a:t>
             </a:r>
           </a:p>
           <a:p>
             <a:pPr lvl="1"/>
             <a:r>
               <a:rPr lang="fr-FR" dirty="0"/>
-              <a:t>Possibilité d'accepter les changements distants, locaux, ou manuels</a:t>
+              <a:t>git </a:t>
+            </a:r>
+            <a:r>
+              <a:rPr lang="fr-FR" dirty="0" err="1"/>
+              <a:t>branch</a:t>
+            </a:r>
+            <a:r>
+              <a:rPr lang="fr-FR" dirty="0"/>
+              <a:t> -d </a:t>
+            </a:r>
+            <a:r>
+              <a:rPr lang="fr-FR" dirty="0" err="1"/>
+              <a:t>brancheTest</a:t>
+            </a:r>
+            <a:endParaRPr lang="fr-FR" dirty="0"/>
+          </a:p>
+          <a:p>
+            <a:pPr lvl="1"/>
+            <a:r>
+              <a:rPr lang="fr-FR" dirty="0"/>
+              <a:t>ou –D si la branche n'est pas vide</a:t>
+            </a:r>
+          </a:p>
+          <a:p>
+            <a:pPr marL="0" indent="0">
+              <a:buNone/>
+            </a:pPr>
+            <a:endParaRPr lang="fr-FR" dirty="0"/>
+          </a:p>
+        </p:txBody>
+      </p:sp>
+    </p:spTree>
+    <p:extLst>
+      <p:ext uri="{BB962C8B-B14F-4D97-AF65-F5344CB8AC3E}">
+        <p14:creationId xmlns:p14="http://schemas.microsoft.com/office/powerpoint/2010/main" val="1659599680"/>
+      </p:ext>
+    </p:extLst>
+  </p:cSld>
+  <p:clrMapOvr>
+    <a:masterClrMapping/>
+  </p:clrMapOvr>
+</p:sld>
+</file>
+
+<file path=ppt/slides/slide5.xml><?xml version="1.0" encoding="utf-8"?>
+<p:sld xmlns:a="http://schemas.openxmlformats.org/drawingml/2006/main" xmlns:r="http://schemas.openxmlformats.org/officeDocument/2006/relationships" xmlns:p="http://schemas.openxmlformats.org/presentationml/2006/main">
+  <p:cSld>
+    <p:spTree>
+      <p:nvGrpSpPr>
+        <p:cNvPr id="1" name=""/>
+        <p:cNvGrpSpPr/>
+        <p:nvPr/>
+      </p:nvGrpSpPr>
+      <p:grpSpPr>
+        <a:xfrm>
+          <a:off x="0" y="0"/>
+          <a:ext cx="0" cy="0"/>
+          <a:chOff x="0" y="0"/>
+          <a:chExt cx="0" cy="0"/>
+        </a:xfrm>
+      </p:grpSpPr>
+      <p:sp>
+        <p:nvSpPr>
+          <p:cNvPr id="2" name="Titre 1">
+            <a:extLst>
+              <a:ext uri="{FF2B5EF4-FFF2-40B4-BE49-F238E27FC236}">
+                <a16:creationId xmlns:a16="http://schemas.microsoft.com/office/drawing/2014/main" id="{D64E23D6-871C-3C2D-665F-4D8C6811034C}"/>
+              </a:ext>
+            </a:extLst>
+          </p:cNvPr>
+          <p:cNvSpPr>
+            <a:spLocks noGrp="1"/>
+          </p:cNvSpPr>
+          <p:nvPr>
+            <p:ph type="title"/>
+          </p:nvPr>
+        </p:nvSpPr>
+        <p:spPr/>
+        <p:txBody>
+          <a:bodyPr/>
+          <a:lstStyle/>
+          <a:p>
+            <a:r>
+              <a:rPr lang="fr-FR" dirty="0" err="1"/>
+              <a:t>Stash</a:t>
+            </a:r>
+            <a:endParaRPr lang="fr-FR" dirty="0"/>
+          </a:p>
+        </p:txBody>
+      </p:sp>
+      <p:sp>
+        <p:nvSpPr>
+          <p:cNvPr id="3" name="Espace réservé du contenu 2">
+            <a:extLst>
+              <a:ext uri="{FF2B5EF4-FFF2-40B4-BE49-F238E27FC236}">
+                <a16:creationId xmlns:a16="http://schemas.microsoft.com/office/drawing/2014/main" id="{B4A205B7-75B6-F453-7B58-90D09B622435}"/>
+              </a:ext>
+            </a:extLst>
+          </p:cNvPr>
+          <p:cNvSpPr>
+            <a:spLocks noGrp="1"/>
+          </p:cNvSpPr>
+          <p:nvPr>
+            <p:ph idx="1"/>
+          </p:nvPr>
+        </p:nvSpPr>
+        <p:spPr/>
+        <p:txBody>
+          <a:bodyPr/>
+          <a:lstStyle/>
+          <a:p>
+            <a:r>
+              <a:rPr lang="fr-FR" dirty="0"/>
+              <a:t>J’ai modifié la branche principale</a:t>
+            </a:r>
+          </a:p>
+          <a:p>
+            <a:r>
+              <a:rPr lang="fr-FR" dirty="0"/>
+              <a:t>Si vous avez modifié votre branche principale avant de créer votre branche et que vous n'avez pas fait le commit, ce n’est pas bien grave</a:t>
+            </a:r>
+          </a:p>
+          <a:p>
+            <a:r>
+              <a:rPr lang="fr-FR" dirty="0"/>
+              <a:t>Il vous suffit de faire un </a:t>
+            </a:r>
+            <a:r>
+              <a:rPr lang="fr-FR" dirty="0" err="1"/>
+              <a:t>stash</a:t>
+            </a:r>
+            <a:endParaRPr lang="fr-FR" dirty="0"/>
+          </a:p>
+        </p:txBody>
+      </p:sp>
+    </p:spTree>
+    <p:extLst>
+      <p:ext uri="{BB962C8B-B14F-4D97-AF65-F5344CB8AC3E}">
+        <p14:creationId xmlns:p14="http://schemas.microsoft.com/office/powerpoint/2010/main" val="398838702"/>
+      </p:ext>
+    </p:extLst>
+  </p:cSld>
+  <p:clrMapOvr>
+    <a:masterClrMapping/>
+  </p:clrMapOvr>
+</p:sld>
+</file>
+
+<file path=ppt/slides/slide6.xml><?xml version="1.0" encoding="utf-8"?>
+<p:sld xmlns:a="http://schemas.openxmlformats.org/drawingml/2006/main" xmlns:r="http://schemas.openxmlformats.org/officeDocument/2006/relationships" xmlns:p="http://schemas.openxmlformats.org/presentationml/2006/main">
+  <p:cSld>
+    <p:spTree>
+      <p:nvGrpSpPr>
+        <p:cNvPr id="1" name=""/>
+        <p:cNvGrpSpPr/>
+        <p:nvPr/>
+      </p:nvGrpSpPr>
+      <p:grpSpPr>
+        <a:xfrm>
+          <a:off x="0" y="0"/>
+          <a:ext cx="0" cy="0"/>
+          <a:chOff x="0" y="0"/>
+          <a:chExt cx="0" cy="0"/>
+        </a:xfrm>
+      </p:grpSpPr>
+      <p:sp>
+        <p:nvSpPr>
+          <p:cNvPr id="2" name="Titre 1">
+            <a:extLst>
+              <a:ext uri="{FF2B5EF4-FFF2-40B4-BE49-F238E27FC236}">
+                <a16:creationId xmlns:a16="http://schemas.microsoft.com/office/drawing/2014/main" id="{0E1D70E4-CCDE-F2CA-3BAE-D73CEF4F55EE}"/>
+              </a:ext>
+            </a:extLst>
+          </p:cNvPr>
+          <p:cNvSpPr>
+            <a:spLocks noGrp="1"/>
+          </p:cNvSpPr>
+          <p:nvPr>
+            <p:ph type="title"/>
+          </p:nvPr>
+        </p:nvSpPr>
+        <p:spPr/>
+        <p:txBody>
+          <a:bodyPr/>
+          <a:lstStyle/>
+          <a:p>
+            <a:r>
+              <a:rPr lang="fr-FR" dirty="0" err="1"/>
+              <a:t>Stash</a:t>
+            </a:r>
+            <a:endParaRPr lang="fr-FR" dirty="0"/>
+          </a:p>
+        </p:txBody>
+      </p:sp>
+      <p:sp>
+        <p:nvSpPr>
+          <p:cNvPr id="3" name="Espace réservé du contenu 2">
+            <a:extLst>
+              <a:ext uri="{FF2B5EF4-FFF2-40B4-BE49-F238E27FC236}">
+                <a16:creationId xmlns:a16="http://schemas.microsoft.com/office/drawing/2014/main" id="{5C81AC39-E798-613D-7E97-600E9CB89FA6}"/>
+              </a:ext>
+            </a:extLst>
+          </p:cNvPr>
+          <p:cNvSpPr>
+            <a:spLocks noGrp="1"/>
+          </p:cNvSpPr>
+          <p:nvPr>
+            <p:ph idx="1"/>
+          </p:nvPr>
+        </p:nvSpPr>
+        <p:spPr/>
+        <p:txBody>
+          <a:bodyPr/>
+          <a:lstStyle/>
+          <a:p>
+            <a:r>
+              <a:rPr lang="fr-FR" dirty="0"/>
+              <a:t>Cas d'usage</a:t>
+            </a:r>
+          </a:p>
+          <a:p>
+            <a:pPr lvl="1"/>
+            <a:r>
+              <a:rPr lang="fr-FR" dirty="0"/>
+              <a:t>Création d'un fichier sur main</a:t>
+            </a:r>
+          </a:p>
+          <a:p>
+            <a:pPr lvl="1"/>
+            <a:r>
+              <a:rPr lang="fr-FR" dirty="0"/>
+              <a:t>git </a:t>
+            </a:r>
+            <a:r>
+              <a:rPr lang="fr-FR" dirty="0" err="1"/>
+              <a:t>add</a:t>
+            </a:r>
+            <a:r>
+              <a:rPr lang="fr-FR" dirty="0"/>
+              <a:t> * </a:t>
+            </a:r>
+          </a:p>
+          <a:p>
+            <a:pPr lvl="1"/>
+            <a:r>
+              <a:rPr lang="fr-FR" dirty="0"/>
+              <a:t>git </a:t>
+            </a:r>
+            <a:r>
+              <a:rPr lang="fr-FR" dirty="0" err="1"/>
+              <a:t>status</a:t>
+            </a:r>
+            <a:r>
+              <a:rPr lang="fr-FR" dirty="0"/>
+              <a:t> (oups)</a:t>
+            </a:r>
+          </a:p>
+          <a:p>
+            <a:pPr lvl="1"/>
+            <a:r>
+              <a:rPr lang="fr-FR" dirty="0"/>
+              <a:t>git </a:t>
+            </a:r>
+            <a:r>
+              <a:rPr lang="fr-FR" dirty="0" err="1"/>
+              <a:t>stash</a:t>
+            </a:r>
+            <a:r>
+              <a:rPr lang="fr-FR" dirty="0"/>
+              <a:t> (mis en remise)</a:t>
+            </a:r>
+          </a:p>
+          <a:p>
+            <a:pPr lvl="1"/>
+            <a:r>
+              <a:rPr lang="fr-FR" dirty="0"/>
+              <a:t>git </a:t>
+            </a:r>
+            <a:r>
+              <a:rPr lang="fr-FR" dirty="0" err="1"/>
+              <a:t>status</a:t>
+            </a:r>
+            <a:r>
+              <a:rPr lang="fr-FR" dirty="0"/>
+              <a:t> (ouf)</a:t>
+            </a:r>
+          </a:p>
+          <a:p>
+            <a:pPr lvl="1"/>
+            <a:r>
+              <a:rPr lang="fr-FR" dirty="0"/>
+              <a:t>git </a:t>
+            </a:r>
+            <a:r>
+              <a:rPr lang="fr-FR" dirty="0" err="1"/>
+              <a:t>branch</a:t>
+            </a:r>
+            <a:r>
+              <a:rPr lang="fr-FR" dirty="0"/>
+              <a:t> branche1</a:t>
+            </a:r>
+          </a:p>
+          <a:p>
+            <a:pPr lvl="1"/>
+            <a:r>
+              <a:rPr lang="fr-FR" dirty="0"/>
+              <a:t>git </a:t>
+            </a:r>
+            <a:r>
+              <a:rPr lang="fr-FR" dirty="0" err="1"/>
+              <a:t>checkout</a:t>
+            </a:r>
+            <a:r>
+              <a:rPr lang="fr-FR" dirty="0"/>
+              <a:t> branche1</a:t>
+            </a:r>
+          </a:p>
+          <a:p>
+            <a:pPr lvl="1"/>
+            <a:r>
+              <a:rPr lang="fr-FR" dirty="0"/>
+              <a:t>git </a:t>
+            </a:r>
+            <a:r>
+              <a:rPr lang="fr-FR" dirty="0" err="1"/>
+              <a:t>stash</a:t>
+            </a:r>
+            <a:r>
+              <a:rPr lang="fr-FR" dirty="0"/>
+              <a:t> </a:t>
+            </a:r>
+            <a:r>
+              <a:rPr lang="fr-FR" dirty="0" err="1"/>
+              <a:t>list</a:t>
+            </a:r>
+            <a:endParaRPr lang="fr-FR" dirty="0"/>
+          </a:p>
+          <a:p>
+            <a:pPr lvl="1"/>
+            <a:r>
+              <a:rPr lang="fr-FR" dirty="0"/>
+              <a:t>git </a:t>
+            </a:r>
+            <a:r>
+              <a:rPr lang="fr-FR" dirty="0" err="1"/>
+              <a:t>stash</a:t>
+            </a:r>
+            <a:r>
+              <a:rPr lang="fr-FR" dirty="0"/>
+              <a:t> </a:t>
+            </a:r>
+            <a:r>
+              <a:rPr lang="fr-FR" dirty="0" err="1"/>
+              <a:t>apply</a:t>
+            </a:r>
+            <a:r>
+              <a:rPr lang="fr-FR" dirty="0"/>
+              <a:t> ou git </a:t>
+            </a:r>
+            <a:r>
+              <a:rPr lang="fr-FR" dirty="0" err="1"/>
+              <a:t>stash</a:t>
+            </a:r>
+            <a:r>
+              <a:rPr lang="fr-FR" dirty="0"/>
+              <a:t> </a:t>
+            </a:r>
+            <a:r>
+              <a:rPr lang="fr-FR" dirty="0" err="1"/>
+              <a:t>apply</a:t>
+            </a:r>
+            <a:r>
+              <a:rPr lang="fr-FR" dirty="0"/>
+              <a:t> </a:t>
+            </a:r>
+            <a:r>
+              <a:rPr lang="fr-FR" dirty="0" err="1"/>
+              <a:t>stash</a:t>
+            </a:r>
+            <a:r>
+              <a:rPr lang="fr-FR" dirty="0"/>
+              <a:t>@{1} si plusieurs </a:t>
+            </a:r>
+            <a:r>
+              <a:rPr lang="fr-FR" dirty="0" err="1"/>
+              <a:t>stash</a:t>
+            </a:r>
+            <a:endParaRPr lang="fr-FR" dirty="0"/>
+          </a:p>
+          <a:p>
+            <a:pPr lvl="1"/>
+            <a:endParaRPr lang="fr-FR" dirty="0"/>
+          </a:p>
+          <a:p>
+            <a:pPr lvl="1"/>
+            <a:endParaRPr lang="fr-FR" dirty="0"/>
+          </a:p>
+          <a:p>
+            <a:pPr lvl="1"/>
+            <a:endParaRPr lang="fr-FR" dirty="0"/>
+          </a:p>
+        </p:txBody>
+      </p:sp>
+    </p:spTree>
+    <p:extLst>
+      <p:ext uri="{BB962C8B-B14F-4D97-AF65-F5344CB8AC3E}">
+        <p14:creationId xmlns:p14="http://schemas.microsoft.com/office/powerpoint/2010/main" val="1173783134"/>
+      </p:ext>
+    </p:extLst>
+  </p:cSld>
+  <p:clrMapOvr>
+    <a:masterClrMapping/>
+  </p:clrMapOvr>
+</p:sld>
+</file>
+
+<file path=ppt/slides/slide7.xml><?xml version="1.0" encoding="utf-8"?>
+<p:sld xmlns:a="http://schemas.openxmlformats.org/drawingml/2006/main" xmlns:r="http://schemas.openxmlformats.org/officeDocument/2006/relationships" xmlns:p="http://schemas.openxmlformats.org/presentationml/2006/main">
+  <p:cSld>
+    <p:spTree>
+      <p:nvGrpSpPr>
+        <p:cNvPr id="1" name=""/>
+        <p:cNvGrpSpPr/>
+        <p:nvPr/>
+      </p:nvGrpSpPr>
+      <p:grpSpPr>
+        <a:xfrm>
+          <a:off x="0" y="0"/>
+          <a:ext cx="0" cy="0"/>
+          <a:chOff x="0" y="0"/>
+          <a:chExt cx="0" cy="0"/>
+        </a:xfrm>
+      </p:grpSpPr>
+      <p:sp>
+        <p:nvSpPr>
+          <p:cNvPr id="2" name="Titre 1">
+            <a:extLst>
+              <a:ext uri="{FF2B5EF4-FFF2-40B4-BE49-F238E27FC236}">
+                <a16:creationId xmlns:a16="http://schemas.microsoft.com/office/drawing/2014/main" id="{40265443-2436-83AF-31BA-B26963C42739}"/>
+              </a:ext>
+            </a:extLst>
+          </p:cNvPr>
+          <p:cNvSpPr>
+            <a:spLocks noGrp="1"/>
+          </p:cNvSpPr>
+          <p:nvPr>
+            <p:ph type="title"/>
+          </p:nvPr>
+        </p:nvSpPr>
+        <p:spPr/>
+        <p:txBody>
+          <a:bodyPr/>
+          <a:lstStyle/>
+          <a:p>
+            <a:r>
+              <a:rPr lang="fr-FR" dirty="0" err="1"/>
+              <a:t>Stash</a:t>
+            </a:r>
+            <a:endParaRPr lang="fr-FR" dirty="0"/>
+          </a:p>
+        </p:txBody>
+      </p:sp>
+      <p:sp>
+        <p:nvSpPr>
+          <p:cNvPr id="3" name="Espace réservé du contenu 2">
+            <a:extLst>
+              <a:ext uri="{FF2B5EF4-FFF2-40B4-BE49-F238E27FC236}">
+                <a16:creationId xmlns:a16="http://schemas.microsoft.com/office/drawing/2014/main" id="{3F4B63AB-4463-DCD9-57E8-D92740672710}"/>
+              </a:ext>
+            </a:extLst>
+          </p:cNvPr>
+          <p:cNvSpPr>
+            <a:spLocks noGrp="1"/>
+          </p:cNvSpPr>
+          <p:nvPr>
+            <p:ph idx="1"/>
+          </p:nvPr>
+        </p:nvSpPr>
+        <p:spPr/>
+        <p:txBody>
+          <a:bodyPr/>
+          <a:lstStyle/>
+          <a:p>
+            <a:r>
+              <a:rPr lang="fr-FR" dirty="0"/>
+              <a:t>Permet de déplacer du code sur une remise</a:t>
             </a:r>
           </a:p>
         </p:txBody>
@@ -3956,7 +5070,7 @@
           <p:cNvPr id="5" name="Image 4">
             <a:extLst>
               <a:ext uri="{FF2B5EF4-FFF2-40B4-BE49-F238E27FC236}">
-                <a16:creationId xmlns:a16="http://schemas.microsoft.com/office/drawing/2014/main" id="{E9A311E2-3B44-850F-E344-B2AB9B173E0F}"/>
+                <a16:creationId xmlns:a16="http://schemas.microsoft.com/office/drawing/2014/main" id="{25FDE0B7-0CFC-7F29-D61B-BE2FD6B0FBF7}"/>
               </a:ext>
             </a:extLst>
           </p:cNvPr>
@@ -3973,8 +5087,8 @@
         </p:blipFill>
         <p:spPr>
           <a:xfrm>
-            <a:off x="-9463" y="4837302"/>
-            <a:ext cx="9144000" cy="1215843"/>
+            <a:off x="0" y="2060848"/>
+            <a:ext cx="9144000" cy="4314368"/>
           </a:xfrm>
           <a:prstGeom prst="rect">
             <a:avLst/>
@@ -3984,7 +5098,291 @@
     </p:spTree>
     <p:extLst>
       <p:ext uri="{BB962C8B-B14F-4D97-AF65-F5344CB8AC3E}">
-        <p14:creationId xmlns:p14="http://schemas.microsoft.com/office/powerpoint/2010/main" val="3199845986"/>
+        <p14:creationId xmlns:p14="http://schemas.microsoft.com/office/powerpoint/2010/main" val="1524767533"/>
+      </p:ext>
+    </p:extLst>
+  </p:cSld>
+  <p:clrMapOvr>
+    <a:masterClrMapping/>
+  </p:clrMapOvr>
+</p:sld>
+</file>
+
+<file path=ppt/slides/slide8.xml><?xml version="1.0" encoding="utf-8"?>
+<p:sld xmlns:a="http://schemas.openxmlformats.org/drawingml/2006/main" xmlns:r="http://schemas.openxmlformats.org/officeDocument/2006/relationships" xmlns:p="http://schemas.openxmlformats.org/presentationml/2006/main">
+  <p:cSld>
+    <p:spTree>
+      <p:nvGrpSpPr>
+        <p:cNvPr id="1" name=""/>
+        <p:cNvGrpSpPr/>
+        <p:nvPr/>
+      </p:nvGrpSpPr>
+      <p:grpSpPr>
+        <a:xfrm>
+          <a:off x="0" y="0"/>
+          <a:ext cx="0" cy="0"/>
+          <a:chOff x="0" y="0"/>
+          <a:chExt cx="0" cy="0"/>
+        </a:xfrm>
+      </p:grpSpPr>
+      <p:sp>
+        <p:nvSpPr>
+          <p:cNvPr id="2" name="Titre 1">
+            <a:extLst>
+              <a:ext uri="{FF2B5EF4-FFF2-40B4-BE49-F238E27FC236}">
+                <a16:creationId xmlns:a16="http://schemas.microsoft.com/office/drawing/2014/main" id="{44FC21B8-0FDF-C412-B3A7-F5B032C34AA3}"/>
+              </a:ext>
+            </a:extLst>
+          </p:cNvPr>
+          <p:cNvSpPr>
+            <a:spLocks noGrp="1"/>
+          </p:cNvSpPr>
+          <p:nvPr>
+            <p:ph type="title"/>
+          </p:nvPr>
+        </p:nvSpPr>
+        <p:spPr/>
+        <p:txBody>
+          <a:bodyPr/>
+          <a:lstStyle/>
+          <a:p>
+            <a:r>
+              <a:rPr lang="fr-FR" dirty="0"/>
+              <a:t>Erreurs après commit</a:t>
+            </a:r>
+          </a:p>
+        </p:txBody>
+      </p:sp>
+      <p:sp>
+        <p:nvSpPr>
+          <p:cNvPr id="3" name="Espace réservé du contenu 2">
+            <a:extLst>
+              <a:ext uri="{FF2B5EF4-FFF2-40B4-BE49-F238E27FC236}">
+                <a16:creationId xmlns:a16="http://schemas.microsoft.com/office/drawing/2014/main" id="{2D4D2737-D5CF-1D83-35CC-B56394B70519}"/>
+              </a:ext>
+            </a:extLst>
+          </p:cNvPr>
+          <p:cNvSpPr>
+            <a:spLocks noGrp="1"/>
+          </p:cNvSpPr>
+          <p:nvPr>
+            <p:ph idx="1"/>
+          </p:nvPr>
+        </p:nvSpPr>
+        <p:spPr/>
+        <p:txBody>
+          <a:bodyPr/>
+          <a:lstStyle/>
+          <a:p>
+            <a:r>
+              <a:rPr lang="fr-FR" dirty="0"/>
+              <a:t>Maintenant, admettons que vous ayez réalisé vos modifications et qu'en plus vous ayez fait le commit</a:t>
+            </a:r>
+          </a:p>
+          <a:p>
+            <a:r>
+              <a:rPr lang="fr-FR" dirty="0"/>
+              <a:t>Le cas est plus complexe, puisque vous avez enregistré vos modifications sur la branche principale, alors que vous ne deviez pas.</a:t>
+            </a:r>
+          </a:p>
+          <a:p>
+            <a:r>
+              <a:rPr lang="fr-FR" dirty="0"/>
+              <a:t>Il existe différentes stratégies pour annuler ou modifier un commit</a:t>
+            </a:r>
+          </a:p>
+          <a:p>
+            <a:endParaRPr lang="fr-FR" dirty="0"/>
+          </a:p>
+        </p:txBody>
+      </p:sp>
+    </p:spTree>
+    <p:extLst>
+      <p:ext uri="{BB962C8B-B14F-4D97-AF65-F5344CB8AC3E}">
+        <p14:creationId xmlns:p14="http://schemas.microsoft.com/office/powerpoint/2010/main" val="960955864"/>
+      </p:ext>
+    </p:extLst>
+  </p:cSld>
+  <p:clrMapOvr>
+    <a:masterClrMapping/>
+  </p:clrMapOvr>
+</p:sld>
+</file>
+
+<file path=ppt/slides/slide9.xml><?xml version="1.0" encoding="utf-8"?>
+<p:sld xmlns:a="http://schemas.openxmlformats.org/drawingml/2006/main" xmlns:r="http://schemas.openxmlformats.org/officeDocument/2006/relationships" xmlns:p="http://schemas.openxmlformats.org/presentationml/2006/main">
+  <p:cSld>
+    <p:spTree>
+      <p:nvGrpSpPr>
+        <p:cNvPr id="1" name=""/>
+        <p:cNvGrpSpPr/>
+        <p:nvPr/>
+      </p:nvGrpSpPr>
+      <p:grpSpPr>
+        <a:xfrm>
+          <a:off x="0" y="0"/>
+          <a:ext cx="0" cy="0"/>
+          <a:chOff x="0" y="0"/>
+          <a:chExt cx="0" cy="0"/>
+        </a:xfrm>
+      </p:grpSpPr>
+      <p:sp>
+        <p:nvSpPr>
+          <p:cNvPr id="2" name="Titre 1">
+            <a:extLst>
+              <a:ext uri="{FF2B5EF4-FFF2-40B4-BE49-F238E27FC236}">
+                <a16:creationId xmlns:a16="http://schemas.microsoft.com/office/drawing/2014/main" id="{41F5B943-286A-A8D4-6F71-69607044C78F}"/>
+              </a:ext>
+            </a:extLst>
+          </p:cNvPr>
+          <p:cNvSpPr>
+            <a:spLocks noGrp="1"/>
+          </p:cNvSpPr>
+          <p:nvPr>
+            <p:ph type="title"/>
+          </p:nvPr>
+        </p:nvSpPr>
+        <p:spPr/>
+        <p:txBody>
+          <a:bodyPr/>
+          <a:lstStyle/>
+          <a:p>
+            <a:r>
+              <a:rPr lang="fr-FR" dirty="0"/>
+              <a:t>Reset</a:t>
+            </a:r>
+          </a:p>
+        </p:txBody>
+      </p:sp>
+      <p:sp>
+        <p:nvSpPr>
+          <p:cNvPr id="3" name="Espace réservé du contenu 2">
+            <a:extLst>
+              <a:ext uri="{FF2B5EF4-FFF2-40B4-BE49-F238E27FC236}">
+                <a16:creationId xmlns:a16="http://schemas.microsoft.com/office/drawing/2014/main" id="{ED575730-38E3-12F9-47E0-571FE1923BD0}"/>
+              </a:ext>
+            </a:extLst>
+          </p:cNvPr>
+          <p:cNvSpPr>
+            <a:spLocks noGrp="1"/>
+          </p:cNvSpPr>
+          <p:nvPr>
+            <p:ph idx="1"/>
+          </p:nvPr>
+        </p:nvSpPr>
+        <p:spPr/>
+        <p:txBody>
+          <a:bodyPr/>
+          <a:lstStyle/>
+          <a:p>
+            <a:r>
+              <a:rPr lang="fr-FR" dirty="0"/>
+              <a:t>Cas simple : annulation sur la branche en cours</a:t>
+            </a:r>
+          </a:p>
+          <a:p>
+            <a:pPr lvl="1"/>
+            <a:r>
+              <a:rPr lang="fr-FR" dirty="0"/>
+              <a:t>git log permet de connaitre le numéro du commit</a:t>
+            </a:r>
+          </a:p>
+          <a:p>
+            <a:pPr lvl="1"/>
+            <a:r>
+              <a:rPr lang="fr-FR" dirty="0"/>
+              <a:t>git reset --hard HEAD^</a:t>
+            </a:r>
+          </a:p>
+          <a:p>
+            <a:pPr lvl="1"/>
+            <a:r>
+              <a:rPr lang="fr-FR" dirty="0"/>
+              <a:t>git reset --hard ca83a6df</a:t>
+            </a:r>
+          </a:p>
+          <a:p>
+            <a:pPr lvl="1"/>
+            <a:r>
+              <a:rPr lang="fr-FR" dirty="0"/>
+              <a:t>Attention –hard efface les fichiers</a:t>
+            </a:r>
+          </a:p>
+          <a:p>
+            <a:pPr lvl="1"/>
+            <a:endParaRPr lang="fr-FR" dirty="0"/>
+          </a:p>
+          <a:p>
+            <a:pPr lvl="1"/>
+            <a:r>
+              <a:rPr lang="fr-FR" b="0" i="0" dirty="0">
+                <a:solidFill>
+                  <a:srgbClr val="FFFAEE"/>
+                </a:solidFill>
+                <a:effectLst/>
+                <a:latin typeface="Courier New" panose="02070309020205020404" pitchFamily="49" charset="0"/>
+              </a:rPr>
+              <a:t>git reset --hard HEAD^</a:t>
+            </a:r>
+            <a:endParaRPr lang="fr-FR" dirty="0"/>
+          </a:p>
+          <a:p>
+            <a:pPr lvl="1"/>
+            <a:r>
+              <a:rPr lang="fr-FR" b="0" i="0" dirty="0">
+                <a:solidFill>
+                  <a:srgbClr val="FFFAEE"/>
+                </a:solidFill>
+                <a:effectLst/>
+                <a:latin typeface="Courier New" panose="02070309020205020404" pitchFamily="49" charset="0"/>
+              </a:rPr>
+              <a:t>git reset --hard HEAD^</a:t>
+            </a:r>
+            <a:endParaRPr lang="fr-FR" dirty="0"/>
+          </a:p>
+          <a:p>
+            <a:pPr lvl="1"/>
+            <a:endParaRPr lang="fr-FR" dirty="0"/>
+          </a:p>
+          <a:p>
+            <a:endParaRPr lang="fr-FR" dirty="0"/>
+          </a:p>
+        </p:txBody>
+      </p:sp>
+      <p:pic>
+        <p:nvPicPr>
+          <p:cNvPr id="5" name="Image 4">
+            <a:extLst>
+              <a:ext uri="{FF2B5EF4-FFF2-40B4-BE49-F238E27FC236}">
+                <a16:creationId xmlns:a16="http://schemas.microsoft.com/office/drawing/2014/main" id="{A7E147C6-D0E0-FA31-146B-76A33F3B32F6}"/>
+              </a:ext>
+            </a:extLst>
+          </p:cNvPr>
+          <p:cNvPicPr>
+            <a:picLocks noChangeAspect="1"/>
+          </p:cNvPicPr>
+          <p:nvPr/>
+        </p:nvPicPr>
+        <p:blipFill>
+          <a:blip r:embed="rId2"/>
+          <a:stretch>
+            <a:fillRect/>
+          </a:stretch>
+        </p:blipFill>
+        <p:spPr>
+          <a:xfrm>
+            <a:off x="1475656" y="3686141"/>
+            <a:ext cx="6619532" cy="3171859"/>
+          </a:xfrm>
+          <a:prstGeom prst="rect">
+            <a:avLst/>
+          </a:prstGeom>
+        </p:spPr>
+      </p:pic>
+    </p:spTree>
+    <p:extLst>
+      <p:ext uri="{BB962C8B-B14F-4D97-AF65-F5344CB8AC3E}">
+        <p14:creationId xmlns:p14="http://schemas.microsoft.com/office/powerpoint/2010/main" val="2310553655"/>
       </p:ext>
     </p:extLst>
   </p:cSld>

--- a/ppt/GIT05-Conflicts.pptx
+++ b/ppt/GIT05-Conflicts.pptx
@@ -5,25 +5,33 @@
     <p:sldMasterId id="2147483653" r:id="rId1"/>
   </p:sldMasterIdLst>
   <p:notesMasterIdLst>
-    <p:notesMasterId r:id="rId15"/>
+    <p:notesMasterId r:id="rId23"/>
   </p:notesMasterIdLst>
   <p:handoutMasterIdLst>
-    <p:handoutMasterId r:id="rId16"/>
+    <p:handoutMasterId r:id="rId24"/>
   </p:handoutMasterIdLst>
   <p:sldIdLst>
     <p:sldId id="264" r:id="rId2"/>
-    <p:sldId id="265" r:id="rId3"/>
-    <p:sldId id="266" r:id="rId4"/>
-    <p:sldId id="269" r:id="rId5"/>
-    <p:sldId id="273" r:id="rId6"/>
-    <p:sldId id="275" r:id="rId7"/>
-    <p:sldId id="274" r:id="rId8"/>
-    <p:sldId id="270" r:id="rId9"/>
-    <p:sldId id="276" r:id="rId10"/>
-    <p:sldId id="277" r:id="rId11"/>
-    <p:sldId id="278" r:id="rId12"/>
-    <p:sldId id="271" r:id="rId13"/>
-    <p:sldId id="272" r:id="rId14"/>
+    <p:sldId id="266" r:id="rId3"/>
+    <p:sldId id="269" r:id="rId4"/>
+    <p:sldId id="273" r:id="rId5"/>
+    <p:sldId id="275" r:id="rId6"/>
+    <p:sldId id="274" r:id="rId7"/>
+    <p:sldId id="270" r:id="rId8"/>
+    <p:sldId id="276" r:id="rId9"/>
+    <p:sldId id="285" r:id="rId10"/>
+    <p:sldId id="284" r:id="rId11"/>
+    <p:sldId id="286" r:id="rId12"/>
+    <p:sldId id="277" r:id="rId13"/>
+    <p:sldId id="278" r:id="rId14"/>
+    <p:sldId id="265" r:id="rId15"/>
+    <p:sldId id="279" r:id="rId16"/>
+    <p:sldId id="280" r:id="rId17"/>
+    <p:sldId id="271" r:id="rId18"/>
+    <p:sldId id="282" r:id="rId19"/>
+    <p:sldId id="281" r:id="rId20"/>
+    <p:sldId id="283" r:id="rId21"/>
+    <p:sldId id="272" r:id="rId22"/>
   </p:sldIdLst>
   <p:sldSz cx="9144000" cy="6858000" type="screen4x3"/>
   <p:notesSz cx="6648450" cy="9782175"/>
@@ -3784,7 +3792,7 @@
           <p:cNvPr id="2" name="Titre 1">
             <a:extLst>
               <a:ext uri="{FF2B5EF4-FFF2-40B4-BE49-F238E27FC236}">
-                <a16:creationId xmlns:a16="http://schemas.microsoft.com/office/drawing/2014/main" id="{E5492E3B-804D-FCFA-AE96-53315311EC7E}"/>
+                <a16:creationId xmlns:a16="http://schemas.microsoft.com/office/drawing/2014/main" id="{A4BB6C5E-A8A4-6DE9-03B2-AA67147F37E3}"/>
               </a:ext>
             </a:extLst>
           </p:cNvPr>
@@ -3812,7 +3820,7 @@
           <p:cNvPr id="3" name="Espace réservé du contenu 2">
             <a:extLst>
               <a:ext uri="{FF2B5EF4-FFF2-40B4-BE49-F238E27FC236}">
-                <a16:creationId xmlns:a16="http://schemas.microsoft.com/office/drawing/2014/main" id="{66F7FFBD-6930-7E08-D64A-BDEF2F37D669}"/>
+                <a16:creationId xmlns:a16="http://schemas.microsoft.com/office/drawing/2014/main" id="{9634E68B-AF6D-BEB2-5B1D-2F33B3F44816}"/>
               </a:ext>
             </a:extLst>
           </p:cNvPr>
@@ -3830,82 +3838,46 @@
           <a:p>
             <a:r>
               <a:rPr lang="fr-FR" dirty="0"/>
-              <a:t>Cas complexe : annulation sur la branche main et déplacement des fichiers sur une autre branche</a:t>
+              <a:t>Git reset commit –hard</a:t>
             </a:r>
           </a:p>
           <a:p>
             <a:pPr lvl="1"/>
             <a:r>
               <a:rPr lang="fr-FR" dirty="0"/>
-              <a:t>git log</a:t>
-            </a:r>
-          </a:p>
-          <a:p>
-            <a:pPr lvl="2"/>
-            <a:r>
-              <a:rPr lang="fr-FR" dirty="0"/>
-              <a:t>Noter ca83a6df</a:t>
+              <a:t>commit = HEAD ou HEAD~ pour le dernier commit</a:t>
             </a:r>
           </a:p>
           <a:p>
             <a:pPr lvl="1"/>
             <a:r>
               <a:rPr lang="fr-FR" dirty="0"/>
-              <a:t>git reset --hard HEAD^</a:t>
+              <a:t>commit = commit = </a:t>
+            </a:r>
+            <a:r>
+              <a:rPr lang="fr-FR" dirty="0" err="1"/>
+              <a:t>Héxadécimal</a:t>
+            </a:r>
+            <a:endParaRPr lang="fr-FR" dirty="0"/>
+          </a:p>
+          <a:p>
+            <a:r>
+              <a:rPr lang="fr-FR" dirty="0"/>
+              <a:t>Cette commande permet de revenir à n'importe quel commit mais en oubliant absolument tout ce qu'il s'est passé après !</a:t>
             </a:r>
           </a:p>
           <a:p>
             <a:pPr lvl="1"/>
             <a:r>
               <a:rPr lang="fr-FR" dirty="0"/>
-              <a:t>git </a:t>
-            </a:r>
-            <a:r>
-              <a:rPr lang="fr-FR" dirty="0" err="1"/>
-              <a:t>branch</a:t>
-            </a:r>
-            <a:r>
-              <a:rPr lang="fr-FR" dirty="0"/>
-              <a:t> </a:t>
-            </a:r>
-            <a:r>
-              <a:rPr lang="fr-FR" dirty="0" err="1"/>
-              <a:t>brancheCommit</a:t>
-            </a:r>
-            <a:endParaRPr lang="fr-FR" dirty="0"/>
+              <a:t>Danger</a:t>
+            </a:r>
           </a:p>
           <a:p>
             <a:pPr lvl="1"/>
             <a:r>
               <a:rPr lang="fr-FR" dirty="0"/>
-              <a:t>git </a:t>
-            </a:r>
-            <a:r>
-              <a:rPr lang="fr-FR" dirty="0" err="1"/>
-              <a:t>checkout</a:t>
-            </a:r>
-            <a:r>
-              <a:rPr lang="fr-FR" dirty="0"/>
-              <a:t> </a:t>
-            </a:r>
-            <a:r>
-              <a:rPr lang="fr-FR" dirty="0" err="1"/>
-              <a:t>brancheCommit</a:t>
-            </a:r>
-            <a:endParaRPr lang="fr-FR" dirty="0"/>
-          </a:p>
-          <a:p>
-            <a:pPr lvl="1"/>
-            <a:r>
-              <a:rPr lang="fr-FR" dirty="0"/>
-              <a:t>git reset --hard ca83a6df</a:t>
-            </a:r>
-          </a:p>
-          <a:p>
-            <a:pPr lvl="1"/>
-            <a:r>
-              <a:rPr lang="fr-FR" dirty="0"/>
-              <a:t>Ceci applique le commit sur la nouvelle branche</a:t>
+              <a:t>Cette utilisation de    git reset constitue une manière simple d'annuler des changements qui n'ont pas encore été partagés  </a:t>
             </a:r>
           </a:p>
         </p:txBody>
@@ -3913,7 +3885,7 @@
     </p:spTree>
     <p:extLst>
       <p:ext uri="{BB962C8B-B14F-4D97-AF65-F5344CB8AC3E}">
-        <p14:creationId xmlns:p14="http://schemas.microsoft.com/office/powerpoint/2010/main" val="4001655820"/>
+        <p14:creationId xmlns:p14="http://schemas.microsoft.com/office/powerpoint/2010/main" val="4187390652"/>
       </p:ext>
     </p:extLst>
   </p:cSld>
@@ -3945,7 +3917,7 @@
           <p:cNvPr id="2" name="Titre 1">
             <a:extLst>
               <a:ext uri="{FF2B5EF4-FFF2-40B4-BE49-F238E27FC236}">
-                <a16:creationId xmlns:a16="http://schemas.microsoft.com/office/drawing/2014/main" id="{1AB6C963-DB76-3DF7-FFBB-5F637E77E432}"/>
+                <a16:creationId xmlns:a16="http://schemas.microsoft.com/office/drawing/2014/main" id="{22872D8A-FBF2-EA0F-6F67-7BD1EF24EDE2}"/>
               </a:ext>
             </a:extLst>
           </p:cNvPr>
@@ -3963,7 +3935,7 @@
           <a:p>
             <a:r>
               <a:rPr lang="fr-FR" dirty="0"/>
-              <a:t>Mauvais message de commit</a:t>
+              <a:t>Reset</a:t>
             </a:r>
           </a:p>
         </p:txBody>
@@ -3973,7 +3945,7 @@
           <p:cNvPr id="3" name="Espace réservé du contenu 2">
             <a:extLst>
               <a:ext uri="{FF2B5EF4-FFF2-40B4-BE49-F238E27FC236}">
-                <a16:creationId xmlns:a16="http://schemas.microsoft.com/office/drawing/2014/main" id="{28D47F11-E40F-2257-2338-DE9F822D787C}"/>
+                <a16:creationId xmlns:a16="http://schemas.microsoft.com/office/drawing/2014/main" id="{A03B20EE-9521-D41F-1C90-1222910807FA}"/>
               </a:ext>
             </a:extLst>
           </p:cNvPr>
@@ -3991,36 +3963,55 @@
           <a:p>
             <a:r>
               <a:rPr lang="fr-FR" dirty="0"/>
-              <a:t>Attention ! Cette commande va fonctionner pour le dernier commit réalisé !</a:t>
-            </a:r>
-          </a:p>
-          <a:p>
-            <a:r>
-              <a:rPr lang="fr-FR" dirty="0"/>
-              <a:t>Lorsque l'on travaille sur un projet avec Git, il est très important de marquer correctement les modifications effectuées dans le message descriptif. Cependant, si vous faites une erreur dans l'un de vos messages de commit, il est possible de changer le message après coup</a:t>
+              <a:t>Mixed</a:t>
             </a:r>
           </a:p>
           <a:p>
             <a:pPr lvl="1"/>
             <a:r>
               <a:rPr lang="fr-FR" dirty="0"/>
-              <a:t>git commit --</a:t>
+              <a:t>Le git reset --mixed va permettre de revenir juste après votre dernier commit ou le commit spécifié, sans supprimer vos modifications en cours</a:t>
+            </a:r>
+          </a:p>
+          <a:p>
+            <a:pPr lvl="1"/>
+            <a:r>
+              <a:rPr lang="fr-FR" dirty="0"/>
+              <a:t>Il permet aussi, dans le cas de fichiers indexés mais pas encore </a:t>
             </a:r>
             <a:r>
               <a:rPr lang="fr-FR" dirty="0" err="1"/>
-              <a:t>amend</a:t>
-            </a:r>
-            <a:r>
-              <a:rPr lang="fr-FR" dirty="0"/>
-              <a:t> -m "Nouveau message de commit"</a:t>
-            </a:r>
+              <a:t>commités</a:t>
+            </a:r>
+            <a:r>
+              <a:rPr lang="fr-FR" dirty="0"/>
+              <a:t>, de désindexer les fichiers</a:t>
+            </a:r>
+          </a:p>
+          <a:p>
+            <a:r>
+              <a:rPr lang="fr-FR" dirty="0"/>
+              <a:t>Par défaut dans git reset HEAD~</a:t>
+            </a:r>
+          </a:p>
+          <a:p>
+            <a:pPr lvl="1"/>
+            <a:r>
+              <a:rPr lang="fr-FR" dirty="0"/>
+              <a:t>Si on ne corrige pas le problème entraine une erreur au </a:t>
+            </a:r>
+            <a:r>
+              <a:rPr lang="fr-FR"/>
+              <a:t>prochaine commit + push</a:t>
+            </a:r>
+            <a:endParaRPr lang="fr-FR" dirty="0"/>
           </a:p>
         </p:txBody>
       </p:sp>
     </p:spTree>
     <p:extLst>
       <p:ext uri="{BB962C8B-B14F-4D97-AF65-F5344CB8AC3E}">
-        <p14:creationId xmlns:p14="http://schemas.microsoft.com/office/powerpoint/2010/main" val="903590408"/>
+        <p14:creationId xmlns:p14="http://schemas.microsoft.com/office/powerpoint/2010/main" val="1599702955"/>
       </p:ext>
     </p:extLst>
   </p:cSld>
@@ -4052,7 +4043,7 @@
           <p:cNvPr id="2" name="Titre 1">
             <a:extLst>
               <a:ext uri="{FF2B5EF4-FFF2-40B4-BE49-F238E27FC236}">
-                <a16:creationId xmlns:a16="http://schemas.microsoft.com/office/drawing/2014/main" id="{7E0EC95E-7298-1777-DC04-1C4433E4AF1F}"/>
+                <a16:creationId xmlns:a16="http://schemas.microsoft.com/office/drawing/2014/main" id="{E5492E3B-804D-FCFA-AE96-53315311EC7E}"/>
               </a:ext>
             </a:extLst>
           </p:cNvPr>
@@ -4070,7 +4061,7 @@
           <a:p>
             <a:r>
               <a:rPr lang="fr-FR" dirty="0"/>
-              <a:t>Erreur après push</a:t>
+              <a:t>Reset</a:t>
             </a:r>
           </a:p>
         </p:txBody>
@@ -4080,7 +4071,7 @@
           <p:cNvPr id="3" name="Espace réservé du contenu 2">
             <a:extLst>
               <a:ext uri="{FF2B5EF4-FFF2-40B4-BE49-F238E27FC236}">
-                <a16:creationId xmlns:a16="http://schemas.microsoft.com/office/drawing/2014/main" id="{7DBA0353-CD48-955D-E3EE-B291E30599B8}"/>
+                <a16:creationId xmlns:a16="http://schemas.microsoft.com/office/drawing/2014/main" id="{66F7FFBD-6930-7E08-D64A-BDEF2F37D669}"/>
               </a:ext>
             </a:extLst>
           </p:cNvPr>
@@ -4098,13 +4089,82 @@
           <a:p>
             <a:r>
               <a:rPr lang="fr-FR" dirty="0"/>
-              <a:t>C'est le cas le plus délicat</a:t>
-            </a:r>
-          </a:p>
-          <a:p>
-            <a:r>
-              <a:rPr lang="fr-FR" dirty="0"/>
-              <a:t>Tout push devrait être fait après des tests unitaires</a:t>
+              <a:t>Cas complexe : annulation sur la branche main et déplacement des fichiers sur une autre branche</a:t>
+            </a:r>
+          </a:p>
+          <a:p>
+            <a:pPr lvl="1"/>
+            <a:r>
+              <a:rPr lang="fr-FR" dirty="0"/>
+              <a:t>git log</a:t>
+            </a:r>
+          </a:p>
+          <a:p>
+            <a:pPr lvl="2"/>
+            <a:r>
+              <a:rPr lang="fr-FR" dirty="0"/>
+              <a:t>Noter ca83a6df</a:t>
+            </a:r>
+          </a:p>
+          <a:p>
+            <a:pPr lvl="1"/>
+            <a:r>
+              <a:rPr lang="fr-FR" dirty="0"/>
+              <a:t>git reset --hard HEAD</a:t>
+            </a:r>
+          </a:p>
+          <a:p>
+            <a:pPr lvl="1"/>
+            <a:r>
+              <a:rPr lang="fr-FR" dirty="0"/>
+              <a:t>git </a:t>
+            </a:r>
+            <a:r>
+              <a:rPr lang="fr-FR" dirty="0" err="1"/>
+              <a:t>branch</a:t>
+            </a:r>
+            <a:r>
+              <a:rPr lang="fr-FR" dirty="0"/>
+              <a:t> </a:t>
+            </a:r>
+            <a:r>
+              <a:rPr lang="fr-FR" dirty="0" err="1"/>
+              <a:t>brancheCommit</a:t>
+            </a:r>
+            <a:endParaRPr lang="fr-FR" dirty="0"/>
+          </a:p>
+          <a:p>
+            <a:pPr lvl="1"/>
+            <a:r>
+              <a:rPr lang="fr-FR" dirty="0"/>
+              <a:t>git </a:t>
+            </a:r>
+            <a:r>
+              <a:rPr lang="fr-FR" dirty="0" err="1"/>
+              <a:t>checkout</a:t>
+            </a:r>
+            <a:r>
+              <a:rPr lang="fr-FR" dirty="0"/>
+              <a:t> </a:t>
+            </a:r>
+            <a:r>
+              <a:rPr lang="fr-FR" dirty="0" err="1"/>
+              <a:t>brancheCommit</a:t>
+            </a:r>
+            <a:endParaRPr lang="fr-FR" dirty="0"/>
+          </a:p>
+          <a:p>
+            <a:pPr lvl="1"/>
+            <a:r>
+              <a:rPr lang="fr-FR" dirty="0"/>
+              <a:t>git reset --hard ca83a6df</a:t>
+            </a:r>
+          </a:p>
+          <a:p>
+            <a:pPr lvl="1"/>
+            <a:r>
+              <a:rPr lang="fr-FR" dirty="0"/>
+              <a:t>Ceci applique le commit sur la nouvelle branche</a:t>
             </a:r>
           </a:p>
         </p:txBody>
@@ -4112,7 +4172,7 @@
     </p:spTree>
     <p:extLst>
       <p:ext uri="{BB962C8B-B14F-4D97-AF65-F5344CB8AC3E}">
-        <p14:creationId xmlns:p14="http://schemas.microsoft.com/office/powerpoint/2010/main" val="3720228999"/>
+        <p14:creationId xmlns:p14="http://schemas.microsoft.com/office/powerpoint/2010/main" val="4001655820"/>
       </p:ext>
     </p:extLst>
   </p:cSld>
@@ -4144,7 +4204,7 @@
           <p:cNvPr id="2" name="Titre 1">
             <a:extLst>
               <a:ext uri="{FF2B5EF4-FFF2-40B4-BE49-F238E27FC236}">
-                <a16:creationId xmlns:a16="http://schemas.microsoft.com/office/drawing/2014/main" id="{E15E48FD-AE46-24C9-F354-D49ADCA4E8B8}"/>
+                <a16:creationId xmlns:a16="http://schemas.microsoft.com/office/drawing/2014/main" id="{1AB6C963-DB76-3DF7-FFBB-5F637E77E432}"/>
               </a:ext>
             </a:extLst>
           </p:cNvPr>
@@ -4162,13 +4222,8 @@
           <a:p>
             <a:r>
               <a:rPr lang="fr-FR" dirty="0"/>
-              <a:t>Erreurs sur le main </a:t>
-            </a:r>
-            <a:r>
-              <a:rPr lang="fr-FR" dirty="0" err="1"/>
-              <a:t>remote</a:t>
-            </a:r>
-            <a:endParaRPr lang="fr-FR" dirty="0"/>
+              <a:t>Mauvais message de commit</a:t>
+            </a:r>
           </a:p>
         </p:txBody>
       </p:sp>
@@ -4177,7 +4232,7 @@
           <p:cNvPr id="3" name="Espace réservé du contenu 2">
             <a:extLst>
               <a:ext uri="{FF2B5EF4-FFF2-40B4-BE49-F238E27FC236}">
-                <a16:creationId xmlns:a16="http://schemas.microsoft.com/office/drawing/2014/main" id="{E7E21B02-7FF3-7441-4F0D-FAB86F460033}"/>
+                <a16:creationId xmlns:a16="http://schemas.microsoft.com/office/drawing/2014/main" id="{28D47F11-E40F-2257-2338-DE9F822D787C}"/>
               </a:ext>
             </a:extLst>
           </p:cNvPr>
@@ -4195,36 +4250,28 @@
           <a:p>
             <a:r>
               <a:rPr lang="fr-FR" dirty="0"/>
-              <a:t>C'est le pire cas</a:t>
+              <a:t>Attention ! Cette commande va fonctionner pour le dernier commit réalisé !</a:t>
+            </a:r>
+          </a:p>
+          <a:p>
+            <a:r>
+              <a:rPr lang="fr-FR" dirty="0"/>
+              <a:t>Lorsque l'on travaille sur un projet avec Git, il est très important de marquer correctement les modifications effectuées dans le message descriptif. Cependant, si vous faites une erreur dans l'un de vos messages de commit, il est possible de changer le message après coup</a:t>
             </a:r>
           </a:p>
           <a:p>
             <a:pPr lvl="1"/>
             <a:r>
               <a:rPr lang="fr-FR" dirty="0"/>
-              <a:t>Les pull </a:t>
+              <a:t>git commit --</a:t>
             </a:r>
             <a:r>
               <a:rPr lang="fr-FR" dirty="0" err="1"/>
-              <a:t>request</a:t>
-            </a:r>
-            <a:r>
-              <a:rPr lang="fr-FR" dirty="0"/>
-              <a:t> sont fait pour éviter cela</a:t>
-            </a:r>
-          </a:p>
-          <a:p>
-            <a:pPr lvl="1"/>
-            <a:r>
-              <a:rPr lang="fr-FR" dirty="0"/>
-              <a:t>En général on n'annule pas le commit sur main</a:t>
-            </a:r>
-          </a:p>
-          <a:p>
-            <a:pPr lvl="1"/>
-            <a:r>
-              <a:rPr lang="fr-FR" dirty="0"/>
-              <a:t>Il faudrait créer un nouveau commit qui corrige le bug</a:t>
+              <a:t>amend</a:t>
+            </a:r>
+            <a:r>
+              <a:rPr lang="fr-FR" dirty="0"/>
+              <a:t> -m "Nouveau message de commit"</a:t>
             </a:r>
           </a:p>
         </p:txBody>
@@ -4232,7 +4279,7 @@
     </p:spTree>
     <p:extLst>
       <p:ext uri="{BB962C8B-B14F-4D97-AF65-F5344CB8AC3E}">
-        <p14:creationId xmlns:p14="http://schemas.microsoft.com/office/powerpoint/2010/main" val="2495307716"/>
+        <p14:creationId xmlns:p14="http://schemas.microsoft.com/office/powerpoint/2010/main" val="903590408"/>
       </p:ext>
     </p:extLst>
   </p:cSld>
@@ -4242,7 +4289,7 @@
 </p:sld>
 </file>
 
-<file path=ppt/slides/slide2.xml><?xml version="1.0" encoding="utf-8"?>
+<file path=ppt/slides/slide14.xml><?xml version="1.0" encoding="utf-8"?>
 <p:sld xmlns:a="http://schemas.openxmlformats.org/drawingml/2006/main" xmlns:r="http://schemas.openxmlformats.org/officeDocument/2006/relationships" xmlns:p="http://schemas.openxmlformats.org/presentationml/2006/main">
   <p:cSld>
     <p:spTree>
@@ -4373,7 +4420,1083 @@
     </p:spTree>
     <p:extLst>
       <p:ext uri="{BB962C8B-B14F-4D97-AF65-F5344CB8AC3E}">
-        <p14:creationId xmlns:p14="http://schemas.microsoft.com/office/powerpoint/2010/main" val="3199845986"/>
+        <p14:creationId xmlns:p14="http://schemas.microsoft.com/office/powerpoint/2010/main" val="4104011568"/>
+      </p:ext>
+    </p:extLst>
+  </p:cSld>
+  <p:clrMapOvr>
+    <a:masterClrMapping/>
+  </p:clrMapOvr>
+</p:sld>
+</file>
+
+<file path=ppt/slides/slide15.xml><?xml version="1.0" encoding="utf-8"?>
+<p:sld xmlns:a="http://schemas.openxmlformats.org/drawingml/2006/main" xmlns:r="http://schemas.openxmlformats.org/officeDocument/2006/relationships" xmlns:p="http://schemas.openxmlformats.org/presentationml/2006/main">
+  <p:cSld>
+    <p:spTree>
+      <p:nvGrpSpPr>
+        <p:cNvPr id="1" name=""/>
+        <p:cNvGrpSpPr/>
+        <p:nvPr/>
+      </p:nvGrpSpPr>
+      <p:grpSpPr>
+        <a:xfrm>
+          <a:off x="0" y="0"/>
+          <a:ext cx="0" cy="0"/>
+          <a:chOff x="0" y="0"/>
+          <a:chExt cx="0" cy="0"/>
+        </a:xfrm>
+      </p:grpSpPr>
+      <p:sp>
+        <p:nvSpPr>
+          <p:cNvPr id="2" name="Titre 1">
+            <a:extLst>
+              <a:ext uri="{FF2B5EF4-FFF2-40B4-BE49-F238E27FC236}">
+                <a16:creationId xmlns:a16="http://schemas.microsoft.com/office/drawing/2014/main" id="{535C3F06-3C02-ACEB-45E7-F23BBF6B6DA0}"/>
+              </a:ext>
+            </a:extLst>
+          </p:cNvPr>
+          <p:cNvSpPr>
+            <a:spLocks noGrp="1"/>
+          </p:cNvSpPr>
+          <p:nvPr>
+            <p:ph type="title"/>
+          </p:nvPr>
+        </p:nvSpPr>
+        <p:spPr/>
+        <p:txBody>
+          <a:bodyPr/>
+          <a:lstStyle/>
+          <a:p>
+            <a:r>
+              <a:rPr lang="fr-FR" dirty="0"/>
+              <a:t>Création d'un conflit</a:t>
+            </a:r>
+          </a:p>
+        </p:txBody>
+      </p:sp>
+      <p:sp>
+        <p:nvSpPr>
+          <p:cNvPr id="3" name="Espace réservé du contenu 2">
+            <a:extLst>
+              <a:ext uri="{FF2B5EF4-FFF2-40B4-BE49-F238E27FC236}">
+                <a16:creationId xmlns:a16="http://schemas.microsoft.com/office/drawing/2014/main" id="{FB643138-6F25-27F4-1020-B0E2C9BB9DDF}"/>
+              </a:ext>
+            </a:extLst>
+          </p:cNvPr>
+          <p:cNvSpPr>
+            <a:spLocks noGrp="1"/>
+          </p:cNvSpPr>
+          <p:nvPr>
+            <p:ph idx="1"/>
+          </p:nvPr>
+        </p:nvSpPr>
+        <p:spPr/>
+        <p:txBody>
+          <a:bodyPr/>
+          <a:lstStyle/>
+          <a:p>
+            <a:r>
+              <a:rPr lang="fr-FR" dirty="0"/>
+              <a:t>Exemple</a:t>
+            </a:r>
+          </a:p>
+          <a:p>
+            <a:pPr lvl="1"/>
+            <a:r>
+              <a:rPr lang="fr-FR" dirty="0"/>
+              <a:t>Création d'un fichier avec un contenu</a:t>
+            </a:r>
+          </a:p>
+          <a:p>
+            <a:pPr lvl="1"/>
+            <a:r>
+              <a:rPr lang="fr-FR" dirty="0"/>
+              <a:t>git </a:t>
+            </a:r>
+            <a:r>
+              <a:rPr lang="fr-FR" dirty="0" err="1"/>
+              <a:t>add</a:t>
+            </a:r>
+            <a:r>
+              <a:rPr lang="fr-FR" dirty="0"/>
+              <a:t> *</a:t>
+            </a:r>
+          </a:p>
+          <a:p>
+            <a:pPr lvl="1"/>
+            <a:r>
+              <a:rPr lang="fr-FR" dirty="0"/>
+              <a:t>git commit</a:t>
+            </a:r>
+          </a:p>
+          <a:p>
+            <a:pPr lvl="1"/>
+            <a:r>
+              <a:rPr lang="fr-FR" dirty="0"/>
+              <a:t>git push</a:t>
+            </a:r>
+          </a:p>
+          <a:p>
+            <a:pPr lvl="1"/>
+            <a:r>
+              <a:rPr lang="fr-FR" dirty="0"/>
+              <a:t>sur </a:t>
+            </a:r>
+            <a:r>
+              <a:rPr lang="fr-FR" dirty="0" err="1"/>
+              <a:t>github</a:t>
+            </a:r>
+            <a:r>
+              <a:rPr lang="fr-FR" dirty="0"/>
+              <a:t> modifier le fichier et </a:t>
+            </a:r>
+            <a:r>
+              <a:rPr lang="fr-FR" dirty="0" err="1"/>
+              <a:t>commiter</a:t>
+            </a:r>
+            <a:endParaRPr lang="fr-FR" dirty="0"/>
+          </a:p>
+          <a:p>
+            <a:pPr lvl="1"/>
+            <a:r>
+              <a:rPr lang="fr-FR" dirty="0"/>
+              <a:t>modifier le fichier en local</a:t>
+            </a:r>
+          </a:p>
+          <a:p>
+            <a:pPr lvl="1"/>
+            <a:r>
+              <a:rPr lang="fr-FR" dirty="0"/>
+              <a:t>git commit</a:t>
+            </a:r>
+          </a:p>
+          <a:p>
+            <a:pPr lvl="1"/>
+            <a:r>
+              <a:rPr lang="fr-FR" dirty="0"/>
+              <a:t>git push</a:t>
+            </a:r>
+          </a:p>
+        </p:txBody>
+      </p:sp>
+      <p:pic>
+        <p:nvPicPr>
+          <p:cNvPr id="5" name="Image 4">
+            <a:extLst>
+              <a:ext uri="{FF2B5EF4-FFF2-40B4-BE49-F238E27FC236}">
+                <a16:creationId xmlns:a16="http://schemas.microsoft.com/office/drawing/2014/main" id="{EC03069E-0778-8819-99FF-D501F32B790C}"/>
+              </a:ext>
+            </a:extLst>
+          </p:cNvPr>
+          <p:cNvPicPr>
+            <a:picLocks noChangeAspect="1"/>
+          </p:cNvPicPr>
+          <p:nvPr/>
+        </p:nvPicPr>
+        <p:blipFill>
+          <a:blip r:embed="rId2"/>
+          <a:stretch>
+            <a:fillRect/>
+          </a:stretch>
+        </p:blipFill>
+        <p:spPr>
+          <a:xfrm>
+            <a:off x="2195736" y="5295254"/>
+            <a:ext cx="6824082" cy="1577056"/>
+          </a:xfrm>
+          <a:prstGeom prst="rect">
+            <a:avLst/>
+          </a:prstGeom>
+        </p:spPr>
+      </p:pic>
+    </p:spTree>
+    <p:extLst>
+      <p:ext uri="{BB962C8B-B14F-4D97-AF65-F5344CB8AC3E}">
+        <p14:creationId xmlns:p14="http://schemas.microsoft.com/office/powerpoint/2010/main" val="4245278449"/>
+      </p:ext>
+    </p:extLst>
+  </p:cSld>
+  <p:clrMapOvr>
+    <a:masterClrMapping/>
+  </p:clrMapOvr>
+</p:sld>
+</file>
+
+<file path=ppt/slides/slide16.xml><?xml version="1.0" encoding="utf-8"?>
+<p:sld xmlns:a="http://schemas.openxmlformats.org/drawingml/2006/main" xmlns:r="http://schemas.openxmlformats.org/officeDocument/2006/relationships" xmlns:p="http://schemas.openxmlformats.org/presentationml/2006/main">
+  <p:cSld>
+    <p:spTree>
+      <p:nvGrpSpPr>
+        <p:cNvPr id="1" name=""/>
+        <p:cNvGrpSpPr/>
+        <p:nvPr/>
+      </p:nvGrpSpPr>
+      <p:grpSpPr>
+        <a:xfrm>
+          <a:off x="0" y="0"/>
+          <a:ext cx="0" cy="0"/>
+          <a:chOff x="0" y="0"/>
+          <a:chExt cx="0" cy="0"/>
+        </a:xfrm>
+      </p:grpSpPr>
+      <p:sp>
+        <p:nvSpPr>
+          <p:cNvPr id="2" name="Titre 1">
+            <a:extLst>
+              <a:ext uri="{FF2B5EF4-FFF2-40B4-BE49-F238E27FC236}">
+                <a16:creationId xmlns:a16="http://schemas.microsoft.com/office/drawing/2014/main" id="{F324F466-13DC-D1B7-90A4-6CAD0E3975EF}"/>
+              </a:ext>
+            </a:extLst>
+          </p:cNvPr>
+          <p:cNvSpPr>
+            <a:spLocks noGrp="1"/>
+          </p:cNvSpPr>
+          <p:nvPr>
+            <p:ph type="title"/>
+          </p:nvPr>
+        </p:nvSpPr>
+        <p:spPr/>
+        <p:txBody>
+          <a:bodyPr/>
+          <a:lstStyle/>
+          <a:p>
+            <a:r>
+              <a:rPr lang="fr-FR" dirty="0"/>
+              <a:t>Résolution du conflit</a:t>
+            </a:r>
+          </a:p>
+        </p:txBody>
+      </p:sp>
+      <p:sp>
+        <p:nvSpPr>
+          <p:cNvPr id="3" name="Espace réservé du contenu 2">
+            <a:extLst>
+              <a:ext uri="{FF2B5EF4-FFF2-40B4-BE49-F238E27FC236}">
+                <a16:creationId xmlns:a16="http://schemas.microsoft.com/office/drawing/2014/main" id="{7B8B3205-EEED-0F35-316D-870DF49FC18D}"/>
+              </a:ext>
+            </a:extLst>
+          </p:cNvPr>
+          <p:cNvSpPr>
+            <a:spLocks noGrp="1"/>
+          </p:cNvSpPr>
+          <p:nvPr>
+            <p:ph idx="1"/>
+          </p:nvPr>
+        </p:nvSpPr>
+        <p:spPr/>
+        <p:txBody>
+          <a:bodyPr/>
+          <a:lstStyle/>
+          <a:p>
+            <a:r>
+              <a:rPr lang="fr-FR" dirty="0"/>
+              <a:t>Le message d'erreur est clair</a:t>
+            </a:r>
+          </a:p>
+          <a:p>
+            <a:pPr lvl="1"/>
+            <a:r>
+              <a:rPr lang="fr-FR" dirty="0"/>
+              <a:t>git pull</a:t>
+            </a:r>
+          </a:p>
+          <a:p>
+            <a:pPr lvl="1"/>
+            <a:r>
+              <a:rPr lang="fr-FR" dirty="0"/>
+              <a:t>tentative d'auto merge</a:t>
+            </a:r>
+          </a:p>
+          <a:p>
+            <a:pPr lvl="1"/>
+            <a:r>
+              <a:rPr lang="fr-FR" dirty="0"/>
+              <a:t>si échec</a:t>
+            </a:r>
+          </a:p>
+          <a:p>
+            <a:pPr lvl="1"/>
+            <a:r>
+              <a:rPr lang="fr-FR" dirty="0"/>
+              <a:t>git diff</a:t>
+            </a:r>
+          </a:p>
+          <a:p>
+            <a:pPr lvl="1"/>
+            <a:r>
+              <a:rPr lang="fr-FR" dirty="0"/>
+              <a:t>git reset HEAD ou git reset --hard HEAD~2</a:t>
+            </a:r>
+          </a:p>
+          <a:p>
+            <a:pPr lvl="1"/>
+            <a:r>
+              <a:rPr lang="fr-FR" dirty="0"/>
+              <a:t>git pull</a:t>
+            </a:r>
+          </a:p>
+          <a:p>
+            <a:r>
+              <a:rPr lang="fr-FR" dirty="0"/>
+              <a:t>Il existe d'autre solution avec git </a:t>
+            </a:r>
+            <a:r>
+              <a:rPr lang="fr-FR" dirty="0" err="1"/>
+              <a:t>fetch</a:t>
+            </a:r>
+            <a:endParaRPr lang="fr-FR" dirty="0"/>
+          </a:p>
+          <a:p>
+            <a:pPr lvl="1"/>
+            <a:r>
+              <a:rPr lang="en-US" dirty="0"/>
+              <a:t>git fetch</a:t>
+            </a:r>
+          </a:p>
+          <a:p>
+            <a:pPr lvl="1"/>
+            <a:r>
+              <a:rPr lang="en-US" dirty="0"/>
+              <a:t>git reset --hard HEAD</a:t>
+            </a:r>
+          </a:p>
+          <a:p>
+            <a:pPr lvl="1"/>
+            <a:r>
+              <a:rPr lang="en-US" dirty="0"/>
+              <a:t>git merge origin/$CURRENT_BRANCH</a:t>
+            </a:r>
+            <a:endParaRPr lang="fr-FR" dirty="0"/>
+          </a:p>
+        </p:txBody>
+      </p:sp>
+    </p:spTree>
+    <p:extLst>
+      <p:ext uri="{BB962C8B-B14F-4D97-AF65-F5344CB8AC3E}">
+        <p14:creationId xmlns:p14="http://schemas.microsoft.com/office/powerpoint/2010/main" val="3885520567"/>
+      </p:ext>
+    </p:extLst>
+  </p:cSld>
+  <p:clrMapOvr>
+    <a:masterClrMapping/>
+  </p:clrMapOvr>
+</p:sld>
+</file>
+
+<file path=ppt/slides/slide17.xml><?xml version="1.0" encoding="utf-8"?>
+<p:sld xmlns:a="http://schemas.openxmlformats.org/drawingml/2006/main" xmlns:r="http://schemas.openxmlformats.org/officeDocument/2006/relationships" xmlns:p="http://schemas.openxmlformats.org/presentationml/2006/main">
+  <p:cSld>
+    <p:spTree>
+      <p:nvGrpSpPr>
+        <p:cNvPr id="1" name=""/>
+        <p:cNvGrpSpPr/>
+        <p:nvPr/>
+      </p:nvGrpSpPr>
+      <p:grpSpPr>
+        <a:xfrm>
+          <a:off x="0" y="0"/>
+          <a:ext cx="0" cy="0"/>
+          <a:chOff x="0" y="0"/>
+          <a:chExt cx="0" cy="0"/>
+        </a:xfrm>
+      </p:grpSpPr>
+      <p:sp>
+        <p:nvSpPr>
+          <p:cNvPr id="2" name="Titre 1">
+            <a:extLst>
+              <a:ext uri="{FF2B5EF4-FFF2-40B4-BE49-F238E27FC236}">
+                <a16:creationId xmlns:a16="http://schemas.microsoft.com/office/drawing/2014/main" id="{7E0EC95E-7298-1777-DC04-1C4433E4AF1F}"/>
+              </a:ext>
+            </a:extLst>
+          </p:cNvPr>
+          <p:cNvSpPr>
+            <a:spLocks noGrp="1"/>
+          </p:cNvSpPr>
+          <p:nvPr>
+            <p:ph type="title"/>
+          </p:nvPr>
+        </p:nvSpPr>
+        <p:spPr/>
+        <p:txBody>
+          <a:bodyPr/>
+          <a:lstStyle/>
+          <a:p>
+            <a:r>
+              <a:rPr lang="fr-FR" dirty="0"/>
+              <a:t>Erreur après push</a:t>
+            </a:r>
+          </a:p>
+        </p:txBody>
+      </p:sp>
+      <p:sp>
+        <p:nvSpPr>
+          <p:cNvPr id="3" name="Espace réservé du contenu 2">
+            <a:extLst>
+              <a:ext uri="{FF2B5EF4-FFF2-40B4-BE49-F238E27FC236}">
+                <a16:creationId xmlns:a16="http://schemas.microsoft.com/office/drawing/2014/main" id="{7DBA0353-CD48-955D-E3EE-B291E30599B8}"/>
+              </a:ext>
+            </a:extLst>
+          </p:cNvPr>
+          <p:cNvSpPr>
+            <a:spLocks noGrp="1"/>
+          </p:cNvSpPr>
+          <p:nvPr>
+            <p:ph idx="1"/>
+          </p:nvPr>
+        </p:nvSpPr>
+        <p:spPr/>
+        <p:txBody>
+          <a:bodyPr/>
+          <a:lstStyle/>
+          <a:p>
+            <a:r>
+              <a:rPr lang="fr-FR" dirty="0"/>
+              <a:t>C'est le cas le plus délicat</a:t>
+            </a:r>
+          </a:p>
+          <a:p>
+            <a:r>
+              <a:rPr lang="fr-FR" dirty="0"/>
+              <a:t>Tout push devrait être fait après des tests unitaires</a:t>
+            </a:r>
+          </a:p>
+        </p:txBody>
+      </p:sp>
+    </p:spTree>
+    <p:extLst>
+      <p:ext uri="{BB962C8B-B14F-4D97-AF65-F5344CB8AC3E}">
+        <p14:creationId xmlns:p14="http://schemas.microsoft.com/office/powerpoint/2010/main" val="3720228999"/>
+      </p:ext>
+    </p:extLst>
+  </p:cSld>
+  <p:clrMapOvr>
+    <a:masterClrMapping/>
+  </p:clrMapOvr>
+</p:sld>
+</file>
+
+<file path=ppt/slides/slide18.xml><?xml version="1.0" encoding="utf-8"?>
+<p:sld xmlns:a="http://schemas.openxmlformats.org/drawingml/2006/main" xmlns:r="http://schemas.openxmlformats.org/officeDocument/2006/relationships" xmlns:p="http://schemas.openxmlformats.org/presentationml/2006/main">
+  <p:cSld>
+    <p:spTree>
+      <p:nvGrpSpPr>
+        <p:cNvPr id="1" name=""/>
+        <p:cNvGrpSpPr/>
+        <p:nvPr/>
+      </p:nvGrpSpPr>
+      <p:grpSpPr>
+        <a:xfrm>
+          <a:off x="0" y="0"/>
+          <a:ext cx="0" cy="0"/>
+          <a:chOff x="0" y="0"/>
+          <a:chExt cx="0" cy="0"/>
+        </a:xfrm>
+      </p:grpSpPr>
+      <p:sp>
+        <p:nvSpPr>
+          <p:cNvPr id="2" name="Titre 1">
+            <a:extLst>
+              <a:ext uri="{FF2B5EF4-FFF2-40B4-BE49-F238E27FC236}">
+                <a16:creationId xmlns:a16="http://schemas.microsoft.com/office/drawing/2014/main" id="{247EC911-9486-BB4E-82B1-C80C5E960663}"/>
+              </a:ext>
+            </a:extLst>
+          </p:cNvPr>
+          <p:cNvSpPr>
+            <a:spLocks noGrp="1"/>
+          </p:cNvSpPr>
+          <p:nvPr>
+            <p:ph type="title"/>
+          </p:nvPr>
+        </p:nvSpPr>
+        <p:spPr/>
+        <p:txBody>
+          <a:bodyPr/>
+          <a:lstStyle/>
+          <a:p>
+            <a:r>
+              <a:rPr lang="fr-FR" dirty="0" err="1"/>
+              <a:t>Revert</a:t>
+            </a:r>
+            <a:endParaRPr lang="fr-FR" dirty="0"/>
+          </a:p>
+        </p:txBody>
+      </p:sp>
+      <p:sp>
+        <p:nvSpPr>
+          <p:cNvPr id="3" name="Espace réservé du contenu 2">
+            <a:extLst>
+              <a:ext uri="{FF2B5EF4-FFF2-40B4-BE49-F238E27FC236}">
+                <a16:creationId xmlns:a16="http://schemas.microsoft.com/office/drawing/2014/main" id="{E6D7E41E-027F-377C-BF57-C38DC2E60EC8}"/>
+              </a:ext>
+            </a:extLst>
+          </p:cNvPr>
+          <p:cNvSpPr>
+            <a:spLocks noGrp="1"/>
+          </p:cNvSpPr>
+          <p:nvPr>
+            <p:ph idx="1"/>
+          </p:nvPr>
+        </p:nvSpPr>
+        <p:spPr/>
+        <p:txBody>
+          <a:bodyPr/>
+          <a:lstStyle/>
+          <a:p>
+            <a:r>
+              <a:rPr lang="fr-FR" dirty="0"/>
+              <a:t>Il est possible d'annuler son commit public avec la commande git </a:t>
+            </a:r>
+            <a:r>
+              <a:rPr lang="fr-FR" dirty="0" err="1"/>
+              <a:t>revert</a:t>
+            </a:r>
+            <a:endParaRPr lang="fr-FR" dirty="0"/>
+          </a:p>
+          <a:p>
+            <a:r>
+              <a:rPr lang="fr-FR" dirty="0"/>
+              <a:t>L'opération </a:t>
+            </a:r>
+            <a:r>
+              <a:rPr lang="fr-FR" dirty="0" err="1"/>
+              <a:t>revert</a:t>
+            </a:r>
+            <a:r>
+              <a:rPr lang="fr-FR" dirty="0"/>
+              <a:t> annule un commit en créant un nouveau commit</a:t>
+            </a:r>
+          </a:p>
+          <a:p>
+            <a:pPr lvl="1"/>
+            <a:r>
+              <a:rPr lang="fr-FR" dirty="0"/>
+              <a:t>C'est une méthode sûre pour annuler des changements, car elle ne risque pas de réécrire l'historique du commit</a:t>
+            </a:r>
+          </a:p>
+          <a:p>
+            <a:pPr lvl="1"/>
+            <a:r>
+              <a:rPr lang="fr-FR" dirty="0"/>
+              <a:t>git </a:t>
+            </a:r>
+            <a:r>
+              <a:rPr lang="fr-FR" dirty="0" err="1"/>
+              <a:t>revert</a:t>
+            </a:r>
+            <a:r>
+              <a:rPr lang="fr-FR" dirty="0"/>
+              <a:t> HEAD </a:t>
+            </a:r>
+          </a:p>
+          <a:p>
+            <a:pPr lvl="1"/>
+            <a:r>
+              <a:rPr lang="fr-FR" dirty="0"/>
+              <a:t>HEAD^ sur les anciennes version</a:t>
+            </a:r>
+          </a:p>
+        </p:txBody>
+      </p:sp>
+    </p:spTree>
+    <p:extLst>
+      <p:ext uri="{BB962C8B-B14F-4D97-AF65-F5344CB8AC3E}">
+        <p14:creationId xmlns:p14="http://schemas.microsoft.com/office/powerpoint/2010/main" val="795277146"/>
+      </p:ext>
+    </p:extLst>
+  </p:cSld>
+  <p:clrMapOvr>
+    <a:masterClrMapping/>
+  </p:clrMapOvr>
+</p:sld>
+</file>
+
+<file path=ppt/slides/slide19.xml><?xml version="1.0" encoding="utf-8"?>
+<p:sld xmlns:a="http://schemas.openxmlformats.org/drawingml/2006/main" xmlns:r="http://schemas.openxmlformats.org/officeDocument/2006/relationships" xmlns:p="http://schemas.openxmlformats.org/presentationml/2006/main">
+  <p:cSld>
+    <p:spTree>
+      <p:nvGrpSpPr>
+        <p:cNvPr id="1" name=""/>
+        <p:cNvGrpSpPr/>
+        <p:nvPr/>
+      </p:nvGrpSpPr>
+      <p:grpSpPr>
+        <a:xfrm>
+          <a:off x="0" y="0"/>
+          <a:ext cx="0" cy="0"/>
+          <a:chOff x="0" y="0"/>
+          <a:chExt cx="0" cy="0"/>
+        </a:xfrm>
+      </p:grpSpPr>
+      <p:sp>
+        <p:nvSpPr>
+          <p:cNvPr id="2" name="Titre 1">
+            <a:extLst>
+              <a:ext uri="{FF2B5EF4-FFF2-40B4-BE49-F238E27FC236}">
+                <a16:creationId xmlns:a16="http://schemas.microsoft.com/office/drawing/2014/main" id="{3C0A34E3-63D6-E425-C108-F3B660274FBB}"/>
+              </a:ext>
+            </a:extLst>
+          </p:cNvPr>
+          <p:cNvSpPr>
+            <a:spLocks noGrp="1"/>
+          </p:cNvSpPr>
+          <p:nvPr>
+            <p:ph type="title"/>
+          </p:nvPr>
+        </p:nvSpPr>
+        <p:spPr/>
+        <p:txBody>
+          <a:bodyPr/>
+          <a:lstStyle/>
+          <a:p>
+            <a:r>
+              <a:rPr lang="fr-FR" dirty="0" err="1"/>
+              <a:t>Revert</a:t>
+            </a:r>
+            <a:endParaRPr lang="fr-FR" dirty="0"/>
+          </a:p>
+        </p:txBody>
+      </p:sp>
+      <p:sp>
+        <p:nvSpPr>
+          <p:cNvPr id="3" name="Espace réservé du contenu 2">
+            <a:extLst>
+              <a:ext uri="{FF2B5EF4-FFF2-40B4-BE49-F238E27FC236}">
+                <a16:creationId xmlns:a16="http://schemas.microsoft.com/office/drawing/2014/main" id="{B4220C7F-29B8-D914-574E-E15AAA7BF415}"/>
+              </a:ext>
+            </a:extLst>
+          </p:cNvPr>
+          <p:cNvSpPr>
+            <a:spLocks noGrp="1"/>
+          </p:cNvSpPr>
+          <p:nvPr>
+            <p:ph idx="1"/>
+          </p:nvPr>
+        </p:nvSpPr>
+        <p:spPr/>
+        <p:txBody>
+          <a:bodyPr/>
+          <a:lstStyle/>
+          <a:p>
+            <a:r>
+              <a:rPr lang="fr-FR" dirty="0" err="1"/>
+              <a:t>Revert</a:t>
+            </a:r>
+            <a:r>
+              <a:rPr lang="fr-FR" dirty="0"/>
+              <a:t> vs Reset</a:t>
+            </a:r>
+          </a:p>
+          <a:p>
+            <a:pPr lvl="1"/>
+            <a:r>
+              <a:rPr lang="fr-FR" dirty="0" err="1"/>
+              <a:t>Revert</a:t>
+            </a:r>
+            <a:r>
+              <a:rPr lang="fr-FR" dirty="0"/>
+              <a:t> ajoute un commit qui annule ce dernier</a:t>
+            </a:r>
+          </a:p>
+          <a:p>
+            <a:pPr lvl="1"/>
+            <a:r>
+              <a:rPr lang="fr-FR" dirty="0"/>
+              <a:t>git </a:t>
+            </a:r>
+            <a:r>
+              <a:rPr lang="fr-FR" dirty="0" err="1"/>
+              <a:t>revert</a:t>
+            </a:r>
+            <a:r>
+              <a:rPr lang="fr-FR" dirty="0"/>
+              <a:t>  sert à annuler des changements </a:t>
+            </a:r>
+            <a:r>
+              <a:rPr lang="fr-FR" dirty="0" err="1"/>
+              <a:t>commités</a:t>
+            </a:r>
+            <a:r>
+              <a:rPr lang="fr-FR" dirty="0"/>
+              <a:t>, tandis que git reset HEAD permet d'annuler des changements non comités</a:t>
+            </a:r>
+          </a:p>
+          <a:p>
+            <a:r>
+              <a:rPr lang="fr-FR" dirty="0"/>
+              <a:t>Attention un </a:t>
+            </a:r>
+            <a:r>
+              <a:rPr lang="fr-FR" dirty="0" err="1"/>
+              <a:t>revert</a:t>
+            </a:r>
+            <a:r>
+              <a:rPr lang="fr-FR" dirty="0"/>
+              <a:t> va potentiellement effacer des fichiers</a:t>
+            </a:r>
+          </a:p>
+          <a:p>
+            <a:pPr lvl="1"/>
+            <a:r>
+              <a:rPr lang="fr-FR" dirty="0"/>
+              <a:t>Solution : </a:t>
+            </a:r>
+            <a:r>
+              <a:rPr lang="fr-FR" dirty="0" err="1"/>
+              <a:t>stash</a:t>
+            </a:r>
+            <a:r>
+              <a:rPr lang="fr-FR" dirty="0"/>
+              <a:t> avant le </a:t>
+            </a:r>
+            <a:r>
+              <a:rPr lang="fr-FR" dirty="0" err="1"/>
+              <a:t>revert</a:t>
+            </a:r>
+            <a:endParaRPr lang="fr-FR" dirty="0"/>
+          </a:p>
+        </p:txBody>
+      </p:sp>
+    </p:spTree>
+    <p:extLst>
+      <p:ext uri="{BB962C8B-B14F-4D97-AF65-F5344CB8AC3E}">
+        <p14:creationId xmlns:p14="http://schemas.microsoft.com/office/powerpoint/2010/main" val="3862537992"/>
+      </p:ext>
+    </p:extLst>
+  </p:cSld>
+  <p:clrMapOvr>
+    <a:masterClrMapping/>
+  </p:clrMapOvr>
+</p:sld>
+</file>
+
+<file path=ppt/slides/slide2.xml><?xml version="1.0" encoding="utf-8"?>
+<p:sld xmlns:a="http://schemas.openxmlformats.org/drawingml/2006/main" xmlns:r="http://schemas.openxmlformats.org/officeDocument/2006/relationships" xmlns:p="http://schemas.openxmlformats.org/presentationml/2006/main">
+  <p:cSld>
+    <p:spTree>
+      <p:nvGrpSpPr>
+        <p:cNvPr id="1" name=""/>
+        <p:cNvGrpSpPr/>
+        <p:nvPr/>
+      </p:nvGrpSpPr>
+      <p:grpSpPr>
+        <a:xfrm>
+          <a:off x="0" y="0"/>
+          <a:ext cx="0" cy="0"/>
+          <a:chOff x="0" y="0"/>
+          <a:chExt cx="0" cy="0"/>
+        </a:xfrm>
+      </p:grpSpPr>
+      <p:sp>
+        <p:nvSpPr>
+          <p:cNvPr id="2" name="Titre 1">
+            <a:extLst>
+              <a:ext uri="{FF2B5EF4-FFF2-40B4-BE49-F238E27FC236}">
+                <a16:creationId xmlns:a16="http://schemas.microsoft.com/office/drawing/2014/main" id="{5BDDA7A2-C406-AD77-ABF4-248E7C7B035E}"/>
+              </a:ext>
+            </a:extLst>
+          </p:cNvPr>
+          <p:cNvSpPr>
+            <a:spLocks noGrp="1"/>
+          </p:cNvSpPr>
+          <p:nvPr>
+            <p:ph type="title"/>
+          </p:nvPr>
+        </p:nvSpPr>
+        <p:spPr/>
+        <p:txBody>
+          <a:bodyPr/>
+          <a:lstStyle/>
+          <a:p>
+            <a:r>
+              <a:rPr lang="fr-FR" dirty="0"/>
+              <a:t>Erreurs</a:t>
+            </a:r>
+          </a:p>
+        </p:txBody>
+      </p:sp>
+      <p:sp>
+        <p:nvSpPr>
+          <p:cNvPr id="3" name="Espace réservé du contenu 2">
+            <a:extLst>
+              <a:ext uri="{FF2B5EF4-FFF2-40B4-BE49-F238E27FC236}">
+                <a16:creationId xmlns:a16="http://schemas.microsoft.com/office/drawing/2014/main" id="{8E18C4C5-E357-A826-ED10-E00F7CFDB8BB}"/>
+              </a:ext>
+            </a:extLst>
+          </p:cNvPr>
+          <p:cNvSpPr>
+            <a:spLocks noGrp="1"/>
+          </p:cNvSpPr>
+          <p:nvPr>
+            <p:ph idx="1"/>
+          </p:nvPr>
+        </p:nvSpPr>
+        <p:spPr/>
+        <p:txBody>
+          <a:bodyPr/>
+          <a:lstStyle/>
+          <a:p>
+            <a:r>
+              <a:rPr lang="fr-FR" dirty="0"/>
+              <a:t>Git est un outil merveilleux, mais on a vite fait de créer une branche alors qu’on ne le souhaitait pas, de modifier la branche principale ou encore d’oublier des fichiers dans ses </a:t>
+            </a:r>
+            <a:r>
+              <a:rPr lang="fr-FR" dirty="0" err="1"/>
+              <a:t>commits</a:t>
+            </a:r>
+            <a:endParaRPr lang="fr-FR" dirty="0"/>
+          </a:p>
+          <a:p>
+            <a:r>
+              <a:rPr lang="fr-FR" dirty="0"/>
+              <a:t>Mais ne vous inquiétez pas, nous allons voir ensemble que toutes ces petites erreurs ne sont pas difficiles à corriger avec les bonnes techniques.</a:t>
+            </a:r>
+          </a:p>
+        </p:txBody>
+      </p:sp>
+    </p:spTree>
+    <p:extLst>
+      <p:ext uri="{BB962C8B-B14F-4D97-AF65-F5344CB8AC3E}">
+        <p14:creationId xmlns:p14="http://schemas.microsoft.com/office/powerpoint/2010/main" val="1474394765"/>
+      </p:ext>
+    </p:extLst>
+  </p:cSld>
+  <p:clrMapOvr>
+    <a:masterClrMapping/>
+  </p:clrMapOvr>
+</p:sld>
+</file>
+
+<file path=ppt/slides/slide20.xml><?xml version="1.0" encoding="utf-8"?>
+<p:sld xmlns:a="http://schemas.openxmlformats.org/drawingml/2006/main" xmlns:r="http://schemas.openxmlformats.org/officeDocument/2006/relationships" xmlns:p="http://schemas.openxmlformats.org/presentationml/2006/main">
+  <p:cSld>
+    <p:spTree>
+      <p:nvGrpSpPr>
+        <p:cNvPr id="1" name=""/>
+        <p:cNvGrpSpPr/>
+        <p:nvPr/>
+      </p:nvGrpSpPr>
+      <p:grpSpPr>
+        <a:xfrm>
+          <a:off x="0" y="0"/>
+          <a:ext cx="0" cy="0"/>
+          <a:chOff x="0" y="0"/>
+          <a:chExt cx="0" cy="0"/>
+        </a:xfrm>
+      </p:grpSpPr>
+      <p:sp>
+        <p:nvSpPr>
+          <p:cNvPr id="2" name="Titre 1">
+            <a:extLst>
+              <a:ext uri="{FF2B5EF4-FFF2-40B4-BE49-F238E27FC236}">
+                <a16:creationId xmlns:a16="http://schemas.microsoft.com/office/drawing/2014/main" id="{847AE7E9-F0EB-61F2-0C00-F1E4E650E941}"/>
+              </a:ext>
+            </a:extLst>
+          </p:cNvPr>
+          <p:cNvSpPr>
+            <a:spLocks noGrp="1"/>
+          </p:cNvSpPr>
+          <p:nvPr>
+            <p:ph type="title"/>
+          </p:nvPr>
+        </p:nvSpPr>
+        <p:spPr/>
+        <p:txBody>
+          <a:bodyPr/>
+          <a:lstStyle/>
+          <a:p>
+            <a:r>
+              <a:rPr lang="fr-FR" dirty="0" err="1"/>
+              <a:t>Revert</a:t>
+            </a:r>
+            <a:endParaRPr lang="fr-FR" dirty="0"/>
+          </a:p>
+        </p:txBody>
+      </p:sp>
+      <p:sp>
+        <p:nvSpPr>
+          <p:cNvPr id="3" name="Espace réservé du contenu 2">
+            <a:extLst>
+              <a:ext uri="{FF2B5EF4-FFF2-40B4-BE49-F238E27FC236}">
+                <a16:creationId xmlns:a16="http://schemas.microsoft.com/office/drawing/2014/main" id="{41A9B2BD-5DF7-607B-B95F-D195DEC22194}"/>
+              </a:ext>
+            </a:extLst>
+          </p:cNvPr>
+          <p:cNvSpPr>
+            <a:spLocks noGrp="1"/>
+          </p:cNvSpPr>
+          <p:nvPr>
+            <p:ph idx="1"/>
+          </p:nvPr>
+        </p:nvSpPr>
+        <p:spPr/>
+        <p:txBody>
+          <a:bodyPr/>
+          <a:lstStyle/>
+          <a:p>
+            <a:endParaRPr lang="fr-FR"/>
+          </a:p>
+        </p:txBody>
+      </p:sp>
+      <p:pic>
+        <p:nvPicPr>
+          <p:cNvPr id="5" name="Image 4">
+            <a:extLst>
+              <a:ext uri="{FF2B5EF4-FFF2-40B4-BE49-F238E27FC236}">
+                <a16:creationId xmlns:a16="http://schemas.microsoft.com/office/drawing/2014/main" id="{9B7E3408-F63A-6415-6961-A66119DC60FE}"/>
+              </a:ext>
+            </a:extLst>
+          </p:cNvPr>
+          <p:cNvPicPr>
+            <a:picLocks noChangeAspect="1"/>
+          </p:cNvPicPr>
+          <p:nvPr/>
+        </p:nvPicPr>
+        <p:blipFill>
+          <a:blip r:embed="rId2"/>
+          <a:stretch>
+            <a:fillRect/>
+          </a:stretch>
+        </p:blipFill>
+        <p:spPr>
+          <a:xfrm>
+            <a:off x="0" y="1340768"/>
+            <a:ext cx="9153020" cy="4752528"/>
+          </a:xfrm>
+          <a:prstGeom prst="rect">
+            <a:avLst/>
+          </a:prstGeom>
+        </p:spPr>
+      </p:pic>
+    </p:spTree>
+    <p:extLst>
+      <p:ext uri="{BB962C8B-B14F-4D97-AF65-F5344CB8AC3E}">
+        <p14:creationId xmlns:p14="http://schemas.microsoft.com/office/powerpoint/2010/main" val="1010832246"/>
+      </p:ext>
+    </p:extLst>
+  </p:cSld>
+  <p:clrMapOvr>
+    <a:masterClrMapping/>
+  </p:clrMapOvr>
+</p:sld>
+</file>
+
+<file path=ppt/slides/slide21.xml><?xml version="1.0" encoding="utf-8"?>
+<p:sld xmlns:a="http://schemas.openxmlformats.org/drawingml/2006/main" xmlns:r="http://schemas.openxmlformats.org/officeDocument/2006/relationships" xmlns:p="http://schemas.openxmlformats.org/presentationml/2006/main">
+  <p:cSld>
+    <p:spTree>
+      <p:nvGrpSpPr>
+        <p:cNvPr id="1" name=""/>
+        <p:cNvGrpSpPr/>
+        <p:nvPr/>
+      </p:nvGrpSpPr>
+      <p:grpSpPr>
+        <a:xfrm>
+          <a:off x="0" y="0"/>
+          <a:ext cx="0" cy="0"/>
+          <a:chOff x="0" y="0"/>
+          <a:chExt cx="0" cy="0"/>
+        </a:xfrm>
+      </p:grpSpPr>
+      <p:sp>
+        <p:nvSpPr>
+          <p:cNvPr id="2" name="Titre 1">
+            <a:extLst>
+              <a:ext uri="{FF2B5EF4-FFF2-40B4-BE49-F238E27FC236}">
+                <a16:creationId xmlns:a16="http://schemas.microsoft.com/office/drawing/2014/main" id="{E15E48FD-AE46-24C9-F354-D49ADCA4E8B8}"/>
+              </a:ext>
+            </a:extLst>
+          </p:cNvPr>
+          <p:cNvSpPr>
+            <a:spLocks noGrp="1"/>
+          </p:cNvSpPr>
+          <p:nvPr>
+            <p:ph type="title"/>
+          </p:nvPr>
+        </p:nvSpPr>
+        <p:spPr/>
+        <p:txBody>
+          <a:bodyPr/>
+          <a:lstStyle/>
+          <a:p>
+            <a:r>
+              <a:rPr lang="fr-FR" dirty="0"/>
+              <a:t>Erreurs sur le main </a:t>
+            </a:r>
+            <a:r>
+              <a:rPr lang="fr-FR" dirty="0" err="1"/>
+              <a:t>remote</a:t>
+            </a:r>
+            <a:endParaRPr lang="fr-FR" dirty="0"/>
+          </a:p>
+        </p:txBody>
+      </p:sp>
+      <p:sp>
+        <p:nvSpPr>
+          <p:cNvPr id="3" name="Espace réservé du contenu 2">
+            <a:extLst>
+              <a:ext uri="{FF2B5EF4-FFF2-40B4-BE49-F238E27FC236}">
+                <a16:creationId xmlns:a16="http://schemas.microsoft.com/office/drawing/2014/main" id="{E7E21B02-7FF3-7441-4F0D-FAB86F460033}"/>
+              </a:ext>
+            </a:extLst>
+          </p:cNvPr>
+          <p:cNvSpPr>
+            <a:spLocks noGrp="1"/>
+          </p:cNvSpPr>
+          <p:nvPr>
+            <p:ph idx="1"/>
+          </p:nvPr>
+        </p:nvSpPr>
+        <p:spPr/>
+        <p:txBody>
+          <a:bodyPr/>
+          <a:lstStyle/>
+          <a:p>
+            <a:r>
+              <a:rPr lang="fr-FR" dirty="0"/>
+              <a:t>C'est le pire cas</a:t>
+            </a:r>
+          </a:p>
+          <a:p>
+            <a:pPr lvl="1"/>
+            <a:r>
+              <a:rPr lang="fr-FR" dirty="0"/>
+              <a:t>Les pull </a:t>
+            </a:r>
+            <a:r>
+              <a:rPr lang="fr-FR" dirty="0" err="1"/>
+              <a:t>request</a:t>
+            </a:r>
+            <a:r>
+              <a:rPr lang="fr-FR" dirty="0"/>
+              <a:t> sont fait pour éviter cela</a:t>
+            </a:r>
+          </a:p>
+          <a:p>
+            <a:pPr lvl="1"/>
+            <a:r>
+              <a:rPr lang="fr-FR" dirty="0"/>
+              <a:t>En général on n'annule pas le commit sur main</a:t>
+            </a:r>
+          </a:p>
+          <a:p>
+            <a:pPr lvl="1"/>
+            <a:r>
+              <a:rPr lang="fr-FR" dirty="0"/>
+              <a:t>Il faudrait créer un nouveau commit qui corrige le bug soit manuellement soit par un </a:t>
+            </a:r>
+            <a:r>
+              <a:rPr lang="fr-FR" dirty="0" err="1"/>
+              <a:t>revert</a:t>
+            </a:r>
+            <a:endParaRPr lang="fr-FR" dirty="0"/>
+          </a:p>
+        </p:txBody>
+      </p:sp>
+    </p:spTree>
+    <p:extLst>
+      <p:ext uri="{BB962C8B-B14F-4D97-AF65-F5344CB8AC3E}">
+        <p14:creationId xmlns:p14="http://schemas.microsoft.com/office/powerpoint/2010/main" val="2495307716"/>
       </p:ext>
     </p:extLst>
   </p:cSld>
@@ -4405,7 +5528,7 @@
           <p:cNvPr id="2" name="Titre 1">
             <a:extLst>
               <a:ext uri="{FF2B5EF4-FFF2-40B4-BE49-F238E27FC236}">
-                <a16:creationId xmlns:a16="http://schemas.microsoft.com/office/drawing/2014/main" id="{5BDDA7A2-C406-AD77-ABF4-248E7C7B035E}"/>
+                <a16:creationId xmlns:a16="http://schemas.microsoft.com/office/drawing/2014/main" id="{150B35C1-11C4-3EF2-F38B-2E930936CF72}"/>
               </a:ext>
             </a:extLst>
           </p:cNvPr>
@@ -4423,7 +5546,7 @@
           <a:p>
             <a:r>
               <a:rPr lang="fr-FR" dirty="0"/>
-              <a:t>Erreurs</a:t>
+              <a:t>Erreurs avant commit</a:t>
             </a:r>
           </a:p>
         </p:txBody>
@@ -4433,7 +5556,7 @@
           <p:cNvPr id="3" name="Espace réservé du contenu 2">
             <a:extLst>
               <a:ext uri="{FF2B5EF4-FFF2-40B4-BE49-F238E27FC236}">
-                <a16:creationId xmlns:a16="http://schemas.microsoft.com/office/drawing/2014/main" id="{8E18C4C5-E357-A826-ED10-E00F7CFDB8BB}"/>
+                <a16:creationId xmlns:a16="http://schemas.microsoft.com/office/drawing/2014/main" id="{11D6ED4F-4845-5B4B-7807-D1F663A9CB59}"/>
               </a:ext>
             </a:extLst>
           </p:cNvPr>
@@ -4451,26 +5574,68 @@
           <a:p>
             <a:r>
               <a:rPr lang="fr-FR" dirty="0"/>
-              <a:t>Git est un outil merveilleux, mais on a vite fait de créer une branche alors qu’on ne le souhaitait pas, de modifier la branche principale ou encore d’oublier des fichiers dans ses </a:t>
+              <a:t>Ce n'est pas grave, c'est facilement réversible</a:t>
+            </a:r>
+          </a:p>
+          <a:p>
+            <a:r>
+              <a:rPr lang="fr-FR" dirty="0"/>
+              <a:t>Un simple git </a:t>
             </a:r>
             <a:r>
               <a:rPr lang="fr-FR" dirty="0" err="1"/>
-              <a:t>commits</a:t>
+              <a:t>rm</a:t>
+            </a:r>
+            <a:r>
+              <a:rPr lang="fr-FR" dirty="0"/>
+              <a:t> devrait suffire</a:t>
+            </a:r>
+          </a:p>
+          <a:p>
+            <a:r>
+              <a:rPr lang="fr-FR" dirty="0"/>
+              <a:t>Pour les branches</a:t>
+            </a:r>
+          </a:p>
+          <a:p>
+            <a:pPr lvl="1"/>
+            <a:r>
+              <a:rPr lang="fr-FR" dirty="0"/>
+              <a:t>git </a:t>
+            </a:r>
+            <a:r>
+              <a:rPr lang="fr-FR" dirty="0" err="1"/>
+              <a:t>branch</a:t>
+            </a:r>
+            <a:r>
+              <a:rPr lang="fr-FR" dirty="0"/>
+              <a:t> -d </a:t>
+            </a:r>
+            <a:r>
+              <a:rPr lang="fr-FR" dirty="0" err="1"/>
+              <a:t>brancheTest</a:t>
             </a:r>
             <a:endParaRPr lang="fr-FR" dirty="0"/>
           </a:p>
           <a:p>
-            <a:r>
-              <a:rPr lang="fr-FR" dirty="0"/>
-              <a:t>Mais ne vous inquiétez pas, nous allons voir ensemble que toutes ces petites erreurs ne sont pas difficiles à corriger avec les bonnes techniques.</a:t>
-            </a:r>
+            <a:pPr lvl="1"/>
+            <a:r>
+              <a:rPr lang="fr-FR" dirty="0"/>
+              <a:t>ou –D si la branche n'est pas vide</a:t>
+            </a:r>
+          </a:p>
+          <a:p>
+            <a:pPr marL="0" indent="0">
+              <a:buNone/>
+            </a:pPr>
+            <a:endParaRPr lang="fr-FR" dirty="0"/>
           </a:p>
         </p:txBody>
       </p:sp>
     </p:spTree>
     <p:extLst>
       <p:ext uri="{BB962C8B-B14F-4D97-AF65-F5344CB8AC3E}">
-        <p14:creationId xmlns:p14="http://schemas.microsoft.com/office/powerpoint/2010/main" val="1474394765"/>
+        <p14:creationId xmlns:p14="http://schemas.microsoft.com/office/powerpoint/2010/main" val="1659599680"/>
       </p:ext>
     </p:extLst>
   </p:cSld>
@@ -4502,7 +5667,7 @@
           <p:cNvPr id="2" name="Titre 1">
             <a:extLst>
               <a:ext uri="{FF2B5EF4-FFF2-40B4-BE49-F238E27FC236}">
-                <a16:creationId xmlns:a16="http://schemas.microsoft.com/office/drawing/2014/main" id="{150B35C1-11C4-3EF2-F38B-2E930936CF72}"/>
+                <a16:creationId xmlns:a16="http://schemas.microsoft.com/office/drawing/2014/main" id="{D64E23D6-871C-3C2D-665F-4D8C6811034C}"/>
               </a:ext>
             </a:extLst>
           </p:cNvPr>
@@ -4519,9 +5684,10 @@
           <a:lstStyle/>
           <a:p>
             <a:r>
-              <a:rPr lang="fr-FR" dirty="0"/>
-              <a:t>Erreurs avant commit</a:t>
-            </a:r>
+              <a:rPr lang="fr-FR" dirty="0" err="1"/>
+              <a:t>Stash</a:t>
+            </a:r>
+            <a:endParaRPr lang="fr-FR" dirty="0"/>
           </a:p>
         </p:txBody>
       </p:sp>
@@ -4530,7 +5696,7 @@
           <p:cNvPr id="3" name="Espace réservé du contenu 2">
             <a:extLst>
               <a:ext uri="{FF2B5EF4-FFF2-40B4-BE49-F238E27FC236}">
-                <a16:creationId xmlns:a16="http://schemas.microsoft.com/office/drawing/2014/main" id="{11D6ED4F-4845-5B4B-7807-D1F663A9CB59}"/>
+                <a16:creationId xmlns:a16="http://schemas.microsoft.com/office/drawing/2014/main" id="{B4A205B7-75B6-F453-7B58-90D09B622435}"/>
               </a:ext>
             </a:extLst>
           </p:cNvPr>
@@ -4548,60 +5714,24 @@
           <a:p>
             <a:r>
               <a:rPr lang="fr-FR" dirty="0"/>
-              <a:t>Ce n'est pas grave, c'est facilement réversible</a:t>
-            </a:r>
-          </a:p>
-          <a:p>
-            <a:r>
-              <a:rPr lang="fr-FR" dirty="0"/>
-              <a:t>Un simple git </a:t>
+              <a:t>J’ai modifié la branche principale</a:t>
+            </a:r>
+          </a:p>
+          <a:p>
+            <a:r>
+              <a:rPr lang="fr-FR" dirty="0"/>
+              <a:t>Si vous avez modifié votre branche principale avant de créer votre branche et que vous n'avez pas fait le commit, ce n’est pas bien grave</a:t>
+            </a:r>
+          </a:p>
+          <a:p>
+            <a:r>
+              <a:rPr lang="fr-FR" dirty="0"/>
+              <a:t>Il vous suffit de faire un </a:t>
             </a:r>
             <a:r>
               <a:rPr lang="fr-FR" dirty="0" err="1"/>
-              <a:t>rm</a:t>
-            </a:r>
-            <a:r>
-              <a:rPr lang="fr-FR" dirty="0"/>
-              <a:t> devrait suffire</a:t>
-            </a:r>
-          </a:p>
-          <a:p>
-            <a:r>
-              <a:rPr lang="fr-FR" dirty="0"/>
-              <a:t>Pour les branches</a:t>
-            </a:r>
-          </a:p>
-          <a:p>
-            <a:pPr lvl="1"/>
-            <a:r>
-              <a:rPr lang="fr-FR" dirty="0"/>
-              <a:t>git </a:t>
-            </a:r>
-            <a:r>
-              <a:rPr lang="fr-FR" dirty="0" err="1"/>
-              <a:t>branch</a:t>
-            </a:r>
-            <a:r>
-              <a:rPr lang="fr-FR" dirty="0"/>
-              <a:t> -d </a:t>
-            </a:r>
-            <a:r>
-              <a:rPr lang="fr-FR" dirty="0" err="1"/>
-              <a:t>brancheTest</a:t>
-            </a:r>
-            <a:endParaRPr lang="fr-FR" dirty="0"/>
-          </a:p>
-          <a:p>
-            <a:pPr lvl="1"/>
-            <a:r>
-              <a:rPr lang="fr-FR" dirty="0"/>
-              <a:t>ou –D si la branche n'est pas vide</a:t>
-            </a:r>
-          </a:p>
-          <a:p>
-            <a:pPr marL="0" indent="0">
-              <a:buNone/>
-            </a:pPr>
+              <a:t>stash</a:t>
+            </a:r>
             <a:endParaRPr lang="fr-FR" dirty="0"/>
           </a:p>
         </p:txBody>
@@ -4609,7 +5739,7 @@
     </p:spTree>
     <p:extLst>
       <p:ext uri="{BB962C8B-B14F-4D97-AF65-F5344CB8AC3E}">
-        <p14:creationId xmlns:p14="http://schemas.microsoft.com/office/powerpoint/2010/main" val="1659599680"/>
+        <p14:creationId xmlns:p14="http://schemas.microsoft.com/office/powerpoint/2010/main" val="398838702"/>
       </p:ext>
     </p:extLst>
   </p:cSld>
@@ -4641,110 +5771,6 @@
           <p:cNvPr id="2" name="Titre 1">
             <a:extLst>
               <a:ext uri="{FF2B5EF4-FFF2-40B4-BE49-F238E27FC236}">
-                <a16:creationId xmlns:a16="http://schemas.microsoft.com/office/drawing/2014/main" id="{D64E23D6-871C-3C2D-665F-4D8C6811034C}"/>
-              </a:ext>
-            </a:extLst>
-          </p:cNvPr>
-          <p:cNvSpPr>
-            <a:spLocks noGrp="1"/>
-          </p:cNvSpPr>
-          <p:nvPr>
-            <p:ph type="title"/>
-          </p:nvPr>
-        </p:nvSpPr>
-        <p:spPr/>
-        <p:txBody>
-          <a:bodyPr/>
-          <a:lstStyle/>
-          <a:p>
-            <a:r>
-              <a:rPr lang="fr-FR" dirty="0" err="1"/>
-              <a:t>Stash</a:t>
-            </a:r>
-            <a:endParaRPr lang="fr-FR" dirty="0"/>
-          </a:p>
-        </p:txBody>
-      </p:sp>
-      <p:sp>
-        <p:nvSpPr>
-          <p:cNvPr id="3" name="Espace réservé du contenu 2">
-            <a:extLst>
-              <a:ext uri="{FF2B5EF4-FFF2-40B4-BE49-F238E27FC236}">
-                <a16:creationId xmlns:a16="http://schemas.microsoft.com/office/drawing/2014/main" id="{B4A205B7-75B6-F453-7B58-90D09B622435}"/>
-              </a:ext>
-            </a:extLst>
-          </p:cNvPr>
-          <p:cNvSpPr>
-            <a:spLocks noGrp="1"/>
-          </p:cNvSpPr>
-          <p:nvPr>
-            <p:ph idx="1"/>
-          </p:nvPr>
-        </p:nvSpPr>
-        <p:spPr/>
-        <p:txBody>
-          <a:bodyPr/>
-          <a:lstStyle/>
-          <a:p>
-            <a:r>
-              <a:rPr lang="fr-FR" dirty="0"/>
-              <a:t>J’ai modifié la branche principale</a:t>
-            </a:r>
-          </a:p>
-          <a:p>
-            <a:r>
-              <a:rPr lang="fr-FR" dirty="0"/>
-              <a:t>Si vous avez modifié votre branche principale avant de créer votre branche et que vous n'avez pas fait le commit, ce n’est pas bien grave</a:t>
-            </a:r>
-          </a:p>
-          <a:p>
-            <a:r>
-              <a:rPr lang="fr-FR" dirty="0"/>
-              <a:t>Il vous suffit de faire un </a:t>
-            </a:r>
-            <a:r>
-              <a:rPr lang="fr-FR" dirty="0" err="1"/>
-              <a:t>stash</a:t>
-            </a:r>
-            <a:endParaRPr lang="fr-FR" dirty="0"/>
-          </a:p>
-        </p:txBody>
-      </p:sp>
-    </p:spTree>
-    <p:extLst>
-      <p:ext uri="{BB962C8B-B14F-4D97-AF65-F5344CB8AC3E}">
-        <p14:creationId xmlns:p14="http://schemas.microsoft.com/office/powerpoint/2010/main" val="398838702"/>
-      </p:ext>
-    </p:extLst>
-  </p:cSld>
-  <p:clrMapOvr>
-    <a:masterClrMapping/>
-  </p:clrMapOvr>
-</p:sld>
-</file>
-
-<file path=ppt/slides/slide6.xml><?xml version="1.0" encoding="utf-8"?>
-<p:sld xmlns:a="http://schemas.openxmlformats.org/drawingml/2006/main" xmlns:r="http://schemas.openxmlformats.org/officeDocument/2006/relationships" xmlns:p="http://schemas.openxmlformats.org/presentationml/2006/main">
-  <p:cSld>
-    <p:spTree>
-      <p:nvGrpSpPr>
-        <p:cNvPr id="1" name=""/>
-        <p:cNvGrpSpPr/>
-        <p:nvPr/>
-      </p:nvGrpSpPr>
-      <p:grpSpPr>
-        <a:xfrm>
-          <a:off x="0" y="0"/>
-          <a:ext cx="0" cy="0"/>
-          <a:chOff x="0" y="0"/>
-          <a:chExt cx="0" cy="0"/>
-        </a:xfrm>
-      </p:grpSpPr>
-      <p:sp>
-        <p:nvSpPr>
-          <p:cNvPr id="2" name="Titre 1">
-            <a:extLst>
-              <a:ext uri="{FF2B5EF4-FFF2-40B4-BE49-F238E27FC236}">
                 <a16:creationId xmlns:a16="http://schemas.microsoft.com/office/drawing/2014/main" id="{0E1D70E4-CCDE-F2CA-3BAE-D73CEF4F55EE}"/>
               </a:ext>
             </a:extLst>
@@ -4991,7 +6017,7 @@
 </p:sld>
 </file>
 
-<file path=ppt/slides/slide7.xml><?xml version="1.0" encoding="utf-8"?>
+<file path=ppt/slides/slide6.xml><?xml version="1.0" encoding="utf-8"?>
 <p:sld xmlns:a="http://schemas.openxmlformats.org/drawingml/2006/main" xmlns:r="http://schemas.openxmlformats.org/officeDocument/2006/relationships" xmlns:p="http://schemas.openxmlformats.org/presentationml/2006/main">
   <p:cSld>
     <p:spTree>
@@ -5108,6 +6134,107 @@
 </p:sld>
 </file>
 
+<file path=ppt/slides/slide7.xml><?xml version="1.0" encoding="utf-8"?>
+<p:sld xmlns:a="http://schemas.openxmlformats.org/drawingml/2006/main" xmlns:r="http://schemas.openxmlformats.org/officeDocument/2006/relationships" xmlns:p="http://schemas.openxmlformats.org/presentationml/2006/main">
+  <p:cSld>
+    <p:spTree>
+      <p:nvGrpSpPr>
+        <p:cNvPr id="1" name=""/>
+        <p:cNvGrpSpPr/>
+        <p:nvPr/>
+      </p:nvGrpSpPr>
+      <p:grpSpPr>
+        <a:xfrm>
+          <a:off x="0" y="0"/>
+          <a:ext cx="0" cy="0"/>
+          <a:chOff x="0" y="0"/>
+          <a:chExt cx="0" cy="0"/>
+        </a:xfrm>
+      </p:grpSpPr>
+      <p:sp>
+        <p:nvSpPr>
+          <p:cNvPr id="2" name="Titre 1">
+            <a:extLst>
+              <a:ext uri="{FF2B5EF4-FFF2-40B4-BE49-F238E27FC236}">
+                <a16:creationId xmlns:a16="http://schemas.microsoft.com/office/drawing/2014/main" id="{44FC21B8-0FDF-C412-B3A7-F5B032C34AA3}"/>
+              </a:ext>
+            </a:extLst>
+          </p:cNvPr>
+          <p:cNvSpPr>
+            <a:spLocks noGrp="1"/>
+          </p:cNvSpPr>
+          <p:nvPr>
+            <p:ph type="title"/>
+          </p:nvPr>
+        </p:nvSpPr>
+        <p:spPr/>
+        <p:txBody>
+          <a:bodyPr/>
+          <a:lstStyle/>
+          <a:p>
+            <a:r>
+              <a:rPr lang="fr-FR" dirty="0"/>
+              <a:t>Erreurs après commit</a:t>
+            </a:r>
+          </a:p>
+        </p:txBody>
+      </p:sp>
+      <p:sp>
+        <p:nvSpPr>
+          <p:cNvPr id="3" name="Espace réservé du contenu 2">
+            <a:extLst>
+              <a:ext uri="{FF2B5EF4-FFF2-40B4-BE49-F238E27FC236}">
+                <a16:creationId xmlns:a16="http://schemas.microsoft.com/office/drawing/2014/main" id="{2D4D2737-D5CF-1D83-35CC-B56394B70519}"/>
+              </a:ext>
+            </a:extLst>
+          </p:cNvPr>
+          <p:cNvSpPr>
+            <a:spLocks noGrp="1"/>
+          </p:cNvSpPr>
+          <p:nvPr>
+            <p:ph idx="1"/>
+          </p:nvPr>
+        </p:nvSpPr>
+        <p:spPr/>
+        <p:txBody>
+          <a:bodyPr/>
+          <a:lstStyle/>
+          <a:p>
+            <a:r>
+              <a:rPr lang="fr-FR" dirty="0"/>
+              <a:t>Maintenant, admettons que vous ayez réalisé vos modifications et qu'en plus vous ayez fait le commit</a:t>
+            </a:r>
+          </a:p>
+          <a:p>
+            <a:r>
+              <a:rPr lang="fr-FR" dirty="0"/>
+              <a:t>Le cas est plus complexe, puisque vous avez enregistré vos modifications sur la branche principale, alors que vous ne deviez pas.</a:t>
+            </a:r>
+          </a:p>
+          <a:p>
+            <a:r>
+              <a:rPr lang="fr-FR" dirty="0"/>
+              <a:t>Il existe différentes stratégies pour annuler ou modifier un commit</a:t>
+            </a:r>
+          </a:p>
+          <a:p>
+            <a:endParaRPr lang="fr-FR" dirty="0"/>
+          </a:p>
+        </p:txBody>
+      </p:sp>
+    </p:spTree>
+    <p:extLst>
+      <p:ext uri="{BB962C8B-B14F-4D97-AF65-F5344CB8AC3E}">
+        <p14:creationId xmlns:p14="http://schemas.microsoft.com/office/powerpoint/2010/main" val="960955864"/>
+      </p:ext>
+    </p:extLst>
+  </p:cSld>
+  <p:clrMapOvr>
+    <a:masterClrMapping/>
+  </p:clrMapOvr>
+</p:sld>
+</file>
+
 <file path=ppt/slides/slide8.xml><?xml version="1.0" encoding="utf-8"?>
 <p:sld xmlns:a="http://schemas.openxmlformats.org/drawingml/2006/main" xmlns:r="http://schemas.openxmlformats.org/officeDocument/2006/relationships" xmlns:p="http://schemas.openxmlformats.org/presentationml/2006/main">
   <p:cSld>
@@ -5130,107 +6257,6 @@
           <p:cNvPr id="2" name="Titre 1">
             <a:extLst>
               <a:ext uri="{FF2B5EF4-FFF2-40B4-BE49-F238E27FC236}">
-                <a16:creationId xmlns:a16="http://schemas.microsoft.com/office/drawing/2014/main" id="{44FC21B8-0FDF-C412-B3A7-F5B032C34AA3}"/>
-              </a:ext>
-            </a:extLst>
-          </p:cNvPr>
-          <p:cNvSpPr>
-            <a:spLocks noGrp="1"/>
-          </p:cNvSpPr>
-          <p:nvPr>
-            <p:ph type="title"/>
-          </p:nvPr>
-        </p:nvSpPr>
-        <p:spPr/>
-        <p:txBody>
-          <a:bodyPr/>
-          <a:lstStyle/>
-          <a:p>
-            <a:r>
-              <a:rPr lang="fr-FR" dirty="0"/>
-              <a:t>Erreurs après commit</a:t>
-            </a:r>
-          </a:p>
-        </p:txBody>
-      </p:sp>
-      <p:sp>
-        <p:nvSpPr>
-          <p:cNvPr id="3" name="Espace réservé du contenu 2">
-            <a:extLst>
-              <a:ext uri="{FF2B5EF4-FFF2-40B4-BE49-F238E27FC236}">
-                <a16:creationId xmlns:a16="http://schemas.microsoft.com/office/drawing/2014/main" id="{2D4D2737-D5CF-1D83-35CC-B56394B70519}"/>
-              </a:ext>
-            </a:extLst>
-          </p:cNvPr>
-          <p:cNvSpPr>
-            <a:spLocks noGrp="1"/>
-          </p:cNvSpPr>
-          <p:nvPr>
-            <p:ph idx="1"/>
-          </p:nvPr>
-        </p:nvSpPr>
-        <p:spPr/>
-        <p:txBody>
-          <a:bodyPr/>
-          <a:lstStyle/>
-          <a:p>
-            <a:r>
-              <a:rPr lang="fr-FR" dirty="0"/>
-              <a:t>Maintenant, admettons que vous ayez réalisé vos modifications et qu'en plus vous ayez fait le commit</a:t>
-            </a:r>
-          </a:p>
-          <a:p>
-            <a:r>
-              <a:rPr lang="fr-FR" dirty="0"/>
-              <a:t>Le cas est plus complexe, puisque vous avez enregistré vos modifications sur la branche principale, alors que vous ne deviez pas.</a:t>
-            </a:r>
-          </a:p>
-          <a:p>
-            <a:r>
-              <a:rPr lang="fr-FR" dirty="0"/>
-              <a:t>Il existe différentes stratégies pour annuler ou modifier un commit</a:t>
-            </a:r>
-          </a:p>
-          <a:p>
-            <a:endParaRPr lang="fr-FR" dirty="0"/>
-          </a:p>
-        </p:txBody>
-      </p:sp>
-    </p:spTree>
-    <p:extLst>
-      <p:ext uri="{BB962C8B-B14F-4D97-AF65-F5344CB8AC3E}">
-        <p14:creationId xmlns:p14="http://schemas.microsoft.com/office/powerpoint/2010/main" val="960955864"/>
-      </p:ext>
-    </p:extLst>
-  </p:cSld>
-  <p:clrMapOvr>
-    <a:masterClrMapping/>
-  </p:clrMapOvr>
-</p:sld>
-</file>
-
-<file path=ppt/slides/slide9.xml><?xml version="1.0" encoding="utf-8"?>
-<p:sld xmlns:a="http://schemas.openxmlformats.org/drawingml/2006/main" xmlns:r="http://schemas.openxmlformats.org/officeDocument/2006/relationships" xmlns:p="http://schemas.openxmlformats.org/presentationml/2006/main">
-  <p:cSld>
-    <p:spTree>
-      <p:nvGrpSpPr>
-        <p:cNvPr id="1" name=""/>
-        <p:cNvGrpSpPr/>
-        <p:nvPr/>
-      </p:nvGrpSpPr>
-      <p:grpSpPr>
-        <a:xfrm>
-          <a:off x="0" y="0"/>
-          <a:ext cx="0" cy="0"/>
-          <a:chOff x="0" y="0"/>
-          <a:chExt cx="0" cy="0"/>
-        </a:xfrm>
-      </p:grpSpPr>
-      <p:sp>
-        <p:nvSpPr>
-          <p:cNvPr id="2" name="Titre 1">
-            <a:extLst>
-              <a:ext uri="{FF2B5EF4-FFF2-40B4-BE49-F238E27FC236}">
                 <a16:creationId xmlns:a16="http://schemas.microsoft.com/office/drawing/2014/main" id="{41F5B943-286A-A8D4-6F71-69607044C78F}"/>
               </a:ext>
             </a:extLst>
@@ -5291,7 +6317,7 @@
             <a:pPr lvl="1"/>
             <a:r>
               <a:rPr lang="fr-FR" dirty="0"/>
-              <a:t>git reset --hard HEAD^</a:t>
+              <a:t>git reset --hard HEAD</a:t>
             </a:r>
           </a:p>
           <a:p>
@@ -5383,6 +6409,154 @@
     <p:extLst>
       <p:ext uri="{BB962C8B-B14F-4D97-AF65-F5344CB8AC3E}">
         <p14:creationId xmlns:p14="http://schemas.microsoft.com/office/powerpoint/2010/main" val="2310553655"/>
+      </p:ext>
+    </p:extLst>
+  </p:cSld>
+  <p:clrMapOvr>
+    <a:masterClrMapping/>
+  </p:clrMapOvr>
+</p:sld>
+</file>
+
+<file path=ppt/slides/slide9.xml><?xml version="1.0" encoding="utf-8"?>
+<p:sld xmlns:a="http://schemas.openxmlformats.org/drawingml/2006/main" xmlns:r="http://schemas.openxmlformats.org/officeDocument/2006/relationships" xmlns:p="http://schemas.openxmlformats.org/presentationml/2006/main">
+  <p:cSld>
+    <p:spTree>
+      <p:nvGrpSpPr>
+        <p:cNvPr id="1" name=""/>
+        <p:cNvGrpSpPr/>
+        <p:nvPr/>
+      </p:nvGrpSpPr>
+      <p:grpSpPr>
+        <a:xfrm>
+          <a:off x="0" y="0"/>
+          <a:ext cx="0" cy="0"/>
+          <a:chOff x="0" y="0"/>
+          <a:chExt cx="0" cy="0"/>
+        </a:xfrm>
+      </p:grpSpPr>
+      <p:sp>
+        <p:nvSpPr>
+          <p:cNvPr id="2" name="Titre 1">
+            <a:extLst>
+              <a:ext uri="{FF2B5EF4-FFF2-40B4-BE49-F238E27FC236}">
+                <a16:creationId xmlns:a16="http://schemas.microsoft.com/office/drawing/2014/main" id="{50176656-3D63-5EE8-54BE-B74908FFB419}"/>
+              </a:ext>
+            </a:extLst>
+          </p:cNvPr>
+          <p:cNvSpPr>
+            <a:spLocks noGrp="1"/>
+          </p:cNvSpPr>
+          <p:nvPr>
+            <p:ph type="title"/>
+          </p:nvPr>
+        </p:nvSpPr>
+        <p:spPr/>
+        <p:txBody>
+          <a:bodyPr/>
+          <a:lstStyle/>
+          <a:p>
+            <a:r>
+              <a:rPr lang="fr-FR" dirty="0"/>
+              <a:t>Reset</a:t>
+            </a:r>
+          </a:p>
+        </p:txBody>
+      </p:sp>
+      <p:sp>
+        <p:nvSpPr>
+          <p:cNvPr id="3" name="Espace réservé du contenu 2">
+            <a:extLst>
+              <a:ext uri="{FF2B5EF4-FFF2-40B4-BE49-F238E27FC236}">
+                <a16:creationId xmlns:a16="http://schemas.microsoft.com/office/drawing/2014/main" id="{17C4CE24-C24B-F5BA-8CC2-622371E90B09}"/>
+              </a:ext>
+            </a:extLst>
+          </p:cNvPr>
+          <p:cNvSpPr>
+            <a:spLocks noGrp="1"/>
+          </p:cNvSpPr>
+          <p:nvPr>
+            <p:ph idx="1"/>
+          </p:nvPr>
+        </p:nvSpPr>
+        <p:spPr/>
+        <p:txBody>
+          <a:bodyPr/>
+          <a:lstStyle/>
+          <a:p>
+            <a:r>
+              <a:rPr lang="fr-FR" dirty="0"/>
+              <a:t>Comment identifier les </a:t>
+            </a:r>
+            <a:r>
+              <a:rPr lang="fr-FR" dirty="0" err="1"/>
+              <a:t>commits</a:t>
+            </a:r>
+            <a:endParaRPr lang="fr-FR" dirty="0"/>
+          </a:p>
+          <a:p>
+            <a:pPr lvl="1"/>
+            <a:r>
+              <a:rPr lang="fr-FR" dirty="0"/>
+              <a:t>HEAD ou HEAD~ ou HEAD~1 est le dernier commit</a:t>
+            </a:r>
+          </a:p>
+          <a:p>
+            <a:pPr lvl="1"/>
+            <a:r>
+              <a:rPr lang="fr-FR" dirty="0"/>
+              <a:t>HEAD~2 est l'avant dernier commit</a:t>
+            </a:r>
+          </a:p>
+          <a:p>
+            <a:pPr lvl="1"/>
+            <a:r>
+              <a:rPr lang="fr-FR" dirty="0"/>
+              <a:t>Dans le cas d'un commit avec un seul parent HEAD~ == HEAD^</a:t>
+            </a:r>
+          </a:p>
+          <a:p>
+            <a:r>
+              <a:rPr lang="fr-FR" dirty="0"/>
+              <a:t>Mais certains </a:t>
+            </a:r>
+            <a:r>
+              <a:rPr lang="fr-FR" dirty="0" err="1"/>
+              <a:t>commits</a:t>
+            </a:r>
+            <a:r>
+              <a:rPr lang="fr-FR" dirty="0"/>
+              <a:t> peuvent avoir plusieurs parents</a:t>
+            </a:r>
+          </a:p>
+          <a:p>
+            <a:pPr lvl="1"/>
+            <a:r>
+              <a:rPr lang="fr-FR" dirty="0"/>
+              <a:t>HEAD^ = HEAD^1 = 1</a:t>
+            </a:r>
+            <a:r>
+              <a:rPr lang="fr-FR" baseline="30000" dirty="0"/>
+              <a:t>er</a:t>
+            </a:r>
+            <a:r>
+              <a:rPr lang="fr-FR" dirty="0"/>
+              <a:t> parent immédiat</a:t>
+            </a:r>
+          </a:p>
+          <a:p>
+            <a:pPr lvl="1"/>
+            <a:r>
+              <a:rPr lang="fr-FR" dirty="0"/>
+              <a:t>Qui n'est pas forcément le dernier commit</a:t>
+            </a:r>
+          </a:p>
+        </p:txBody>
+      </p:sp>
+    </p:spTree>
+    <p:extLst>
+      <p:ext uri="{BB962C8B-B14F-4D97-AF65-F5344CB8AC3E}">
+        <p14:creationId xmlns:p14="http://schemas.microsoft.com/office/powerpoint/2010/main" val="2011429785"/>
       </p:ext>
     </p:extLst>
   </p:cSld>

--- a/ppt/GIT05-Conflicts.pptx
+++ b/ppt/GIT05-Conflicts.pptx
@@ -5,10 +5,10 @@
     <p:sldMasterId id="2147483653" r:id="rId1"/>
   </p:sldMasterIdLst>
   <p:notesMasterIdLst>
-    <p:notesMasterId r:id="rId23"/>
+    <p:notesMasterId r:id="rId24"/>
   </p:notesMasterIdLst>
   <p:handoutMasterIdLst>
-    <p:handoutMasterId r:id="rId24"/>
+    <p:handoutMasterId r:id="rId25"/>
   </p:handoutMasterIdLst>
   <p:sldIdLst>
     <p:sldId id="264" r:id="rId2"/>
@@ -27,11 +27,12 @@
     <p:sldId id="265" r:id="rId15"/>
     <p:sldId id="279" r:id="rId16"/>
     <p:sldId id="280" r:id="rId17"/>
-    <p:sldId id="271" r:id="rId18"/>
-    <p:sldId id="282" r:id="rId19"/>
-    <p:sldId id="281" r:id="rId20"/>
-    <p:sldId id="283" r:id="rId21"/>
-    <p:sldId id="272" r:id="rId22"/>
+    <p:sldId id="287" r:id="rId18"/>
+    <p:sldId id="271" r:id="rId19"/>
+    <p:sldId id="282" r:id="rId20"/>
+    <p:sldId id="281" r:id="rId21"/>
+    <p:sldId id="283" r:id="rId22"/>
+    <p:sldId id="272" r:id="rId23"/>
   </p:sldIdLst>
   <p:sldSz cx="9144000" cy="6858000" type="screen4x3"/>
   <p:notesSz cx="6648450" cy="9782175"/>
@@ -4736,39 +4737,6 @@
               <a:t>git pull</a:t>
             </a:r>
           </a:p>
-          <a:p>
-            <a:r>
-              <a:rPr lang="fr-FR" dirty="0"/>
-              <a:t>Il existe d'autre solution avec git </a:t>
-            </a:r>
-            <a:r>
-              <a:rPr lang="fr-FR" dirty="0" err="1"/>
-              <a:t>fetch</a:t>
-            </a:r>
-            <a:endParaRPr lang="fr-FR" dirty="0"/>
-          </a:p>
-          <a:p>
-            <a:pPr lvl="1"/>
-            <a:r>
-              <a:rPr lang="en-US" dirty="0"/>
-              <a:t>git fetch</a:t>
-            </a:r>
-          </a:p>
-          <a:p>
-            <a:pPr lvl="1"/>
-            <a:r>
-              <a:rPr lang="en-US" dirty="0"/>
-              <a:t>git reset --hard HEAD</a:t>
-            </a:r>
-          </a:p>
-          <a:p>
-            <a:pPr lvl="1"/>
-            <a:r>
-              <a:rPr lang="en-US" dirty="0"/>
-              <a:t>git merge origin/$CURRENT_BRANCH</a:t>
-            </a:r>
-            <a:endParaRPr lang="fr-FR" dirty="0"/>
-          </a:p>
         </p:txBody>
       </p:sp>
     </p:spTree>
@@ -4806,7 +4774,7 @@
           <p:cNvPr id="2" name="Titre 1">
             <a:extLst>
               <a:ext uri="{FF2B5EF4-FFF2-40B4-BE49-F238E27FC236}">
-                <a16:creationId xmlns:a16="http://schemas.microsoft.com/office/drawing/2014/main" id="{7E0EC95E-7298-1777-DC04-1C4433E4AF1F}"/>
+                <a16:creationId xmlns:a16="http://schemas.microsoft.com/office/drawing/2014/main" id="{EC96A874-7816-BAFB-1B98-2B050FB6A4EE}"/>
               </a:ext>
             </a:extLst>
           </p:cNvPr>
@@ -4824,7 +4792,7 @@
           <a:p>
             <a:r>
               <a:rPr lang="fr-FR" dirty="0"/>
-              <a:t>Erreur après push</a:t>
+              <a:t>Résolution du conflit</a:t>
             </a:r>
           </a:p>
         </p:txBody>
@@ -4834,7 +4802,7 @@
           <p:cNvPr id="3" name="Espace réservé du contenu 2">
             <a:extLst>
               <a:ext uri="{FF2B5EF4-FFF2-40B4-BE49-F238E27FC236}">
-                <a16:creationId xmlns:a16="http://schemas.microsoft.com/office/drawing/2014/main" id="{7DBA0353-CD48-955D-E3EE-B291E30599B8}"/>
+                <a16:creationId xmlns:a16="http://schemas.microsoft.com/office/drawing/2014/main" id="{2FB4E247-1C5F-738D-A708-E4FE0825A4F5}"/>
               </a:ext>
             </a:extLst>
           </p:cNvPr>
@@ -4852,13 +4820,81 @@
           <a:p>
             <a:r>
               <a:rPr lang="fr-FR" dirty="0"/>
-              <a:t>C'est le cas le plus délicat</a:t>
-            </a:r>
-          </a:p>
-          <a:p>
-            <a:r>
-              <a:rPr lang="fr-FR" dirty="0"/>
-              <a:t>Tout push devrait être fait après des tests unitaires</a:t>
+              <a:t>Il existe d'autre solution avec git </a:t>
+            </a:r>
+            <a:r>
+              <a:rPr lang="fr-FR" dirty="0" err="1"/>
+              <a:t>fetch</a:t>
+            </a:r>
+            <a:endParaRPr lang="fr-FR" dirty="0"/>
+          </a:p>
+          <a:p>
+            <a:pPr lvl="1"/>
+            <a:r>
+              <a:rPr lang="en-US" dirty="0"/>
+              <a:t>git fetch</a:t>
+            </a:r>
+          </a:p>
+          <a:p>
+            <a:pPr lvl="1"/>
+            <a:r>
+              <a:rPr lang="en-US" dirty="0"/>
+              <a:t>git reset --hard HEAD</a:t>
+            </a:r>
+          </a:p>
+          <a:p>
+            <a:pPr lvl="1"/>
+            <a:r>
+              <a:rPr lang="en-US" dirty="0"/>
+              <a:t>git merge</a:t>
+            </a:r>
+            <a:endParaRPr lang="fr-FR" dirty="0"/>
+          </a:p>
+          <a:p>
+            <a:pPr lvl="1"/>
+            <a:r>
+              <a:rPr lang="fr-FR" dirty="0"/>
+              <a:t>Ouvrir le fichier problématique et corriger</a:t>
+            </a:r>
+          </a:p>
+          <a:p>
+            <a:pPr lvl="1"/>
+            <a:r>
+              <a:rPr lang="fr-FR" dirty="0"/>
+              <a:t>git </a:t>
+            </a:r>
+            <a:r>
+              <a:rPr lang="fr-FR" dirty="0" err="1"/>
+              <a:t>add</a:t>
+            </a:r>
+            <a:endParaRPr lang="fr-FR" dirty="0"/>
+          </a:p>
+          <a:p>
+            <a:pPr lvl="1"/>
+            <a:r>
+              <a:rPr lang="fr-FR" dirty="0"/>
+              <a:t>git commit</a:t>
+            </a:r>
+          </a:p>
+          <a:p>
+            <a:pPr lvl="2"/>
+            <a:r>
+              <a:rPr lang="fr-FR" dirty="0"/>
+              <a:t>Message d'avertissement</a:t>
+            </a:r>
+          </a:p>
+          <a:p>
+            <a:pPr lvl="1"/>
+            <a:r>
+              <a:rPr lang="fr-FR" dirty="0"/>
+              <a:t>git push</a:t>
+            </a:r>
+          </a:p>
+          <a:p>
+            <a:pPr lvl="1"/>
+            <a:r>
+              <a:rPr lang="fr-FR" dirty="0"/>
+              <a:t>Même problématique lors de la fusion de branches</a:t>
             </a:r>
           </a:p>
         </p:txBody>
@@ -4866,7 +4902,7 @@
     </p:spTree>
     <p:extLst>
       <p:ext uri="{BB962C8B-B14F-4D97-AF65-F5344CB8AC3E}">
-        <p14:creationId xmlns:p14="http://schemas.microsoft.com/office/powerpoint/2010/main" val="3720228999"/>
+        <p14:creationId xmlns:p14="http://schemas.microsoft.com/office/powerpoint/2010/main" val="2063355207"/>
       </p:ext>
     </p:extLst>
   </p:cSld>
@@ -4898,7 +4934,7 @@
           <p:cNvPr id="2" name="Titre 1">
             <a:extLst>
               <a:ext uri="{FF2B5EF4-FFF2-40B4-BE49-F238E27FC236}">
-                <a16:creationId xmlns:a16="http://schemas.microsoft.com/office/drawing/2014/main" id="{247EC911-9486-BB4E-82B1-C80C5E960663}"/>
+                <a16:creationId xmlns:a16="http://schemas.microsoft.com/office/drawing/2014/main" id="{7E0EC95E-7298-1777-DC04-1C4433E4AF1F}"/>
               </a:ext>
             </a:extLst>
           </p:cNvPr>
@@ -4915,10 +4951,9 @@
           <a:lstStyle/>
           <a:p>
             <a:r>
-              <a:rPr lang="fr-FR" dirty="0" err="1"/>
-              <a:t>Revert</a:t>
-            </a:r>
-            <a:endParaRPr lang="fr-FR" dirty="0"/>
+              <a:rPr lang="fr-FR" dirty="0"/>
+              <a:t>Erreur après push</a:t>
+            </a:r>
           </a:p>
         </p:txBody>
       </p:sp>
@@ -4927,7 +4962,7 @@
           <p:cNvPr id="3" name="Espace réservé du contenu 2">
             <a:extLst>
               <a:ext uri="{FF2B5EF4-FFF2-40B4-BE49-F238E27FC236}">
-                <a16:creationId xmlns:a16="http://schemas.microsoft.com/office/drawing/2014/main" id="{E6D7E41E-027F-377C-BF57-C38DC2E60EC8}"/>
+                <a16:creationId xmlns:a16="http://schemas.microsoft.com/office/drawing/2014/main" id="{7DBA0353-CD48-955D-E3EE-B291E30599B8}"/>
               </a:ext>
             </a:extLst>
           </p:cNvPr>
@@ -4945,55 +4980,13 @@
           <a:p>
             <a:r>
               <a:rPr lang="fr-FR" dirty="0"/>
-              <a:t>Il est possible d'annuler son commit public avec la commande git </a:t>
-            </a:r>
-            <a:r>
-              <a:rPr lang="fr-FR" dirty="0" err="1"/>
-              <a:t>revert</a:t>
-            </a:r>
-            <a:endParaRPr lang="fr-FR" dirty="0"/>
-          </a:p>
-          <a:p>
-            <a:r>
-              <a:rPr lang="fr-FR" dirty="0"/>
-              <a:t>L'opération </a:t>
-            </a:r>
-            <a:r>
-              <a:rPr lang="fr-FR" dirty="0" err="1"/>
-              <a:t>revert</a:t>
-            </a:r>
-            <a:r>
-              <a:rPr lang="fr-FR" dirty="0"/>
-              <a:t> annule un commit en créant un nouveau commit</a:t>
-            </a:r>
-          </a:p>
-          <a:p>
-            <a:pPr lvl="1"/>
-            <a:r>
-              <a:rPr lang="fr-FR" dirty="0"/>
-              <a:t>C'est une méthode sûre pour annuler des changements, car elle ne risque pas de réécrire l'historique du commit</a:t>
-            </a:r>
-          </a:p>
-          <a:p>
-            <a:pPr lvl="1"/>
-            <a:r>
-              <a:rPr lang="fr-FR" dirty="0"/>
-              <a:t>git </a:t>
-            </a:r>
-            <a:r>
-              <a:rPr lang="fr-FR" dirty="0" err="1"/>
-              <a:t>revert</a:t>
-            </a:r>
-            <a:r>
-              <a:rPr lang="fr-FR" dirty="0"/>
-              <a:t> HEAD </a:t>
-            </a:r>
-          </a:p>
-          <a:p>
-            <a:pPr lvl="1"/>
-            <a:r>
-              <a:rPr lang="fr-FR" dirty="0"/>
-              <a:t>HEAD^ sur les anciennes version</a:t>
+              <a:t>C'est le cas le plus délicat</a:t>
+            </a:r>
+          </a:p>
+          <a:p>
+            <a:r>
+              <a:rPr lang="fr-FR" dirty="0"/>
+              <a:t>Tout push devrait être fait après des tests unitaires</a:t>
             </a:r>
           </a:p>
         </p:txBody>
@@ -5001,7 +4994,7 @@
     </p:spTree>
     <p:extLst>
       <p:ext uri="{BB962C8B-B14F-4D97-AF65-F5344CB8AC3E}">
-        <p14:creationId xmlns:p14="http://schemas.microsoft.com/office/powerpoint/2010/main" val="795277146"/>
+        <p14:creationId xmlns:p14="http://schemas.microsoft.com/office/powerpoint/2010/main" val="3720228999"/>
       </p:ext>
     </p:extLst>
   </p:cSld>
@@ -5033,7 +5026,7 @@
           <p:cNvPr id="2" name="Titre 1">
             <a:extLst>
               <a:ext uri="{FF2B5EF4-FFF2-40B4-BE49-F238E27FC236}">
-                <a16:creationId xmlns:a16="http://schemas.microsoft.com/office/drawing/2014/main" id="{3C0A34E3-63D6-E425-C108-F3B660274FBB}"/>
+                <a16:creationId xmlns:a16="http://schemas.microsoft.com/office/drawing/2014/main" id="{247EC911-9486-BB4E-82B1-C80C5E960663}"/>
               </a:ext>
             </a:extLst>
           </p:cNvPr>
@@ -5062,7 +5055,7 @@
           <p:cNvPr id="3" name="Espace réservé du contenu 2">
             <a:extLst>
               <a:ext uri="{FF2B5EF4-FFF2-40B4-BE49-F238E27FC236}">
-                <a16:creationId xmlns:a16="http://schemas.microsoft.com/office/drawing/2014/main" id="{B4220C7F-29B8-D914-574E-E15AAA7BF415}"/>
+                <a16:creationId xmlns:a16="http://schemas.microsoft.com/office/drawing/2014/main" id="{E6D7E41E-027F-377C-BF57-C38DC2E60EC8}"/>
               </a:ext>
             </a:extLst>
           </p:cNvPr>
@@ -5079,52 +5072,19 @@
           <a:lstStyle/>
           <a:p>
             <a:r>
-              <a:rPr lang="fr-FR" dirty="0" err="1"/>
-              <a:t>Revert</a:t>
-            </a:r>
-            <a:r>
-              <a:rPr lang="fr-FR" dirty="0"/>
-              <a:t> vs Reset</a:t>
-            </a:r>
-          </a:p>
-          <a:p>
-            <a:pPr lvl="1"/>
-            <a:r>
-              <a:rPr lang="fr-FR" dirty="0" err="1"/>
-              <a:t>Revert</a:t>
-            </a:r>
-            <a:r>
-              <a:rPr lang="fr-FR" dirty="0"/>
-              <a:t> ajoute un commit qui annule ce dernier</a:t>
-            </a:r>
-          </a:p>
-          <a:p>
-            <a:pPr lvl="1"/>
-            <a:r>
-              <a:rPr lang="fr-FR" dirty="0"/>
-              <a:t>git </a:t>
+              <a:rPr lang="fr-FR" dirty="0"/>
+              <a:t>Il est possible d'annuler son commit public avec la commande git </a:t>
             </a:r>
             <a:r>
               <a:rPr lang="fr-FR" dirty="0" err="1"/>
               <a:t>revert</a:t>
             </a:r>
-            <a:r>
-              <a:rPr lang="fr-FR" dirty="0"/>
-              <a:t>  sert à annuler des changements </a:t>
-            </a:r>
-            <a:r>
-              <a:rPr lang="fr-FR" dirty="0" err="1"/>
-              <a:t>commités</a:t>
-            </a:r>
-            <a:r>
-              <a:rPr lang="fr-FR" dirty="0"/>
-              <a:t>, tandis que git reset HEAD permet d'annuler des changements non comités</a:t>
-            </a:r>
-          </a:p>
-          <a:p>
-            <a:r>
-              <a:rPr lang="fr-FR" dirty="0"/>
-              <a:t>Attention un </a:t>
+            <a:endParaRPr lang="fr-FR" dirty="0"/>
+          </a:p>
+          <a:p>
+            <a:r>
+              <a:rPr lang="fr-FR" dirty="0"/>
+              <a:t>L'opération </a:t>
             </a:r>
             <a:r>
               <a:rPr lang="fr-FR" dirty="0" err="1"/>
@@ -5132,35 +5092,44 @@
             </a:r>
             <a:r>
               <a:rPr lang="fr-FR" dirty="0"/>
-              <a:t> va potentiellement effacer des fichiers</a:t>
-            </a:r>
-          </a:p>
-          <a:p>
-            <a:pPr lvl="1"/>
-            <a:r>
-              <a:rPr lang="fr-FR" dirty="0"/>
-              <a:t>Solution : </a:t>
-            </a:r>
-            <a:r>
-              <a:rPr lang="fr-FR" dirty="0" err="1"/>
-              <a:t>stash</a:t>
-            </a:r>
-            <a:r>
-              <a:rPr lang="fr-FR" dirty="0"/>
-              <a:t> avant le </a:t>
+              <a:t> annule un commit en créant un nouveau commit</a:t>
+            </a:r>
+          </a:p>
+          <a:p>
+            <a:pPr lvl="1"/>
+            <a:r>
+              <a:rPr lang="fr-FR" dirty="0"/>
+              <a:t>C'est une méthode sûre pour annuler des changements, car elle ne risque pas de réécrire l'historique du commit</a:t>
+            </a:r>
+          </a:p>
+          <a:p>
+            <a:pPr lvl="1"/>
+            <a:r>
+              <a:rPr lang="fr-FR" dirty="0"/>
+              <a:t>git </a:t>
             </a:r>
             <a:r>
               <a:rPr lang="fr-FR" dirty="0" err="1"/>
               <a:t>revert</a:t>
             </a:r>
-            <a:endParaRPr lang="fr-FR" dirty="0"/>
+            <a:r>
+              <a:rPr lang="fr-FR" dirty="0"/>
+              <a:t> HEAD </a:t>
+            </a:r>
+          </a:p>
+          <a:p>
+            <a:pPr lvl="1"/>
+            <a:r>
+              <a:rPr lang="fr-FR" dirty="0"/>
+              <a:t>HEAD^ sur les anciennes version</a:t>
+            </a:r>
           </a:p>
         </p:txBody>
       </p:sp>
     </p:spTree>
     <p:extLst>
       <p:ext uri="{BB962C8B-B14F-4D97-AF65-F5344CB8AC3E}">
-        <p14:creationId xmlns:p14="http://schemas.microsoft.com/office/powerpoint/2010/main" val="3862537992"/>
+        <p14:creationId xmlns:p14="http://schemas.microsoft.com/office/powerpoint/2010/main" val="795277146"/>
       </p:ext>
     </p:extLst>
   </p:cSld>
@@ -5268,6 +5237,165 @@
 </file>
 
 <file path=ppt/slides/slide20.xml><?xml version="1.0" encoding="utf-8"?>
+<p:sld xmlns:a="http://schemas.openxmlformats.org/drawingml/2006/main" xmlns:r="http://schemas.openxmlformats.org/officeDocument/2006/relationships" xmlns:p="http://schemas.openxmlformats.org/presentationml/2006/main">
+  <p:cSld>
+    <p:spTree>
+      <p:nvGrpSpPr>
+        <p:cNvPr id="1" name=""/>
+        <p:cNvGrpSpPr/>
+        <p:nvPr/>
+      </p:nvGrpSpPr>
+      <p:grpSpPr>
+        <a:xfrm>
+          <a:off x="0" y="0"/>
+          <a:ext cx="0" cy="0"/>
+          <a:chOff x="0" y="0"/>
+          <a:chExt cx="0" cy="0"/>
+        </a:xfrm>
+      </p:grpSpPr>
+      <p:sp>
+        <p:nvSpPr>
+          <p:cNvPr id="2" name="Titre 1">
+            <a:extLst>
+              <a:ext uri="{FF2B5EF4-FFF2-40B4-BE49-F238E27FC236}">
+                <a16:creationId xmlns:a16="http://schemas.microsoft.com/office/drawing/2014/main" id="{3C0A34E3-63D6-E425-C108-F3B660274FBB}"/>
+              </a:ext>
+            </a:extLst>
+          </p:cNvPr>
+          <p:cNvSpPr>
+            <a:spLocks noGrp="1"/>
+          </p:cNvSpPr>
+          <p:nvPr>
+            <p:ph type="title"/>
+          </p:nvPr>
+        </p:nvSpPr>
+        <p:spPr/>
+        <p:txBody>
+          <a:bodyPr/>
+          <a:lstStyle/>
+          <a:p>
+            <a:r>
+              <a:rPr lang="fr-FR" dirty="0" err="1"/>
+              <a:t>Revert</a:t>
+            </a:r>
+            <a:endParaRPr lang="fr-FR" dirty="0"/>
+          </a:p>
+        </p:txBody>
+      </p:sp>
+      <p:sp>
+        <p:nvSpPr>
+          <p:cNvPr id="3" name="Espace réservé du contenu 2">
+            <a:extLst>
+              <a:ext uri="{FF2B5EF4-FFF2-40B4-BE49-F238E27FC236}">
+                <a16:creationId xmlns:a16="http://schemas.microsoft.com/office/drawing/2014/main" id="{B4220C7F-29B8-D914-574E-E15AAA7BF415}"/>
+              </a:ext>
+            </a:extLst>
+          </p:cNvPr>
+          <p:cNvSpPr>
+            <a:spLocks noGrp="1"/>
+          </p:cNvSpPr>
+          <p:nvPr>
+            <p:ph idx="1"/>
+          </p:nvPr>
+        </p:nvSpPr>
+        <p:spPr/>
+        <p:txBody>
+          <a:bodyPr/>
+          <a:lstStyle/>
+          <a:p>
+            <a:r>
+              <a:rPr lang="fr-FR" dirty="0" err="1"/>
+              <a:t>Revert</a:t>
+            </a:r>
+            <a:r>
+              <a:rPr lang="fr-FR" dirty="0"/>
+              <a:t> vs Reset</a:t>
+            </a:r>
+          </a:p>
+          <a:p>
+            <a:pPr lvl="1"/>
+            <a:r>
+              <a:rPr lang="fr-FR" dirty="0" err="1"/>
+              <a:t>Revert</a:t>
+            </a:r>
+            <a:r>
+              <a:rPr lang="fr-FR" dirty="0"/>
+              <a:t> ajoute un commit qui annule ce dernier</a:t>
+            </a:r>
+          </a:p>
+          <a:p>
+            <a:pPr lvl="1"/>
+            <a:r>
+              <a:rPr lang="fr-FR" dirty="0"/>
+              <a:t>git </a:t>
+            </a:r>
+            <a:r>
+              <a:rPr lang="fr-FR" dirty="0" err="1"/>
+              <a:t>revert</a:t>
+            </a:r>
+            <a:r>
+              <a:rPr lang="fr-FR" dirty="0"/>
+              <a:t>  sert à annuler des changements </a:t>
+            </a:r>
+            <a:r>
+              <a:rPr lang="fr-FR" dirty="0" err="1"/>
+              <a:t>commités</a:t>
+            </a:r>
+            <a:r>
+              <a:rPr lang="fr-FR" dirty="0"/>
+              <a:t>, tandis que git reset HEAD permet d'annuler des changements non comités</a:t>
+            </a:r>
+          </a:p>
+          <a:p>
+            <a:r>
+              <a:rPr lang="fr-FR" dirty="0"/>
+              <a:t>Attention un </a:t>
+            </a:r>
+            <a:r>
+              <a:rPr lang="fr-FR" dirty="0" err="1"/>
+              <a:t>revert</a:t>
+            </a:r>
+            <a:r>
+              <a:rPr lang="fr-FR" dirty="0"/>
+              <a:t> va potentiellement effacer des fichiers</a:t>
+            </a:r>
+          </a:p>
+          <a:p>
+            <a:pPr lvl="1"/>
+            <a:r>
+              <a:rPr lang="fr-FR" dirty="0"/>
+              <a:t>Solution : </a:t>
+            </a:r>
+            <a:r>
+              <a:rPr lang="fr-FR" dirty="0" err="1"/>
+              <a:t>stash</a:t>
+            </a:r>
+            <a:r>
+              <a:rPr lang="fr-FR" dirty="0"/>
+              <a:t> avant le </a:t>
+            </a:r>
+            <a:r>
+              <a:rPr lang="fr-FR" dirty="0" err="1"/>
+              <a:t>revert</a:t>
+            </a:r>
+            <a:endParaRPr lang="fr-FR" dirty="0"/>
+          </a:p>
+        </p:txBody>
+      </p:sp>
+    </p:spTree>
+    <p:extLst>
+      <p:ext uri="{BB962C8B-B14F-4D97-AF65-F5344CB8AC3E}">
+        <p14:creationId xmlns:p14="http://schemas.microsoft.com/office/powerpoint/2010/main" val="3862537992"/>
+      </p:ext>
+    </p:extLst>
+  </p:cSld>
+  <p:clrMapOvr>
+    <a:masterClrMapping/>
+  </p:clrMapOvr>
+</p:sld>
+</file>
+
+<file path=ppt/slides/slide21.xml><?xml version="1.0" encoding="utf-8"?>
 <p:sld xmlns:a="http://schemas.openxmlformats.org/drawingml/2006/main" xmlns:r="http://schemas.openxmlformats.org/officeDocument/2006/relationships" xmlns:p="http://schemas.openxmlformats.org/presentationml/2006/main">
   <p:cSld>
     <p:spTree>
@@ -5381,7 +5509,7 @@
 </p:sld>
 </file>
 
-<file path=ppt/slides/slide21.xml><?xml version="1.0" encoding="utf-8"?>
+<file path=ppt/slides/slide22.xml><?xml version="1.0" encoding="utf-8"?>
 <p:sld xmlns:a="http://schemas.openxmlformats.org/drawingml/2006/main" xmlns:r="http://schemas.openxmlformats.org/officeDocument/2006/relationships" xmlns:p="http://schemas.openxmlformats.org/presentationml/2006/main">
   <p:cSld>
     <p:spTree>

--- a/ppt/GIT05-Conflicts.pptx
+++ b/ppt/GIT05-Conflicts.pptx
@@ -5,10 +5,10 @@
     <p:sldMasterId id="2147483653" r:id="rId1"/>
   </p:sldMasterIdLst>
   <p:notesMasterIdLst>
-    <p:notesMasterId r:id="rId24"/>
+    <p:notesMasterId r:id="rId26"/>
   </p:notesMasterIdLst>
   <p:handoutMasterIdLst>
-    <p:handoutMasterId r:id="rId25"/>
+    <p:handoutMasterId r:id="rId27"/>
   </p:handoutMasterIdLst>
   <p:sldIdLst>
     <p:sldId id="264" r:id="rId2"/>
@@ -28,11 +28,13 @@
     <p:sldId id="279" r:id="rId16"/>
     <p:sldId id="280" r:id="rId17"/>
     <p:sldId id="287" r:id="rId18"/>
-    <p:sldId id="271" r:id="rId19"/>
-    <p:sldId id="282" r:id="rId20"/>
-    <p:sldId id="281" r:id="rId21"/>
-    <p:sldId id="283" r:id="rId22"/>
-    <p:sldId id="272" r:id="rId23"/>
+    <p:sldId id="374" r:id="rId19"/>
+    <p:sldId id="288" r:id="rId20"/>
+    <p:sldId id="271" r:id="rId21"/>
+    <p:sldId id="282" r:id="rId22"/>
+    <p:sldId id="281" r:id="rId23"/>
+    <p:sldId id="283" r:id="rId24"/>
+    <p:sldId id="272" r:id="rId25"/>
   </p:sldIdLst>
   <p:sldSz cx="9144000" cy="6858000" type="screen4x3"/>
   <p:notesSz cx="6648450" cy="9782175"/>
@@ -4917,7 +4919,13 @@
   <p:cSld>
     <p:spTree>
       <p:nvGrpSpPr>
-        <p:cNvPr id="1" name=""/>
+        <p:cNvPr id="1" name="">
+          <a:extLst>
+            <a:ext uri="{FF2B5EF4-FFF2-40B4-BE49-F238E27FC236}">
+              <a16:creationId xmlns:a16="http://schemas.microsoft.com/office/drawing/2014/main" id="{7DAA379C-6DAD-8ABD-20B1-4EDD9623880D}"/>
+            </a:ext>
+          </a:extLst>
+        </p:cNvPr>
         <p:cNvGrpSpPr/>
         <p:nvPr/>
       </p:nvGrpSpPr>
@@ -4934,7 +4942,7 @@
           <p:cNvPr id="2" name="Titre 1">
             <a:extLst>
               <a:ext uri="{FF2B5EF4-FFF2-40B4-BE49-F238E27FC236}">
-                <a16:creationId xmlns:a16="http://schemas.microsoft.com/office/drawing/2014/main" id="{7E0EC95E-7298-1777-DC04-1C4433E4AF1F}"/>
+                <a16:creationId xmlns:a16="http://schemas.microsoft.com/office/drawing/2014/main" id="{A9B84275-C832-83FD-AB6F-4F9A6978B4F9}"/>
               </a:ext>
             </a:extLst>
           </p:cNvPr>
@@ -4952,7 +4960,7 @@
           <a:p>
             <a:r>
               <a:rPr lang="fr-FR" dirty="0"/>
-              <a:t>Erreur après push</a:t>
+              <a:t>Architecture Git</a:t>
             </a:r>
           </a:p>
         </p:txBody>
@@ -4962,7 +4970,7 @@
           <p:cNvPr id="3" name="Espace réservé du contenu 2">
             <a:extLst>
               <a:ext uri="{FF2B5EF4-FFF2-40B4-BE49-F238E27FC236}">
-                <a16:creationId xmlns:a16="http://schemas.microsoft.com/office/drawing/2014/main" id="{7DBA0353-CD48-955D-E3EE-B291E30599B8}"/>
+                <a16:creationId xmlns:a16="http://schemas.microsoft.com/office/drawing/2014/main" id="{6CF312E7-ADC8-63B7-B5DE-39E909BDA93A}"/>
               </a:ext>
             </a:extLst>
           </p:cNvPr>
@@ -4978,23 +4986,44 @@
           <a:bodyPr/>
           <a:lstStyle/>
           <a:p>
-            <a:r>
-              <a:rPr lang="fr-FR" dirty="0"/>
-              <a:t>C'est le cas le plus délicat</a:t>
-            </a:r>
-          </a:p>
-          <a:p>
-            <a:r>
-              <a:rPr lang="fr-FR" dirty="0"/>
-              <a:t>Tout push devrait être fait après des tests unitaires</a:t>
-            </a:r>
-          </a:p>
-        </p:txBody>
-      </p:sp>
+            <a:endParaRPr lang="fr-FR"/>
+          </a:p>
+        </p:txBody>
+      </p:sp>
+      <p:pic>
+        <p:nvPicPr>
+          <p:cNvPr id="5" name="Image 4">
+            <a:extLst>
+              <a:ext uri="{FF2B5EF4-FFF2-40B4-BE49-F238E27FC236}">
+                <a16:creationId xmlns:a16="http://schemas.microsoft.com/office/drawing/2014/main" id="{892ED468-F386-7DBF-B68A-8FC5B0B38ED9}"/>
+              </a:ext>
+            </a:extLst>
+          </p:cNvPr>
+          <p:cNvPicPr>
+            <a:picLocks noChangeAspect="1"/>
+          </p:cNvPicPr>
+          <p:nvPr/>
+        </p:nvPicPr>
+        <p:blipFill>
+          <a:blip r:embed="rId2"/>
+          <a:stretch>
+            <a:fillRect/>
+          </a:stretch>
+        </p:blipFill>
+        <p:spPr>
+          <a:xfrm>
+            <a:off x="323257" y="342469"/>
+            <a:ext cx="8497486" cy="6173061"/>
+          </a:xfrm>
+          <a:prstGeom prst="rect">
+            <a:avLst/>
+          </a:prstGeom>
+        </p:spPr>
+      </p:pic>
     </p:spTree>
     <p:extLst>
       <p:ext uri="{BB962C8B-B14F-4D97-AF65-F5344CB8AC3E}">
-        <p14:creationId xmlns:p14="http://schemas.microsoft.com/office/powerpoint/2010/main" val="3720228999"/>
+        <p14:creationId xmlns:p14="http://schemas.microsoft.com/office/powerpoint/2010/main" val="2031191421"/>
       </p:ext>
     </p:extLst>
   </p:cSld>
@@ -5026,7 +5055,7 @@
           <p:cNvPr id="2" name="Titre 1">
             <a:extLst>
               <a:ext uri="{FF2B5EF4-FFF2-40B4-BE49-F238E27FC236}">
-                <a16:creationId xmlns:a16="http://schemas.microsoft.com/office/drawing/2014/main" id="{247EC911-9486-BB4E-82B1-C80C5E960663}"/>
+                <a16:creationId xmlns:a16="http://schemas.microsoft.com/office/drawing/2014/main" id="{CD6AC5EF-A17C-EDD0-EEF0-4E104141217F}"/>
               </a:ext>
             </a:extLst>
           </p:cNvPr>
@@ -5043,10 +5072,9 @@
           <a:lstStyle/>
           <a:p>
             <a:r>
-              <a:rPr lang="fr-FR" dirty="0" err="1"/>
-              <a:t>Revert</a:t>
-            </a:r>
-            <a:endParaRPr lang="fr-FR" dirty="0"/>
+              <a:rPr lang="fr-FR" dirty="0"/>
+              <a:t>Pull vs Merge</a:t>
+            </a:r>
           </a:p>
         </p:txBody>
       </p:sp>
@@ -5055,7 +5083,7 @@
           <p:cNvPr id="3" name="Espace réservé du contenu 2">
             <a:extLst>
               <a:ext uri="{FF2B5EF4-FFF2-40B4-BE49-F238E27FC236}">
-                <a16:creationId xmlns:a16="http://schemas.microsoft.com/office/drawing/2014/main" id="{E6D7E41E-027F-377C-BF57-C38DC2E60EC8}"/>
+                <a16:creationId xmlns:a16="http://schemas.microsoft.com/office/drawing/2014/main" id="{3A343998-AE78-9E7D-AC05-E31D460A9598}"/>
               </a:ext>
             </a:extLst>
           </p:cNvPr>
@@ -5073,55 +5101,35 @@
           <a:p>
             <a:r>
               <a:rPr lang="fr-FR" dirty="0"/>
-              <a:t>Il est possible d'annuler son commit public avec la commande git </a:t>
+              <a:t>Git pull == git </a:t>
             </a:r>
             <a:r>
               <a:rPr lang="fr-FR" dirty="0" err="1"/>
-              <a:t>revert</a:t>
-            </a:r>
-            <a:endParaRPr lang="fr-FR" dirty="0"/>
-          </a:p>
-          <a:p>
-            <a:r>
-              <a:rPr lang="fr-FR" dirty="0"/>
-              <a:t>L'opération </a:t>
-            </a:r>
-            <a:r>
-              <a:rPr lang="fr-FR" dirty="0" err="1"/>
-              <a:t>revert</a:t>
-            </a:r>
-            <a:r>
-              <a:rPr lang="fr-FR" dirty="0"/>
-              <a:t> annule un commit en créant un nouveau commit</a:t>
-            </a:r>
-          </a:p>
-          <a:p>
-            <a:pPr lvl="1"/>
-            <a:r>
-              <a:rPr lang="fr-FR" dirty="0"/>
-              <a:t>C'est une méthode sûre pour annuler des changements, car elle ne risque pas de réécrire l'historique du commit</a:t>
-            </a:r>
-          </a:p>
-          <a:p>
-            <a:pPr lvl="1"/>
-            <a:r>
-              <a:rPr lang="fr-FR" dirty="0"/>
-              <a:t>git </a:t>
-            </a:r>
-            <a:r>
-              <a:rPr lang="fr-FR" dirty="0" err="1"/>
-              <a:t>revert</a:t>
-            </a:r>
-            <a:r>
-              <a:rPr lang="fr-FR" dirty="0"/>
-              <a:t> HEAD </a:t>
-            </a:r>
-          </a:p>
-          <a:p>
-            <a:pPr lvl="1"/>
-            <a:r>
-              <a:rPr lang="fr-FR" dirty="0"/>
-              <a:t>HEAD^ sur les anciennes version</a:t>
+              <a:t>fetch</a:t>
+            </a:r>
+            <a:r>
+              <a:rPr lang="fr-FR" dirty="0"/>
+              <a:t> + git merge</a:t>
+            </a:r>
+          </a:p>
+          <a:p>
+            <a:r>
+              <a:rPr lang="fr-FR" dirty="0"/>
+              <a:t>Permet d'effectuer des merges à la main</a:t>
+            </a:r>
+          </a:p>
+          <a:p>
+            <a:pPr lvl="1"/>
+            <a:r>
+              <a:rPr lang="fr-FR" dirty="0"/>
+              <a:t>Entre branche</a:t>
+            </a:r>
+          </a:p>
+          <a:p>
+            <a:pPr lvl="1"/>
+            <a:r>
+              <a:rPr lang="fr-FR" dirty="0"/>
+              <a:t>Sur une branche</a:t>
             </a:r>
           </a:p>
         </p:txBody>
@@ -5129,7 +5137,7 @@
     </p:spTree>
     <p:extLst>
       <p:ext uri="{BB962C8B-B14F-4D97-AF65-F5344CB8AC3E}">
-        <p14:creationId xmlns:p14="http://schemas.microsoft.com/office/powerpoint/2010/main" val="795277146"/>
+        <p14:creationId xmlns:p14="http://schemas.microsoft.com/office/powerpoint/2010/main" val="1976805086"/>
       </p:ext>
     </p:extLst>
   </p:cSld>
@@ -5258,6 +5266,233 @@
           <p:cNvPr id="2" name="Titre 1">
             <a:extLst>
               <a:ext uri="{FF2B5EF4-FFF2-40B4-BE49-F238E27FC236}">
+                <a16:creationId xmlns:a16="http://schemas.microsoft.com/office/drawing/2014/main" id="{7E0EC95E-7298-1777-DC04-1C4433E4AF1F}"/>
+              </a:ext>
+            </a:extLst>
+          </p:cNvPr>
+          <p:cNvSpPr>
+            <a:spLocks noGrp="1"/>
+          </p:cNvSpPr>
+          <p:nvPr>
+            <p:ph type="title"/>
+          </p:nvPr>
+        </p:nvSpPr>
+        <p:spPr/>
+        <p:txBody>
+          <a:bodyPr/>
+          <a:lstStyle/>
+          <a:p>
+            <a:r>
+              <a:rPr lang="fr-FR" dirty="0"/>
+              <a:t>Erreur après push</a:t>
+            </a:r>
+          </a:p>
+        </p:txBody>
+      </p:sp>
+      <p:sp>
+        <p:nvSpPr>
+          <p:cNvPr id="3" name="Espace réservé du contenu 2">
+            <a:extLst>
+              <a:ext uri="{FF2B5EF4-FFF2-40B4-BE49-F238E27FC236}">
+                <a16:creationId xmlns:a16="http://schemas.microsoft.com/office/drawing/2014/main" id="{7DBA0353-CD48-955D-E3EE-B291E30599B8}"/>
+              </a:ext>
+            </a:extLst>
+          </p:cNvPr>
+          <p:cNvSpPr>
+            <a:spLocks noGrp="1"/>
+          </p:cNvSpPr>
+          <p:nvPr>
+            <p:ph idx="1"/>
+          </p:nvPr>
+        </p:nvSpPr>
+        <p:spPr/>
+        <p:txBody>
+          <a:bodyPr/>
+          <a:lstStyle/>
+          <a:p>
+            <a:r>
+              <a:rPr lang="fr-FR" dirty="0"/>
+              <a:t>C'est le cas le plus délicat</a:t>
+            </a:r>
+          </a:p>
+          <a:p>
+            <a:r>
+              <a:rPr lang="fr-FR" dirty="0"/>
+              <a:t>Tout push devrait être fait après des tests unitaires</a:t>
+            </a:r>
+          </a:p>
+        </p:txBody>
+      </p:sp>
+    </p:spTree>
+    <p:extLst>
+      <p:ext uri="{BB962C8B-B14F-4D97-AF65-F5344CB8AC3E}">
+        <p14:creationId xmlns:p14="http://schemas.microsoft.com/office/powerpoint/2010/main" val="3720228999"/>
+      </p:ext>
+    </p:extLst>
+  </p:cSld>
+  <p:clrMapOvr>
+    <a:masterClrMapping/>
+  </p:clrMapOvr>
+</p:sld>
+</file>
+
+<file path=ppt/slides/slide21.xml><?xml version="1.0" encoding="utf-8"?>
+<p:sld xmlns:a="http://schemas.openxmlformats.org/drawingml/2006/main" xmlns:r="http://schemas.openxmlformats.org/officeDocument/2006/relationships" xmlns:p="http://schemas.openxmlformats.org/presentationml/2006/main">
+  <p:cSld>
+    <p:spTree>
+      <p:nvGrpSpPr>
+        <p:cNvPr id="1" name=""/>
+        <p:cNvGrpSpPr/>
+        <p:nvPr/>
+      </p:nvGrpSpPr>
+      <p:grpSpPr>
+        <a:xfrm>
+          <a:off x="0" y="0"/>
+          <a:ext cx="0" cy="0"/>
+          <a:chOff x="0" y="0"/>
+          <a:chExt cx="0" cy="0"/>
+        </a:xfrm>
+      </p:grpSpPr>
+      <p:sp>
+        <p:nvSpPr>
+          <p:cNvPr id="2" name="Titre 1">
+            <a:extLst>
+              <a:ext uri="{FF2B5EF4-FFF2-40B4-BE49-F238E27FC236}">
+                <a16:creationId xmlns:a16="http://schemas.microsoft.com/office/drawing/2014/main" id="{247EC911-9486-BB4E-82B1-C80C5E960663}"/>
+              </a:ext>
+            </a:extLst>
+          </p:cNvPr>
+          <p:cNvSpPr>
+            <a:spLocks noGrp="1"/>
+          </p:cNvSpPr>
+          <p:nvPr>
+            <p:ph type="title"/>
+          </p:nvPr>
+        </p:nvSpPr>
+        <p:spPr/>
+        <p:txBody>
+          <a:bodyPr/>
+          <a:lstStyle/>
+          <a:p>
+            <a:r>
+              <a:rPr lang="fr-FR" dirty="0" err="1"/>
+              <a:t>Revert</a:t>
+            </a:r>
+            <a:endParaRPr lang="fr-FR" dirty="0"/>
+          </a:p>
+        </p:txBody>
+      </p:sp>
+      <p:sp>
+        <p:nvSpPr>
+          <p:cNvPr id="3" name="Espace réservé du contenu 2">
+            <a:extLst>
+              <a:ext uri="{FF2B5EF4-FFF2-40B4-BE49-F238E27FC236}">
+                <a16:creationId xmlns:a16="http://schemas.microsoft.com/office/drawing/2014/main" id="{E6D7E41E-027F-377C-BF57-C38DC2E60EC8}"/>
+              </a:ext>
+            </a:extLst>
+          </p:cNvPr>
+          <p:cNvSpPr>
+            <a:spLocks noGrp="1"/>
+          </p:cNvSpPr>
+          <p:nvPr>
+            <p:ph idx="1"/>
+          </p:nvPr>
+        </p:nvSpPr>
+        <p:spPr/>
+        <p:txBody>
+          <a:bodyPr/>
+          <a:lstStyle/>
+          <a:p>
+            <a:r>
+              <a:rPr lang="fr-FR" dirty="0"/>
+              <a:t>Il est possible d'annuler son commit public avec la commande git </a:t>
+            </a:r>
+            <a:r>
+              <a:rPr lang="fr-FR" dirty="0" err="1"/>
+              <a:t>revert</a:t>
+            </a:r>
+            <a:endParaRPr lang="fr-FR" dirty="0"/>
+          </a:p>
+          <a:p>
+            <a:r>
+              <a:rPr lang="fr-FR" dirty="0"/>
+              <a:t>L'opération </a:t>
+            </a:r>
+            <a:r>
+              <a:rPr lang="fr-FR" dirty="0" err="1"/>
+              <a:t>revert</a:t>
+            </a:r>
+            <a:r>
+              <a:rPr lang="fr-FR" dirty="0"/>
+              <a:t> annule un commit en créant un nouveau commit</a:t>
+            </a:r>
+          </a:p>
+          <a:p>
+            <a:pPr lvl="1"/>
+            <a:r>
+              <a:rPr lang="fr-FR" dirty="0"/>
+              <a:t>C'est une méthode sûre pour annuler des changements, car elle ne risque pas de réécrire l'historique du commit</a:t>
+            </a:r>
+          </a:p>
+          <a:p>
+            <a:pPr lvl="1"/>
+            <a:r>
+              <a:rPr lang="fr-FR" dirty="0"/>
+              <a:t>git </a:t>
+            </a:r>
+            <a:r>
+              <a:rPr lang="fr-FR" dirty="0" err="1"/>
+              <a:t>revert</a:t>
+            </a:r>
+            <a:r>
+              <a:rPr lang="fr-FR" dirty="0"/>
+              <a:t> HEAD </a:t>
+            </a:r>
+          </a:p>
+          <a:p>
+            <a:pPr lvl="1"/>
+            <a:r>
+              <a:rPr lang="fr-FR" dirty="0"/>
+              <a:t>HEAD^ sur les anciennes version</a:t>
+            </a:r>
+          </a:p>
+        </p:txBody>
+      </p:sp>
+    </p:spTree>
+    <p:extLst>
+      <p:ext uri="{BB962C8B-B14F-4D97-AF65-F5344CB8AC3E}">
+        <p14:creationId xmlns:p14="http://schemas.microsoft.com/office/powerpoint/2010/main" val="795277146"/>
+      </p:ext>
+    </p:extLst>
+  </p:cSld>
+  <p:clrMapOvr>
+    <a:masterClrMapping/>
+  </p:clrMapOvr>
+</p:sld>
+</file>
+
+<file path=ppt/slides/slide22.xml><?xml version="1.0" encoding="utf-8"?>
+<p:sld xmlns:a="http://schemas.openxmlformats.org/drawingml/2006/main" xmlns:r="http://schemas.openxmlformats.org/officeDocument/2006/relationships" xmlns:p="http://schemas.openxmlformats.org/presentationml/2006/main">
+  <p:cSld>
+    <p:spTree>
+      <p:nvGrpSpPr>
+        <p:cNvPr id="1" name=""/>
+        <p:cNvGrpSpPr/>
+        <p:nvPr/>
+      </p:nvGrpSpPr>
+      <p:grpSpPr>
+        <a:xfrm>
+          <a:off x="0" y="0"/>
+          <a:ext cx="0" cy="0"/>
+          <a:chOff x="0" y="0"/>
+          <a:chExt cx="0" cy="0"/>
+        </a:xfrm>
+      </p:grpSpPr>
+      <p:sp>
+        <p:nvSpPr>
+          <p:cNvPr id="2" name="Titre 1">
+            <a:extLst>
+              <a:ext uri="{FF2B5EF4-FFF2-40B4-BE49-F238E27FC236}">
                 <a16:creationId xmlns:a16="http://schemas.microsoft.com/office/drawing/2014/main" id="{3C0A34E3-63D6-E425-C108-F3B660274FBB}"/>
               </a:ext>
             </a:extLst>
@@ -5395,7 +5630,7 @@
 </p:sld>
 </file>
 
-<file path=ppt/slides/slide21.xml><?xml version="1.0" encoding="utf-8"?>
+<file path=ppt/slides/slide23.xml><?xml version="1.0" encoding="utf-8"?>
 <p:sld xmlns:a="http://schemas.openxmlformats.org/drawingml/2006/main" xmlns:r="http://schemas.openxmlformats.org/officeDocument/2006/relationships" xmlns:p="http://schemas.openxmlformats.org/presentationml/2006/main">
   <p:cSld>
     <p:spTree>
@@ -5509,7 +5744,7 @@
 </p:sld>
 </file>
 
-<file path=ppt/slides/slide22.xml><?xml version="1.0" encoding="utf-8"?>
+<file path=ppt/slides/slide24.xml><?xml version="1.0" encoding="utf-8"?>
 <p:sld xmlns:a="http://schemas.openxmlformats.org/drawingml/2006/main" xmlns:r="http://schemas.openxmlformats.org/officeDocument/2006/relationships" xmlns:p="http://schemas.openxmlformats.org/presentationml/2006/main">
   <p:cSld>
     <p:spTree>

--- a/ppt/GIT05-Conflicts.pptx
+++ b/ppt/GIT05-Conflicts.pptx
@@ -5,10 +5,10 @@
     <p:sldMasterId id="2147483653" r:id="rId1"/>
   </p:sldMasterIdLst>
   <p:notesMasterIdLst>
-    <p:notesMasterId r:id="rId26"/>
+    <p:notesMasterId r:id="rId33"/>
   </p:notesMasterIdLst>
   <p:handoutMasterIdLst>
-    <p:handoutMasterId r:id="rId27"/>
+    <p:handoutMasterId r:id="rId34"/>
   </p:handoutMasterIdLst>
   <p:sldIdLst>
     <p:sldId id="264" r:id="rId2"/>
@@ -17,24 +17,31 @@
     <p:sldId id="273" r:id="rId5"/>
     <p:sldId id="275" r:id="rId6"/>
     <p:sldId id="274" r:id="rId7"/>
-    <p:sldId id="270" r:id="rId8"/>
-    <p:sldId id="276" r:id="rId9"/>
-    <p:sldId id="285" r:id="rId10"/>
-    <p:sldId id="284" r:id="rId11"/>
-    <p:sldId id="286" r:id="rId12"/>
-    <p:sldId id="277" r:id="rId13"/>
-    <p:sldId id="278" r:id="rId14"/>
-    <p:sldId id="265" r:id="rId15"/>
-    <p:sldId id="279" r:id="rId16"/>
-    <p:sldId id="280" r:id="rId17"/>
-    <p:sldId id="287" r:id="rId18"/>
-    <p:sldId id="374" r:id="rId19"/>
-    <p:sldId id="288" r:id="rId20"/>
-    <p:sldId id="271" r:id="rId21"/>
-    <p:sldId id="282" r:id="rId22"/>
-    <p:sldId id="281" r:id="rId23"/>
-    <p:sldId id="283" r:id="rId24"/>
-    <p:sldId id="272" r:id="rId25"/>
+    <p:sldId id="377" r:id="rId8"/>
+    <p:sldId id="378" r:id="rId9"/>
+    <p:sldId id="379" r:id="rId10"/>
+    <p:sldId id="380" r:id="rId11"/>
+    <p:sldId id="381" r:id="rId12"/>
+    <p:sldId id="270" r:id="rId13"/>
+    <p:sldId id="276" r:id="rId14"/>
+    <p:sldId id="285" r:id="rId15"/>
+    <p:sldId id="284" r:id="rId16"/>
+    <p:sldId id="286" r:id="rId17"/>
+    <p:sldId id="277" r:id="rId18"/>
+    <p:sldId id="278" r:id="rId19"/>
+    <p:sldId id="265" r:id="rId20"/>
+    <p:sldId id="279" r:id="rId21"/>
+    <p:sldId id="280" r:id="rId22"/>
+    <p:sldId id="287" r:id="rId23"/>
+    <p:sldId id="374" r:id="rId24"/>
+    <p:sldId id="288" r:id="rId25"/>
+    <p:sldId id="375" r:id="rId26"/>
+    <p:sldId id="376" r:id="rId27"/>
+    <p:sldId id="271" r:id="rId28"/>
+    <p:sldId id="282" r:id="rId29"/>
+    <p:sldId id="281" r:id="rId30"/>
+    <p:sldId id="283" r:id="rId31"/>
+    <p:sldId id="272" r:id="rId32"/>
   </p:sldIdLst>
   <p:sldSz cx="9144000" cy="6858000" type="screen4x3"/>
   <p:notesSz cx="6648450" cy="9782175"/>
@@ -3795,7 +3802,7 @@
           <p:cNvPr id="2" name="Titre 1">
             <a:extLst>
               <a:ext uri="{FF2B5EF4-FFF2-40B4-BE49-F238E27FC236}">
-                <a16:creationId xmlns:a16="http://schemas.microsoft.com/office/drawing/2014/main" id="{A4BB6C5E-A8A4-6DE9-03B2-AA67147F37E3}"/>
+                <a16:creationId xmlns:a16="http://schemas.microsoft.com/office/drawing/2014/main" id="{3A80A716-3705-1B86-0528-866433F01DF2}"/>
               </a:ext>
             </a:extLst>
           </p:cNvPr>
@@ -3813,7 +3820,7 @@
           <a:p>
             <a:r>
               <a:rPr lang="fr-FR" dirty="0"/>
-              <a:t>Reset</a:t>
+              <a:t>^</a:t>
             </a:r>
           </a:p>
         </p:txBody>
@@ -3823,7 +3830,7 @@
           <p:cNvPr id="3" name="Espace réservé du contenu 2">
             <a:extLst>
               <a:ext uri="{FF2B5EF4-FFF2-40B4-BE49-F238E27FC236}">
-                <a16:creationId xmlns:a16="http://schemas.microsoft.com/office/drawing/2014/main" id="{9634E68B-AF6D-BEB2-5B1D-2F33B3F44816}"/>
+                <a16:creationId xmlns:a16="http://schemas.microsoft.com/office/drawing/2014/main" id="{ABACF8E8-6062-94AE-18EE-A7C064E1E5AB}"/>
               </a:ext>
             </a:extLst>
           </p:cNvPr>
@@ -3834,61 +3841,91 @@
             <p:ph idx="1"/>
           </p:nvPr>
         </p:nvSpPr>
-        <p:spPr/>
+        <p:spPr>
+          <a:xfrm>
+            <a:off x="179512" y="1412776"/>
+            <a:ext cx="6813153" cy="5040560"/>
+          </a:xfrm>
+        </p:spPr>
         <p:txBody>
           <a:bodyPr/>
           <a:lstStyle/>
           <a:p>
             <a:r>
               <a:rPr lang="fr-FR" dirty="0"/>
-              <a:t>Git reset commit –hard</a:t>
-            </a:r>
-          </a:p>
-          <a:p>
-            <a:pPr lvl="1"/>
-            <a:r>
-              <a:rPr lang="fr-FR" dirty="0"/>
-              <a:t>commit = HEAD ou HEAD~ pour le dernier commit</a:t>
-            </a:r>
-          </a:p>
-          <a:p>
-            <a:pPr lvl="1"/>
-            <a:r>
-              <a:rPr lang="fr-FR" dirty="0"/>
-              <a:t>commit = commit = </a:t>
+              <a:t> main^ est équivalent à "le premier parent de main"</a:t>
+            </a:r>
+          </a:p>
+          <a:p>
+            <a:r>
+              <a:rPr lang="fr-FR" dirty="0"/>
+              <a:t>main^^ est le grand-parent de main</a:t>
+            </a:r>
+          </a:p>
+          <a:p>
+            <a:r>
+              <a:rPr lang="fr-FR" dirty="0"/>
+              <a:t>Faisons un </a:t>
             </a:r>
             <a:r>
               <a:rPr lang="fr-FR" dirty="0" err="1"/>
-              <a:t>Héxadécimal</a:t>
-            </a:r>
-            <a:endParaRPr lang="fr-FR" dirty="0"/>
-          </a:p>
-          <a:p>
-            <a:r>
-              <a:rPr lang="fr-FR" dirty="0"/>
-              <a:t>Cette commande permet de revenir à n'importe quel commit mais en oubliant absolument tout ce qu'il s'est passé après !</a:t>
-            </a:r>
-          </a:p>
-          <a:p>
-            <a:pPr lvl="1"/>
-            <a:r>
-              <a:rPr lang="fr-FR" dirty="0"/>
-              <a:t>Danger</a:t>
-            </a:r>
-          </a:p>
-          <a:p>
-            <a:pPr lvl="1"/>
-            <a:r>
-              <a:rPr lang="fr-FR" dirty="0"/>
-              <a:t>Cette utilisation de    git reset constitue une manière simple d'annuler des changements qui n'ont pas encore été partagés  </a:t>
-            </a:r>
-          </a:p>
-        </p:txBody>
-      </p:sp>
+              <a:t>checkout</a:t>
+            </a:r>
+            <a:r>
+              <a:rPr lang="fr-FR" dirty="0"/>
+              <a:t> du commit avant main</a:t>
+            </a:r>
+          </a:p>
+          <a:p>
+            <a:r>
+              <a:rPr lang="fr-FR" dirty="0"/>
+              <a:t>git </a:t>
+            </a:r>
+            <a:r>
+              <a:rPr lang="fr-FR" dirty="0" err="1"/>
+              <a:t>checkout</a:t>
+            </a:r>
+            <a:r>
+              <a:rPr lang="fr-FR" dirty="0"/>
+              <a:t> main^</a:t>
+            </a:r>
+          </a:p>
+        </p:txBody>
+      </p:sp>
+      <p:pic>
+        <p:nvPicPr>
+          <p:cNvPr id="6" name="Image 5">
+            <a:extLst>
+              <a:ext uri="{FF2B5EF4-FFF2-40B4-BE49-F238E27FC236}">
+                <a16:creationId xmlns:a16="http://schemas.microsoft.com/office/drawing/2014/main" id="{DDC5CB77-4E8F-E94A-193D-7D21EAF11DF0}"/>
+              </a:ext>
+            </a:extLst>
+          </p:cNvPr>
+          <p:cNvPicPr>
+            <a:picLocks noChangeAspect="1"/>
+          </p:cNvPicPr>
+          <p:nvPr/>
+        </p:nvPicPr>
+        <p:blipFill>
+          <a:blip r:embed="rId2"/>
+          <a:stretch>
+            <a:fillRect/>
+          </a:stretch>
+        </p:blipFill>
+        <p:spPr>
+          <a:xfrm>
+            <a:off x="6992665" y="1913474"/>
+            <a:ext cx="1952898" cy="4039164"/>
+          </a:xfrm>
+          <a:prstGeom prst="rect">
+            <a:avLst/>
+          </a:prstGeom>
+        </p:spPr>
+      </p:pic>
     </p:spTree>
     <p:extLst>
       <p:ext uri="{BB962C8B-B14F-4D97-AF65-F5344CB8AC3E}">
-        <p14:creationId xmlns:p14="http://schemas.microsoft.com/office/powerpoint/2010/main" val="4187390652"/>
+        <p14:creationId xmlns:p14="http://schemas.microsoft.com/office/powerpoint/2010/main" val="2447591339"/>
       </p:ext>
     </p:extLst>
   </p:cSld>
@@ -3920,7 +3957,7 @@
           <p:cNvPr id="2" name="Titre 1">
             <a:extLst>
               <a:ext uri="{FF2B5EF4-FFF2-40B4-BE49-F238E27FC236}">
-                <a16:creationId xmlns:a16="http://schemas.microsoft.com/office/drawing/2014/main" id="{22872D8A-FBF2-EA0F-6F67-7BD1EF24EDE2}"/>
+                <a16:creationId xmlns:a16="http://schemas.microsoft.com/office/drawing/2014/main" id="{A1A547AE-3ACF-D994-DDC3-F810174E4446}"/>
               </a:ext>
             </a:extLst>
           </p:cNvPr>
@@ -3938,7 +3975,7 @@
           <a:p>
             <a:r>
               <a:rPr lang="fr-FR" dirty="0"/>
-              <a:t>Reset</a:t>
+              <a:t>~</a:t>
             </a:r>
           </a:p>
         </p:txBody>
@@ -3948,7 +3985,7 @@
           <p:cNvPr id="3" name="Espace réservé du contenu 2">
             <a:extLst>
               <a:ext uri="{FF2B5EF4-FFF2-40B4-BE49-F238E27FC236}">
-                <a16:creationId xmlns:a16="http://schemas.microsoft.com/office/drawing/2014/main" id="{A03B20EE-9521-D41F-1C90-1222910807FA}"/>
+                <a16:creationId xmlns:a16="http://schemas.microsoft.com/office/drawing/2014/main" id="{FA10C47E-67D0-733A-AB99-7665FE460B24}"/>
               </a:ext>
             </a:extLst>
           </p:cNvPr>
@@ -3966,47 +4003,56 @@
           <a:p>
             <a:r>
               <a:rPr lang="fr-FR" dirty="0"/>
-              <a:t>Mixed</a:t>
-            </a:r>
-          </a:p>
-          <a:p>
-            <a:pPr lvl="1"/>
-            <a:r>
-              <a:rPr lang="fr-FR" dirty="0"/>
-              <a:t>Le git reset --mixed va permettre de revenir juste après votre dernier commit ou le commit spécifié, sans supprimer vos modifications en cours</a:t>
-            </a:r>
-          </a:p>
-          <a:p>
-            <a:pPr lvl="1"/>
-            <a:r>
-              <a:rPr lang="fr-FR" dirty="0"/>
-              <a:t>Il permet aussi, dans le cas de fichiers indexés mais pas encore </a:t>
+              <a:t>Imaginons que vous souhaitiez remonter beaucoup de niveaux dans l'arbre des </a:t>
             </a:r>
             <a:r>
               <a:rPr lang="fr-FR" dirty="0" err="1"/>
-              <a:t>commités</a:t>
-            </a:r>
-            <a:r>
-              <a:rPr lang="fr-FR" dirty="0"/>
-              <a:t>, de désindexer les fichiers</a:t>
-            </a:r>
-          </a:p>
-          <a:p>
-            <a:r>
-              <a:rPr lang="fr-FR" dirty="0"/>
-              <a:t>Par défaut dans git reset HEAD~</a:t>
-            </a:r>
-          </a:p>
-          <a:p>
-            <a:pPr lvl="1"/>
-            <a:r>
-              <a:rPr lang="fr-FR" dirty="0"/>
-              <a:t>Si on ne corrige pas le problème entraine une erreur au </a:t>
-            </a:r>
-            <a:r>
-              <a:rPr lang="fr-FR"/>
-              <a:t>prochaine commit + push</a:t>
-            </a:r>
+              <a:t>commits</a:t>
+            </a:r>
+            <a:endParaRPr lang="fr-FR" dirty="0"/>
+          </a:p>
+          <a:p>
+            <a:r>
+              <a:rPr lang="fr-FR" dirty="0"/>
+              <a:t>Cela peut être ennuyeux d'utiliser ^ plusieurs fois, c'est pourquoi Git a aussi l'opérateur tilde (~)</a:t>
+            </a:r>
+          </a:p>
+          <a:p>
+            <a:r>
+              <a:rPr lang="fr-FR" dirty="0"/>
+              <a:t>L'opérateur tilde prend optionnellement à sa suite un nombre qui spécifie le nombre de parents que vous souhaitez remonter</a:t>
+            </a:r>
+          </a:p>
+          <a:p>
+            <a:pPr lvl="1"/>
+            <a:r>
+              <a:rPr lang="fr-FR" dirty="0"/>
+              <a:t>HEAD ou HEAD~ ou HEAD~1 est le dernier commit</a:t>
+            </a:r>
+          </a:p>
+          <a:p>
+            <a:pPr lvl="1"/>
+            <a:r>
+              <a:rPr lang="fr-FR" dirty="0"/>
+              <a:t>HEAD~2 est l'avant dernier commit</a:t>
+            </a:r>
+          </a:p>
+          <a:p>
+            <a:pPr lvl="1"/>
+            <a:r>
+              <a:rPr lang="fr-FR" dirty="0"/>
+              <a:t>git </a:t>
+            </a:r>
+            <a:r>
+              <a:rPr lang="fr-FR" dirty="0" err="1"/>
+              <a:t>checkout</a:t>
+            </a:r>
+            <a:r>
+              <a:rPr lang="fr-FR" dirty="0"/>
+              <a:t> HEAD~4</a:t>
+            </a:r>
+          </a:p>
+          <a:p>
             <a:endParaRPr lang="fr-FR" dirty="0"/>
           </a:p>
         </p:txBody>
@@ -4014,7 +4060,7 @@
     </p:spTree>
     <p:extLst>
       <p:ext uri="{BB962C8B-B14F-4D97-AF65-F5344CB8AC3E}">
-        <p14:creationId xmlns:p14="http://schemas.microsoft.com/office/powerpoint/2010/main" val="1599702955"/>
+        <p14:creationId xmlns:p14="http://schemas.microsoft.com/office/powerpoint/2010/main" val="738272699"/>
       </p:ext>
     </p:extLst>
   </p:cSld>
@@ -4046,7 +4092,7 @@
           <p:cNvPr id="2" name="Titre 1">
             <a:extLst>
               <a:ext uri="{FF2B5EF4-FFF2-40B4-BE49-F238E27FC236}">
-                <a16:creationId xmlns:a16="http://schemas.microsoft.com/office/drawing/2014/main" id="{E5492E3B-804D-FCFA-AE96-53315311EC7E}"/>
+                <a16:creationId xmlns:a16="http://schemas.microsoft.com/office/drawing/2014/main" id="{44FC21B8-0FDF-C412-B3A7-F5B032C34AA3}"/>
               </a:ext>
             </a:extLst>
           </p:cNvPr>
@@ -4064,7 +4110,7 @@
           <a:p>
             <a:r>
               <a:rPr lang="fr-FR" dirty="0"/>
-              <a:t>Reset</a:t>
+              <a:t>Erreurs après commit</a:t>
             </a:r>
           </a:p>
         </p:txBody>
@@ -4074,7 +4120,7 @@
           <p:cNvPr id="3" name="Espace réservé du contenu 2">
             <a:extLst>
               <a:ext uri="{FF2B5EF4-FFF2-40B4-BE49-F238E27FC236}">
-                <a16:creationId xmlns:a16="http://schemas.microsoft.com/office/drawing/2014/main" id="{66F7FFBD-6930-7E08-D64A-BDEF2F37D669}"/>
+                <a16:creationId xmlns:a16="http://schemas.microsoft.com/office/drawing/2014/main" id="{2D4D2737-D5CF-1D83-35CC-B56394B70519}"/>
               </a:ext>
             </a:extLst>
           </p:cNvPr>
@@ -4092,90 +4138,30 @@
           <a:p>
             <a:r>
               <a:rPr lang="fr-FR" dirty="0"/>
-              <a:t>Cas complexe : annulation sur la branche main et déplacement des fichiers sur une autre branche</a:t>
-            </a:r>
-          </a:p>
-          <a:p>
-            <a:pPr lvl="1"/>
-            <a:r>
-              <a:rPr lang="fr-FR" dirty="0"/>
-              <a:t>git log</a:t>
-            </a:r>
-          </a:p>
-          <a:p>
-            <a:pPr lvl="2"/>
-            <a:r>
-              <a:rPr lang="fr-FR" dirty="0"/>
-              <a:t>Noter ca83a6df</a:t>
-            </a:r>
-          </a:p>
-          <a:p>
-            <a:pPr lvl="1"/>
-            <a:r>
-              <a:rPr lang="fr-FR" dirty="0"/>
-              <a:t>git reset --hard HEAD</a:t>
-            </a:r>
-          </a:p>
-          <a:p>
-            <a:pPr lvl="1"/>
-            <a:r>
-              <a:rPr lang="fr-FR" dirty="0"/>
-              <a:t>git </a:t>
-            </a:r>
-            <a:r>
-              <a:rPr lang="fr-FR" dirty="0" err="1"/>
-              <a:t>branch</a:t>
-            </a:r>
-            <a:r>
-              <a:rPr lang="fr-FR" dirty="0"/>
-              <a:t> </a:t>
-            </a:r>
-            <a:r>
-              <a:rPr lang="fr-FR" dirty="0" err="1"/>
-              <a:t>brancheCommit</a:t>
-            </a:r>
+              <a:t>Maintenant, admettons que vous ayez réalisé vos modifications et qu'en plus vous ayez fait le commit</a:t>
+            </a:r>
+          </a:p>
+          <a:p>
+            <a:r>
+              <a:rPr lang="fr-FR" dirty="0"/>
+              <a:t>Le cas est plus complexe, puisque vous avez enregistré vos modifications sur la branche principale, alors que vous ne deviez pas.</a:t>
+            </a:r>
+          </a:p>
+          <a:p>
+            <a:r>
+              <a:rPr lang="fr-FR" dirty="0"/>
+              <a:t>Il existe différentes stratégies pour annuler ou modifier un commit</a:t>
+            </a:r>
+          </a:p>
+          <a:p>
             <a:endParaRPr lang="fr-FR" dirty="0"/>
-          </a:p>
-          <a:p>
-            <a:pPr lvl="1"/>
-            <a:r>
-              <a:rPr lang="fr-FR" dirty="0"/>
-              <a:t>git </a:t>
-            </a:r>
-            <a:r>
-              <a:rPr lang="fr-FR" dirty="0" err="1"/>
-              <a:t>checkout</a:t>
-            </a:r>
-            <a:r>
-              <a:rPr lang="fr-FR" dirty="0"/>
-              <a:t> </a:t>
-            </a:r>
-            <a:r>
-              <a:rPr lang="fr-FR" dirty="0" err="1"/>
-              <a:t>brancheCommit</a:t>
-            </a:r>
-            <a:endParaRPr lang="fr-FR" dirty="0"/>
-          </a:p>
-          <a:p>
-            <a:pPr lvl="1"/>
-            <a:r>
-              <a:rPr lang="fr-FR" dirty="0"/>
-              <a:t>git reset --hard ca83a6df</a:t>
-            </a:r>
-          </a:p>
-          <a:p>
-            <a:pPr lvl="1"/>
-            <a:r>
-              <a:rPr lang="fr-FR" dirty="0"/>
-              <a:t>Ceci applique le commit sur la nouvelle branche</a:t>
-            </a:r>
           </a:p>
         </p:txBody>
       </p:sp>
     </p:spTree>
     <p:extLst>
       <p:ext uri="{BB962C8B-B14F-4D97-AF65-F5344CB8AC3E}">
-        <p14:creationId xmlns:p14="http://schemas.microsoft.com/office/powerpoint/2010/main" val="4001655820"/>
+        <p14:creationId xmlns:p14="http://schemas.microsoft.com/office/powerpoint/2010/main" val="960955864"/>
       </p:ext>
     </p:extLst>
   </p:cSld>
@@ -4207,6 +4193,779 @@
           <p:cNvPr id="2" name="Titre 1">
             <a:extLst>
               <a:ext uri="{FF2B5EF4-FFF2-40B4-BE49-F238E27FC236}">
+                <a16:creationId xmlns:a16="http://schemas.microsoft.com/office/drawing/2014/main" id="{41F5B943-286A-A8D4-6F71-69607044C78F}"/>
+              </a:ext>
+            </a:extLst>
+          </p:cNvPr>
+          <p:cNvSpPr>
+            <a:spLocks noGrp="1"/>
+          </p:cNvSpPr>
+          <p:nvPr>
+            <p:ph type="title"/>
+          </p:nvPr>
+        </p:nvSpPr>
+        <p:spPr/>
+        <p:txBody>
+          <a:bodyPr/>
+          <a:lstStyle/>
+          <a:p>
+            <a:r>
+              <a:rPr lang="fr-FR" dirty="0"/>
+              <a:t>Reset</a:t>
+            </a:r>
+          </a:p>
+        </p:txBody>
+      </p:sp>
+      <p:sp>
+        <p:nvSpPr>
+          <p:cNvPr id="3" name="Espace réservé du contenu 2">
+            <a:extLst>
+              <a:ext uri="{FF2B5EF4-FFF2-40B4-BE49-F238E27FC236}">
+                <a16:creationId xmlns:a16="http://schemas.microsoft.com/office/drawing/2014/main" id="{ED575730-38E3-12F9-47E0-571FE1923BD0}"/>
+              </a:ext>
+            </a:extLst>
+          </p:cNvPr>
+          <p:cNvSpPr>
+            <a:spLocks noGrp="1"/>
+          </p:cNvSpPr>
+          <p:nvPr>
+            <p:ph idx="1"/>
+          </p:nvPr>
+        </p:nvSpPr>
+        <p:spPr/>
+        <p:txBody>
+          <a:bodyPr/>
+          <a:lstStyle/>
+          <a:p>
+            <a:r>
+              <a:rPr lang="fr-FR" dirty="0"/>
+              <a:t>Cas simple : annulation sur la branche en cours</a:t>
+            </a:r>
+          </a:p>
+          <a:p>
+            <a:pPr lvl="1"/>
+            <a:r>
+              <a:rPr lang="fr-FR" dirty="0"/>
+              <a:t>git log permet de connaitre le numéro du commit</a:t>
+            </a:r>
+          </a:p>
+          <a:p>
+            <a:pPr lvl="1"/>
+            <a:r>
+              <a:rPr lang="fr-FR" dirty="0"/>
+              <a:t>git reset --hard HEAD</a:t>
+            </a:r>
+          </a:p>
+          <a:p>
+            <a:pPr lvl="1"/>
+            <a:r>
+              <a:rPr lang="fr-FR" dirty="0"/>
+              <a:t>git reset --hard ca83a6df</a:t>
+            </a:r>
+          </a:p>
+          <a:p>
+            <a:pPr lvl="1"/>
+            <a:r>
+              <a:rPr lang="fr-FR" dirty="0"/>
+              <a:t>Attention –hard efface les fichiers</a:t>
+            </a:r>
+          </a:p>
+          <a:p>
+            <a:pPr lvl="1"/>
+            <a:endParaRPr lang="fr-FR" dirty="0"/>
+          </a:p>
+          <a:p>
+            <a:pPr lvl="1"/>
+            <a:r>
+              <a:rPr lang="fr-FR" b="0" i="0" dirty="0">
+                <a:solidFill>
+                  <a:srgbClr val="FFFAEE"/>
+                </a:solidFill>
+                <a:effectLst/>
+                <a:latin typeface="Courier New" panose="02070309020205020404" pitchFamily="49" charset="0"/>
+              </a:rPr>
+              <a:t>git reset --hard HEAD^</a:t>
+            </a:r>
+            <a:endParaRPr lang="fr-FR" dirty="0"/>
+          </a:p>
+          <a:p>
+            <a:pPr lvl="1"/>
+            <a:r>
+              <a:rPr lang="fr-FR" b="0" i="0" dirty="0">
+                <a:solidFill>
+                  <a:srgbClr val="FFFAEE"/>
+                </a:solidFill>
+                <a:effectLst/>
+                <a:latin typeface="Courier New" panose="02070309020205020404" pitchFamily="49" charset="0"/>
+              </a:rPr>
+              <a:t>git reset --hard HEAD^</a:t>
+            </a:r>
+            <a:endParaRPr lang="fr-FR" dirty="0"/>
+          </a:p>
+          <a:p>
+            <a:pPr lvl="1"/>
+            <a:endParaRPr lang="fr-FR" dirty="0"/>
+          </a:p>
+          <a:p>
+            <a:endParaRPr lang="fr-FR" dirty="0"/>
+          </a:p>
+        </p:txBody>
+      </p:sp>
+      <p:pic>
+        <p:nvPicPr>
+          <p:cNvPr id="5" name="Image 4">
+            <a:extLst>
+              <a:ext uri="{FF2B5EF4-FFF2-40B4-BE49-F238E27FC236}">
+                <a16:creationId xmlns:a16="http://schemas.microsoft.com/office/drawing/2014/main" id="{A7E147C6-D0E0-FA31-146B-76A33F3B32F6}"/>
+              </a:ext>
+            </a:extLst>
+          </p:cNvPr>
+          <p:cNvPicPr>
+            <a:picLocks noChangeAspect="1"/>
+          </p:cNvPicPr>
+          <p:nvPr/>
+        </p:nvPicPr>
+        <p:blipFill>
+          <a:blip r:embed="rId2"/>
+          <a:stretch>
+            <a:fillRect/>
+          </a:stretch>
+        </p:blipFill>
+        <p:spPr>
+          <a:xfrm>
+            <a:off x="1475656" y="3686141"/>
+            <a:ext cx="6619532" cy="3171859"/>
+          </a:xfrm>
+          <a:prstGeom prst="rect">
+            <a:avLst/>
+          </a:prstGeom>
+        </p:spPr>
+      </p:pic>
+    </p:spTree>
+    <p:extLst>
+      <p:ext uri="{BB962C8B-B14F-4D97-AF65-F5344CB8AC3E}">
+        <p14:creationId xmlns:p14="http://schemas.microsoft.com/office/powerpoint/2010/main" val="2310553655"/>
+      </p:ext>
+    </p:extLst>
+  </p:cSld>
+  <p:clrMapOvr>
+    <a:masterClrMapping/>
+  </p:clrMapOvr>
+</p:sld>
+</file>
+
+<file path=ppt/slides/slide14.xml><?xml version="1.0" encoding="utf-8"?>
+<p:sld xmlns:a="http://schemas.openxmlformats.org/drawingml/2006/main" xmlns:r="http://schemas.openxmlformats.org/officeDocument/2006/relationships" xmlns:p="http://schemas.openxmlformats.org/presentationml/2006/main">
+  <p:cSld>
+    <p:spTree>
+      <p:nvGrpSpPr>
+        <p:cNvPr id="1" name=""/>
+        <p:cNvGrpSpPr/>
+        <p:nvPr/>
+      </p:nvGrpSpPr>
+      <p:grpSpPr>
+        <a:xfrm>
+          <a:off x="0" y="0"/>
+          <a:ext cx="0" cy="0"/>
+          <a:chOff x="0" y="0"/>
+          <a:chExt cx="0" cy="0"/>
+        </a:xfrm>
+      </p:grpSpPr>
+      <p:sp>
+        <p:nvSpPr>
+          <p:cNvPr id="2" name="Titre 1">
+            <a:extLst>
+              <a:ext uri="{FF2B5EF4-FFF2-40B4-BE49-F238E27FC236}">
+                <a16:creationId xmlns:a16="http://schemas.microsoft.com/office/drawing/2014/main" id="{50176656-3D63-5EE8-54BE-B74908FFB419}"/>
+              </a:ext>
+            </a:extLst>
+          </p:cNvPr>
+          <p:cNvSpPr>
+            <a:spLocks noGrp="1"/>
+          </p:cNvSpPr>
+          <p:nvPr>
+            <p:ph type="title"/>
+          </p:nvPr>
+        </p:nvSpPr>
+        <p:spPr/>
+        <p:txBody>
+          <a:bodyPr/>
+          <a:lstStyle/>
+          <a:p>
+            <a:r>
+              <a:rPr lang="fr-FR" dirty="0"/>
+              <a:t>Reset</a:t>
+            </a:r>
+          </a:p>
+        </p:txBody>
+      </p:sp>
+      <p:sp>
+        <p:nvSpPr>
+          <p:cNvPr id="3" name="Espace réservé du contenu 2">
+            <a:extLst>
+              <a:ext uri="{FF2B5EF4-FFF2-40B4-BE49-F238E27FC236}">
+                <a16:creationId xmlns:a16="http://schemas.microsoft.com/office/drawing/2014/main" id="{17C4CE24-C24B-F5BA-8CC2-622371E90B09}"/>
+              </a:ext>
+            </a:extLst>
+          </p:cNvPr>
+          <p:cNvSpPr>
+            <a:spLocks noGrp="1"/>
+          </p:cNvSpPr>
+          <p:nvPr>
+            <p:ph idx="1"/>
+          </p:nvPr>
+        </p:nvSpPr>
+        <p:spPr/>
+        <p:txBody>
+          <a:bodyPr/>
+          <a:lstStyle/>
+          <a:p>
+            <a:r>
+              <a:rPr lang="fr-FR" dirty="0"/>
+              <a:t>Comment identifier les </a:t>
+            </a:r>
+            <a:r>
+              <a:rPr lang="fr-FR" dirty="0" err="1"/>
+              <a:t>commits</a:t>
+            </a:r>
+            <a:endParaRPr lang="fr-FR" dirty="0"/>
+          </a:p>
+          <a:p>
+            <a:pPr lvl="1"/>
+            <a:r>
+              <a:rPr lang="fr-FR" dirty="0"/>
+              <a:t>HEAD ou HEAD~ ou HEAD~1 est le dernier commit</a:t>
+            </a:r>
+          </a:p>
+          <a:p>
+            <a:pPr lvl="1"/>
+            <a:r>
+              <a:rPr lang="fr-FR" dirty="0"/>
+              <a:t>HEAD~2 est l'avant dernier commit</a:t>
+            </a:r>
+          </a:p>
+          <a:p>
+            <a:pPr lvl="1"/>
+            <a:r>
+              <a:rPr lang="fr-FR" dirty="0"/>
+              <a:t>Dans le cas d'un commit avec un seul parent HEAD~ == HEAD^</a:t>
+            </a:r>
+          </a:p>
+          <a:p>
+            <a:r>
+              <a:rPr lang="fr-FR" dirty="0"/>
+              <a:t>Mais certains </a:t>
+            </a:r>
+            <a:r>
+              <a:rPr lang="fr-FR" dirty="0" err="1"/>
+              <a:t>commits</a:t>
+            </a:r>
+            <a:r>
+              <a:rPr lang="fr-FR" dirty="0"/>
+              <a:t> peuvent avoir plusieurs parents</a:t>
+            </a:r>
+          </a:p>
+          <a:p>
+            <a:pPr lvl="1"/>
+            <a:r>
+              <a:rPr lang="fr-FR" dirty="0"/>
+              <a:t>HEAD^ = 1</a:t>
+            </a:r>
+            <a:r>
+              <a:rPr lang="fr-FR" baseline="30000" dirty="0"/>
+              <a:t>er</a:t>
+            </a:r>
+            <a:r>
+              <a:rPr lang="fr-FR" dirty="0"/>
+              <a:t> parent immédiat</a:t>
+            </a:r>
+          </a:p>
+          <a:p>
+            <a:pPr lvl="1"/>
+            <a:r>
+              <a:rPr lang="fr-FR" dirty="0"/>
+              <a:t>Qui n'est pas forcément le dernier commit</a:t>
+            </a:r>
+          </a:p>
+        </p:txBody>
+      </p:sp>
+      <p:pic>
+        <p:nvPicPr>
+          <p:cNvPr id="5" name="Image 4">
+            <a:extLst>
+              <a:ext uri="{FF2B5EF4-FFF2-40B4-BE49-F238E27FC236}">
+                <a16:creationId xmlns:a16="http://schemas.microsoft.com/office/drawing/2014/main" id="{A491E3ED-F76A-7975-51E3-F9851CC8AADF}"/>
+              </a:ext>
+            </a:extLst>
+          </p:cNvPr>
+          <p:cNvPicPr>
+            <a:picLocks noChangeAspect="1"/>
+          </p:cNvPicPr>
+          <p:nvPr/>
+        </p:nvPicPr>
+        <p:blipFill>
+          <a:blip r:embed="rId2"/>
+          <a:stretch>
+            <a:fillRect/>
+          </a:stretch>
+        </p:blipFill>
+        <p:spPr>
+          <a:xfrm>
+            <a:off x="6732240" y="4077072"/>
+            <a:ext cx="2016224" cy="2786757"/>
+          </a:xfrm>
+          <a:prstGeom prst="rect">
+            <a:avLst/>
+          </a:prstGeom>
+        </p:spPr>
+      </p:pic>
+    </p:spTree>
+    <p:extLst>
+      <p:ext uri="{BB962C8B-B14F-4D97-AF65-F5344CB8AC3E}">
+        <p14:creationId xmlns:p14="http://schemas.microsoft.com/office/powerpoint/2010/main" val="2011429785"/>
+      </p:ext>
+    </p:extLst>
+  </p:cSld>
+  <p:clrMapOvr>
+    <a:masterClrMapping/>
+  </p:clrMapOvr>
+</p:sld>
+</file>
+
+<file path=ppt/slides/slide15.xml><?xml version="1.0" encoding="utf-8"?>
+<p:sld xmlns:a="http://schemas.openxmlformats.org/drawingml/2006/main" xmlns:r="http://schemas.openxmlformats.org/officeDocument/2006/relationships" xmlns:p="http://schemas.openxmlformats.org/presentationml/2006/main">
+  <p:cSld>
+    <p:spTree>
+      <p:nvGrpSpPr>
+        <p:cNvPr id="1" name=""/>
+        <p:cNvGrpSpPr/>
+        <p:nvPr/>
+      </p:nvGrpSpPr>
+      <p:grpSpPr>
+        <a:xfrm>
+          <a:off x="0" y="0"/>
+          <a:ext cx="0" cy="0"/>
+          <a:chOff x="0" y="0"/>
+          <a:chExt cx="0" cy="0"/>
+        </a:xfrm>
+      </p:grpSpPr>
+      <p:sp>
+        <p:nvSpPr>
+          <p:cNvPr id="2" name="Titre 1">
+            <a:extLst>
+              <a:ext uri="{FF2B5EF4-FFF2-40B4-BE49-F238E27FC236}">
+                <a16:creationId xmlns:a16="http://schemas.microsoft.com/office/drawing/2014/main" id="{A4BB6C5E-A8A4-6DE9-03B2-AA67147F37E3}"/>
+              </a:ext>
+            </a:extLst>
+          </p:cNvPr>
+          <p:cNvSpPr>
+            <a:spLocks noGrp="1"/>
+          </p:cNvSpPr>
+          <p:nvPr>
+            <p:ph type="title"/>
+          </p:nvPr>
+        </p:nvSpPr>
+        <p:spPr/>
+        <p:txBody>
+          <a:bodyPr/>
+          <a:lstStyle/>
+          <a:p>
+            <a:r>
+              <a:rPr lang="fr-FR" dirty="0"/>
+              <a:t>Reset</a:t>
+            </a:r>
+          </a:p>
+        </p:txBody>
+      </p:sp>
+      <p:sp>
+        <p:nvSpPr>
+          <p:cNvPr id="3" name="Espace réservé du contenu 2">
+            <a:extLst>
+              <a:ext uri="{FF2B5EF4-FFF2-40B4-BE49-F238E27FC236}">
+                <a16:creationId xmlns:a16="http://schemas.microsoft.com/office/drawing/2014/main" id="{9634E68B-AF6D-BEB2-5B1D-2F33B3F44816}"/>
+              </a:ext>
+            </a:extLst>
+          </p:cNvPr>
+          <p:cNvSpPr>
+            <a:spLocks noGrp="1"/>
+          </p:cNvSpPr>
+          <p:nvPr>
+            <p:ph idx="1"/>
+          </p:nvPr>
+        </p:nvSpPr>
+        <p:spPr/>
+        <p:txBody>
+          <a:bodyPr/>
+          <a:lstStyle/>
+          <a:p>
+            <a:r>
+              <a:rPr lang="fr-FR" dirty="0"/>
+              <a:t>Git reset commit –hard</a:t>
+            </a:r>
+          </a:p>
+          <a:p>
+            <a:pPr lvl="1"/>
+            <a:r>
+              <a:rPr lang="fr-FR" dirty="0"/>
+              <a:t>commit = HEAD ou HEAD~ pour le dernier commit</a:t>
+            </a:r>
+          </a:p>
+          <a:p>
+            <a:pPr lvl="1"/>
+            <a:r>
+              <a:rPr lang="fr-FR" dirty="0"/>
+              <a:t>commit = commit = </a:t>
+            </a:r>
+            <a:r>
+              <a:rPr lang="fr-FR" dirty="0" err="1"/>
+              <a:t>Héxadécimal</a:t>
+            </a:r>
+            <a:endParaRPr lang="fr-FR" dirty="0"/>
+          </a:p>
+          <a:p>
+            <a:r>
+              <a:rPr lang="fr-FR" dirty="0"/>
+              <a:t>Cette commande permet de revenir à n'importe quel commit mais en oubliant absolument tout ce qu'il s'est passé après !</a:t>
+            </a:r>
+          </a:p>
+          <a:p>
+            <a:pPr lvl="1"/>
+            <a:r>
+              <a:rPr lang="fr-FR" dirty="0"/>
+              <a:t>Danger</a:t>
+            </a:r>
+          </a:p>
+          <a:p>
+            <a:pPr lvl="1"/>
+            <a:r>
+              <a:rPr lang="fr-FR" dirty="0"/>
+              <a:t>Cette utilisation de    git reset constitue une manière simple d'annuler des changements qui n'ont pas encore été partagés  </a:t>
+            </a:r>
+          </a:p>
+        </p:txBody>
+      </p:sp>
+    </p:spTree>
+    <p:extLst>
+      <p:ext uri="{BB962C8B-B14F-4D97-AF65-F5344CB8AC3E}">
+        <p14:creationId xmlns:p14="http://schemas.microsoft.com/office/powerpoint/2010/main" val="4187390652"/>
+      </p:ext>
+    </p:extLst>
+  </p:cSld>
+  <p:clrMapOvr>
+    <a:masterClrMapping/>
+  </p:clrMapOvr>
+</p:sld>
+</file>
+
+<file path=ppt/slides/slide16.xml><?xml version="1.0" encoding="utf-8"?>
+<p:sld xmlns:a="http://schemas.openxmlformats.org/drawingml/2006/main" xmlns:r="http://schemas.openxmlformats.org/officeDocument/2006/relationships" xmlns:p="http://schemas.openxmlformats.org/presentationml/2006/main">
+  <p:cSld>
+    <p:spTree>
+      <p:nvGrpSpPr>
+        <p:cNvPr id="1" name=""/>
+        <p:cNvGrpSpPr/>
+        <p:nvPr/>
+      </p:nvGrpSpPr>
+      <p:grpSpPr>
+        <a:xfrm>
+          <a:off x="0" y="0"/>
+          <a:ext cx="0" cy="0"/>
+          <a:chOff x="0" y="0"/>
+          <a:chExt cx="0" cy="0"/>
+        </a:xfrm>
+      </p:grpSpPr>
+      <p:sp>
+        <p:nvSpPr>
+          <p:cNvPr id="2" name="Titre 1">
+            <a:extLst>
+              <a:ext uri="{FF2B5EF4-FFF2-40B4-BE49-F238E27FC236}">
+                <a16:creationId xmlns:a16="http://schemas.microsoft.com/office/drawing/2014/main" id="{22872D8A-FBF2-EA0F-6F67-7BD1EF24EDE2}"/>
+              </a:ext>
+            </a:extLst>
+          </p:cNvPr>
+          <p:cNvSpPr>
+            <a:spLocks noGrp="1"/>
+          </p:cNvSpPr>
+          <p:nvPr>
+            <p:ph type="title"/>
+          </p:nvPr>
+        </p:nvSpPr>
+        <p:spPr/>
+        <p:txBody>
+          <a:bodyPr/>
+          <a:lstStyle/>
+          <a:p>
+            <a:r>
+              <a:rPr lang="fr-FR" dirty="0"/>
+              <a:t>Reset</a:t>
+            </a:r>
+          </a:p>
+        </p:txBody>
+      </p:sp>
+      <p:sp>
+        <p:nvSpPr>
+          <p:cNvPr id="3" name="Espace réservé du contenu 2">
+            <a:extLst>
+              <a:ext uri="{FF2B5EF4-FFF2-40B4-BE49-F238E27FC236}">
+                <a16:creationId xmlns:a16="http://schemas.microsoft.com/office/drawing/2014/main" id="{A03B20EE-9521-D41F-1C90-1222910807FA}"/>
+              </a:ext>
+            </a:extLst>
+          </p:cNvPr>
+          <p:cNvSpPr>
+            <a:spLocks noGrp="1"/>
+          </p:cNvSpPr>
+          <p:nvPr>
+            <p:ph idx="1"/>
+          </p:nvPr>
+        </p:nvSpPr>
+        <p:spPr/>
+        <p:txBody>
+          <a:bodyPr/>
+          <a:lstStyle/>
+          <a:p>
+            <a:r>
+              <a:rPr lang="fr-FR" dirty="0"/>
+              <a:t>Mixed</a:t>
+            </a:r>
+          </a:p>
+          <a:p>
+            <a:pPr lvl="1"/>
+            <a:r>
+              <a:rPr lang="fr-FR" dirty="0"/>
+              <a:t>Le git reset --mixed va permettre de revenir juste après votre dernier commit ou le commit spécifié, sans supprimer vos modifications en cours</a:t>
+            </a:r>
+          </a:p>
+          <a:p>
+            <a:pPr lvl="1"/>
+            <a:r>
+              <a:rPr lang="fr-FR" dirty="0"/>
+              <a:t>Il permet aussi, dans le cas de fichiers indexés mais pas encore </a:t>
+            </a:r>
+            <a:r>
+              <a:rPr lang="fr-FR" dirty="0" err="1"/>
+              <a:t>commités</a:t>
+            </a:r>
+            <a:r>
+              <a:rPr lang="fr-FR" dirty="0"/>
+              <a:t>, de désindexer les fichiers</a:t>
+            </a:r>
+          </a:p>
+          <a:p>
+            <a:r>
+              <a:rPr lang="fr-FR" dirty="0"/>
+              <a:t>Par défaut dans git reset HEAD~</a:t>
+            </a:r>
+          </a:p>
+          <a:p>
+            <a:pPr lvl="1"/>
+            <a:r>
+              <a:rPr lang="fr-FR" dirty="0"/>
+              <a:t>Si on ne corrige pas le problème entraine une erreur au </a:t>
+            </a:r>
+            <a:r>
+              <a:rPr lang="fr-FR"/>
+              <a:t>prochaine commit + push</a:t>
+            </a:r>
+            <a:endParaRPr lang="fr-FR" dirty="0"/>
+          </a:p>
+        </p:txBody>
+      </p:sp>
+    </p:spTree>
+    <p:extLst>
+      <p:ext uri="{BB962C8B-B14F-4D97-AF65-F5344CB8AC3E}">
+        <p14:creationId xmlns:p14="http://schemas.microsoft.com/office/powerpoint/2010/main" val="1599702955"/>
+      </p:ext>
+    </p:extLst>
+  </p:cSld>
+  <p:clrMapOvr>
+    <a:masterClrMapping/>
+  </p:clrMapOvr>
+</p:sld>
+</file>
+
+<file path=ppt/slides/slide17.xml><?xml version="1.0" encoding="utf-8"?>
+<p:sld xmlns:a="http://schemas.openxmlformats.org/drawingml/2006/main" xmlns:r="http://schemas.openxmlformats.org/officeDocument/2006/relationships" xmlns:p="http://schemas.openxmlformats.org/presentationml/2006/main">
+  <p:cSld>
+    <p:spTree>
+      <p:nvGrpSpPr>
+        <p:cNvPr id="1" name=""/>
+        <p:cNvGrpSpPr/>
+        <p:nvPr/>
+      </p:nvGrpSpPr>
+      <p:grpSpPr>
+        <a:xfrm>
+          <a:off x="0" y="0"/>
+          <a:ext cx="0" cy="0"/>
+          <a:chOff x="0" y="0"/>
+          <a:chExt cx="0" cy="0"/>
+        </a:xfrm>
+      </p:grpSpPr>
+      <p:sp>
+        <p:nvSpPr>
+          <p:cNvPr id="2" name="Titre 1">
+            <a:extLst>
+              <a:ext uri="{FF2B5EF4-FFF2-40B4-BE49-F238E27FC236}">
+                <a16:creationId xmlns:a16="http://schemas.microsoft.com/office/drawing/2014/main" id="{E5492E3B-804D-FCFA-AE96-53315311EC7E}"/>
+              </a:ext>
+            </a:extLst>
+          </p:cNvPr>
+          <p:cNvSpPr>
+            <a:spLocks noGrp="1"/>
+          </p:cNvSpPr>
+          <p:nvPr>
+            <p:ph type="title"/>
+          </p:nvPr>
+        </p:nvSpPr>
+        <p:spPr/>
+        <p:txBody>
+          <a:bodyPr/>
+          <a:lstStyle/>
+          <a:p>
+            <a:r>
+              <a:rPr lang="fr-FR" dirty="0"/>
+              <a:t>Reset</a:t>
+            </a:r>
+          </a:p>
+        </p:txBody>
+      </p:sp>
+      <p:sp>
+        <p:nvSpPr>
+          <p:cNvPr id="3" name="Espace réservé du contenu 2">
+            <a:extLst>
+              <a:ext uri="{FF2B5EF4-FFF2-40B4-BE49-F238E27FC236}">
+                <a16:creationId xmlns:a16="http://schemas.microsoft.com/office/drawing/2014/main" id="{66F7FFBD-6930-7E08-D64A-BDEF2F37D669}"/>
+              </a:ext>
+            </a:extLst>
+          </p:cNvPr>
+          <p:cNvSpPr>
+            <a:spLocks noGrp="1"/>
+          </p:cNvSpPr>
+          <p:nvPr>
+            <p:ph idx="1"/>
+          </p:nvPr>
+        </p:nvSpPr>
+        <p:spPr/>
+        <p:txBody>
+          <a:bodyPr/>
+          <a:lstStyle/>
+          <a:p>
+            <a:r>
+              <a:rPr lang="fr-FR" dirty="0"/>
+              <a:t>Cas complexe : annulation sur la branche main et déplacement des fichiers sur une autre branche</a:t>
+            </a:r>
+          </a:p>
+          <a:p>
+            <a:pPr lvl="1"/>
+            <a:r>
+              <a:rPr lang="fr-FR" dirty="0"/>
+              <a:t>git log</a:t>
+            </a:r>
+          </a:p>
+          <a:p>
+            <a:pPr lvl="2"/>
+            <a:r>
+              <a:rPr lang="fr-FR" dirty="0"/>
+              <a:t>Noter ca83a6df</a:t>
+            </a:r>
+          </a:p>
+          <a:p>
+            <a:pPr lvl="1"/>
+            <a:r>
+              <a:rPr lang="fr-FR" dirty="0"/>
+              <a:t>git reset --hard HEAD</a:t>
+            </a:r>
+          </a:p>
+          <a:p>
+            <a:pPr lvl="1"/>
+            <a:r>
+              <a:rPr lang="fr-FR" dirty="0"/>
+              <a:t>git </a:t>
+            </a:r>
+            <a:r>
+              <a:rPr lang="fr-FR" dirty="0" err="1"/>
+              <a:t>branch</a:t>
+            </a:r>
+            <a:r>
+              <a:rPr lang="fr-FR" dirty="0"/>
+              <a:t> </a:t>
+            </a:r>
+            <a:r>
+              <a:rPr lang="fr-FR" dirty="0" err="1"/>
+              <a:t>brancheCommit</a:t>
+            </a:r>
+            <a:endParaRPr lang="fr-FR" dirty="0"/>
+          </a:p>
+          <a:p>
+            <a:pPr lvl="1"/>
+            <a:r>
+              <a:rPr lang="fr-FR" dirty="0"/>
+              <a:t>git </a:t>
+            </a:r>
+            <a:r>
+              <a:rPr lang="fr-FR" dirty="0" err="1"/>
+              <a:t>checkout</a:t>
+            </a:r>
+            <a:r>
+              <a:rPr lang="fr-FR" dirty="0"/>
+              <a:t> </a:t>
+            </a:r>
+            <a:r>
+              <a:rPr lang="fr-FR" dirty="0" err="1"/>
+              <a:t>brancheCommit</a:t>
+            </a:r>
+            <a:endParaRPr lang="fr-FR" dirty="0"/>
+          </a:p>
+          <a:p>
+            <a:pPr lvl="1"/>
+            <a:r>
+              <a:rPr lang="fr-FR" dirty="0"/>
+              <a:t>git reset --hard ca83a6df</a:t>
+            </a:r>
+          </a:p>
+          <a:p>
+            <a:pPr lvl="1"/>
+            <a:r>
+              <a:rPr lang="fr-FR" dirty="0"/>
+              <a:t>Ceci applique le commit sur la nouvelle branche</a:t>
+            </a:r>
+          </a:p>
+        </p:txBody>
+      </p:sp>
+    </p:spTree>
+    <p:extLst>
+      <p:ext uri="{BB962C8B-B14F-4D97-AF65-F5344CB8AC3E}">
+        <p14:creationId xmlns:p14="http://schemas.microsoft.com/office/powerpoint/2010/main" val="4001655820"/>
+      </p:ext>
+    </p:extLst>
+  </p:cSld>
+  <p:clrMapOvr>
+    <a:masterClrMapping/>
+  </p:clrMapOvr>
+</p:sld>
+</file>
+
+<file path=ppt/slides/slide18.xml><?xml version="1.0" encoding="utf-8"?>
+<p:sld xmlns:a="http://schemas.openxmlformats.org/drawingml/2006/main" xmlns:r="http://schemas.openxmlformats.org/officeDocument/2006/relationships" xmlns:p="http://schemas.openxmlformats.org/presentationml/2006/main">
+  <p:cSld>
+    <p:spTree>
+      <p:nvGrpSpPr>
+        <p:cNvPr id="1" name=""/>
+        <p:cNvGrpSpPr/>
+        <p:nvPr/>
+      </p:nvGrpSpPr>
+      <p:grpSpPr>
+        <a:xfrm>
+          <a:off x="0" y="0"/>
+          <a:ext cx="0" cy="0"/>
+          <a:chOff x="0" y="0"/>
+          <a:chExt cx="0" cy="0"/>
+        </a:xfrm>
+      </p:grpSpPr>
+      <p:sp>
+        <p:nvSpPr>
+          <p:cNvPr id="2" name="Titre 1">
+            <a:extLst>
+              <a:ext uri="{FF2B5EF4-FFF2-40B4-BE49-F238E27FC236}">
                 <a16:creationId xmlns:a16="http://schemas.microsoft.com/office/drawing/2014/main" id="{1AB6C963-DB76-3DF7-FFBB-5F637E77E432}"/>
               </a:ext>
             </a:extLst>
@@ -4292,7 +5051,7 @@
 </p:sld>
 </file>
 
-<file path=ppt/slides/slide14.xml><?xml version="1.0" encoding="utf-8"?>
+<file path=ppt/slides/slide19.xml><?xml version="1.0" encoding="utf-8"?>
 <p:sld xmlns:a="http://schemas.openxmlformats.org/drawingml/2006/main" xmlns:r="http://schemas.openxmlformats.org/officeDocument/2006/relationships" xmlns:p="http://schemas.openxmlformats.org/presentationml/2006/main">
   <p:cSld>
     <p:spTree>
@@ -4433,7 +5192,104 @@
 </p:sld>
 </file>
 
-<file path=ppt/slides/slide15.xml><?xml version="1.0" encoding="utf-8"?>
+<file path=ppt/slides/slide2.xml><?xml version="1.0" encoding="utf-8"?>
+<p:sld xmlns:a="http://schemas.openxmlformats.org/drawingml/2006/main" xmlns:r="http://schemas.openxmlformats.org/officeDocument/2006/relationships" xmlns:p="http://schemas.openxmlformats.org/presentationml/2006/main">
+  <p:cSld>
+    <p:spTree>
+      <p:nvGrpSpPr>
+        <p:cNvPr id="1" name=""/>
+        <p:cNvGrpSpPr/>
+        <p:nvPr/>
+      </p:nvGrpSpPr>
+      <p:grpSpPr>
+        <a:xfrm>
+          <a:off x="0" y="0"/>
+          <a:ext cx="0" cy="0"/>
+          <a:chOff x="0" y="0"/>
+          <a:chExt cx="0" cy="0"/>
+        </a:xfrm>
+      </p:grpSpPr>
+      <p:sp>
+        <p:nvSpPr>
+          <p:cNvPr id="2" name="Titre 1">
+            <a:extLst>
+              <a:ext uri="{FF2B5EF4-FFF2-40B4-BE49-F238E27FC236}">
+                <a16:creationId xmlns:a16="http://schemas.microsoft.com/office/drawing/2014/main" id="{5BDDA7A2-C406-AD77-ABF4-248E7C7B035E}"/>
+              </a:ext>
+            </a:extLst>
+          </p:cNvPr>
+          <p:cNvSpPr>
+            <a:spLocks noGrp="1"/>
+          </p:cNvSpPr>
+          <p:nvPr>
+            <p:ph type="title"/>
+          </p:nvPr>
+        </p:nvSpPr>
+        <p:spPr/>
+        <p:txBody>
+          <a:bodyPr/>
+          <a:lstStyle/>
+          <a:p>
+            <a:r>
+              <a:rPr lang="fr-FR" dirty="0"/>
+              <a:t>Erreurs</a:t>
+            </a:r>
+          </a:p>
+        </p:txBody>
+      </p:sp>
+      <p:sp>
+        <p:nvSpPr>
+          <p:cNvPr id="3" name="Espace réservé du contenu 2">
+            <a:extLst>
+              <a:ext uri="{FF2B5EF4-FFF2-40B4-BE49-F238E27FC236}">
+                <a16:creationId xmlns:a16="http://schemas.microsoft.com/office/drawing/2014/main" id="{8E18C4C5-E357-A826-ED10-E00F7CFDB8BB}"/>
+              </a:ext>
+            </a:extLst>
+          </p:cNvPr>
+          <p:cNvSpPr>
+            <a:spLocks noGrp="1"/>
+          </p:cNvSpPr>
+          <p:nvPr>
+            <p:ph idx="1"/>
+          </p:nvPr>
+        </p:nvSpPr>
+        <p:spPr/>
+        <p:txBody>
+          <a:bodyPr/>
+          <a:lstStyle/>
+          <a:p>
+            <a:r>
+              <a:rPr lang="fr-FR" dirty="0"/>
+              <a:t>Git est un outil merveilleux, mais on a vite fait de créer une branche alors qu’on ne le souhaitait pas, de modifier la branche principale ou encore d’oublier des fichiers dans ses </a:t>
+            </a:r>
+            <a:r>
+              <a:rPr lang="fr-FR" dirty="0" err="1"/>
+              <a:t>commits</a:t>
+            </a:r>
+            <a:endParaRPr lang="fr-FR" dirty="0"/>
+          </a:p>
+          <a:p>
+            <a:r>
+              <a:rPr lang="fr-FR" dirty="0"/>
+              <a:t>Mais ne vous inquiétez pas, nous allons voir ensemble que toutes ces petites erreurs ne sont pas difficiles à corriger avec les bonnes techniques.</a:t>
+            </a:r>
+          </a:p>
+        </p:txBody>
+      </p:sp>
+    </p:spTree>
+    <p:extLst>
+      <p:ext uri="{BB962C8B-B14F-4D97-AF65-F5344CB8AC3E}">
+        <p14:creationId xmlns:p14="http://schemas.microsoft.com/office/powerpoint/2010/main" val="1474394765"/>
+      </p:ext>
+    </p:extLst>
+  </p:cSld>
+  <p:clrMapOvr>
+    <a:masterClrMapping/>
+  </p:clrMapOvr>
+</p:sld>
+</file>
+
+<file path=ppt/slides/slide20.xml><?xml version="1.0" encoding="utf-8"?>
 <p:sld xmlns:a="http://schemas.openxmlformats.org/drawingml/2006/main" xmlns:r="http://schemas.openxmlformats.org/officeDocument/2006/relationships" xmlns:p="http://schemas.openxmlformats.org/presentationml/2006/main">
   <p:cSld>
     <p:spTree>
@@ -4626,7 +5482,7 @@
 </p:sld>
 </file>
 
-<file path=ppt/slides/slide16.xml><?xml version="1.0" encoding="utf-8"?>
+<file path=ppt/slides/slide21.xml><?xml version="1.0" encoding="utf-8"?>
 <p:sld xmlns:a="http://schemas.openxmlformats.org/drawingml/2006/main" xmlns:r="http://schemas.openxmlformats.org/officeDocument/2006/relationships" xmlns:p="http://schemas.openxmlformats.org/presentationml/2006/main">
   <p:cSld>
     <p:spTree>
@@ -4754,7 +5610,7 @@
 </p:sld>
 </file>
 
-<file path=ppt/slides/slide17.xml><?xml version="1.0" encoding="utf-8"?>
+<file path=ppt/slides/slide22.xml><?xml version="1.0" encoding="utf-8"?>
 <p:sld xmlns:a="http://schemas.openxmlformats.org/drawingml/2006/main" xmlns:r="http://schemas.openxmlformats.org/officeDocument/2006/relationships" xmlns:p="http://schemas.openxmlformats.org/presentationml/2006/main">
   <p:cSld>
     <p:spTree>
@@ -4914,7 +5770,7 @@
 </p:sld>
 </file>
 
-<file path=ppt/slides/slide18.xml><?xml version="1.0" encoding="utf-8"?>
+<file path=ppt/slides/slide23.xml><?xml version="1.0" encoding="utf-8"?>
 <p:sld xmlns:a="http://schemas.openxmlformats.org/drawingml/2006/main" xmlns:r="http://schemas.openxmlformats.org/officeDocument/2006/relationships" xmlns:p="http://schemas.openxmlformats.org/presentationml/2006/main">
   <p:cSld>
     <p:spTree>
@@ -5033,7 +5889,7 @@
 </p:sld>
 </file>
 
-<file path=ppt/slides/slide19.xml><?xml version="1.0" encoding="utf-8"?>
+<file path=ppt/slides/slide24.xml><?xml version="1.0" encoding="utf-8"?>
 <p:sld xmlns:a="http://schemas.openxmlformats.org/drawingml/2006/main" xmlns:r="http://schemas.openxmlformats.org/officeDocument/2006/relationships" xmlns:p="http://schemas.openxmlformats.org/presentationml/2006/main">
   <p:cSld>
     <p:spTree>
@@ -5147,7 +6003,7 @@
 </p:sld>
 </file>
 
-<file path=ppt/slides/slide2.xml><?xml version="1.0" encoding="utf-8"?>
+<file path=ppt/slides/slide25.xml><?xml version="1.0" encoding="utf-8"?>
 <p:sld xmlns:a="http://schemas.openxmlformats.org/drawingml/2006/main" xmlns:r="http://schemas.openxmlformats.org/officeDocument/2006/relationships" xmlns:p="http://schemas.openxmlformats.org/presentationml/2006/main">
   <p:cSld>
     <p:spTree>
@@ -5169,7 +6025,7 @@
           <p:cNvPr id="2" name="Titre 1">
             <a:extLst>
               <a:ext uri="{FF2B5EF4-FFF2-40B4-BE49-F238E27FC236}">
-                <a16:creationId xmlns:a16="http://schemas.microsoft.com/office/drawing/2014/main" id="{5BDDA7A2-C406-AD77-ABF4-248E7C7B035E}"/>
+                <a16:creationId xmlns:a16="http://schemas.microsoft.com/office/drawing/2014/main" id="{10088BA3-BF5D-D5C5-829F-BD3B20EB5858}"/>
               </a:ext>
             </a:extLst>
           </p:cNvPr>
@@ -5187,7 +6043,7 @@
           <a:p>
             <a:r>
               <a:rPr lang="fr-FR" dirty="0"/>
-              <a:t>Erreurs</a:t>
+              <a:t>Merge</a:t>
             </a:r>
           </a:p>
         </p:txBody>
@@ -5197,7 +6053,7 @@
           <p:cNvPr id="3" name="Espace réservé du contenu 2">
             <a:extLst>
               <a:ext uri="{FF2B5EF4-FFF2-40B4-BE49-F238E27FC236}">
-                <a16:creationId xmlns:a16="http://schemas.microsoft.com/office/drawing/2014/main" id="{8E18C4C5-E357-A826-ED10-E00F7CFDB8BB}"/>
+                <a16:creationId xmlns:a16="http://schemas.microsoft.com/office/drawing/2014/main" id="{D903E67F-0434-149E-5C44-66A433658696}"/>
               </a:ext>
             </a:extLst>
           </p:cNvPr>
@@ -5215,26 +6071,99 @@
           <a:p>
             <a:r>
               <a:rPr lang="fr-FR" dirty="0"/>
-              <a:t>Git est un outil merveilleux, mais on a vite fait de créer une branche alors qu’on ne le souhaitait pas, de modifier la branche principale ou encore d’oublier des fichiers dans ses </a:t>
+              <a:t>Permet de récupérer les </a:t>
             </a:r>
             <a:r>
               <a:rPr lang="fr-FR" dirty="0" err="1"/>
               <a:t>commits</a:t>
             </a:r>
+            <a:r>
+              <a:rPr lang="fr-FR" dirty="0"/>
+              <a:t> distants</a:t>
+            </a:r>
+          </a:p>
+          <a:p>
             <a:endParaRPr lang="fr-FR" dirty="0"/>
           </a:p>
           <a:p>
-            <a:r>
-              <a:rPr lang="fr-FR" dirty="0"/>
-              <a:t>Mais ne vous inquiétez pas, nous allons voir ensemble que toutes ces petites erreurs ne sont pas difficiles à corriger avec les bonnes techniques.</a:t>
-            </a:r>
-          </a:p>
-        </p:txBody>
-      </p:sp>
+            <a:endParaRPr lang="fr-FR" dirty="0"/>
+          </a:p>
+          <a:p>
+            <a:endParaRPr lang="fr-FR" dirty="0"/>
+          </a:p>
+          <a:p>
+            <a:pPr lvl="1"/>
+            <a:r>
+              <a:rPr lang="fr-FR" dirty="0"/>
+              <a:t>                                        =&gt;</a:t>
+            </a:r>
+          </a:p>
+        </p:txBody>
+      </p:sp>
+      <p:pic>
+        <p:nvPicPr>
+          <p:cNvPr id="5" name="Image 4">
+            <a:extLst>
+              <a:ext uri="{FF2B5EF4-FFF2-40B4-BE49-F238E27FC236}">
+                <a16:creationId xmlns:a16="http://schemas.microsoft.com/office/drawing/2014/main" id="{81504179-23ED-BC8C-8CBE-51BCDCF6279D}"/>
+              </a:ext>
+            </a:extLst>
+          </p:cNvPr>
+          <p:cNvPicPr>
+            <a:picLocks noChangeAspect="1"/>
+          </p:cNvPicPr>
+          <p:nvPr/>
+        </p:nvPicPr>
+        <p:blipFill>
+          <a:blip r:embed="rId2"/>
+          <a:stretch>
+            <a:fillRect/>
+          </a:stretch>
+        </p:blipFill>
+        <p:spPr>
+          <a:xfrm>
+            <a:off x="323528" y="2132856"/>
+            <a:ext cx="3743847" cy="4020111"/>
+          </a:xfrm>
+          <a:prstGeom prst="rect">
+            <a:avLst/>
+          </a:prstGeom>
+        </p:spPr>
+      </p:pic>
+      <p:pic>
+        <p:nvPicPr>
+          <p:cNvPr id="7" name="Image 6">
+            <a:extLst>
+              <a:ext uri="{FF2B5EF4-FFF2-40B4-BE49-F238E27FC236}">
+                <a16:creationId xmlns:a16="http://schemas.microsoft.com/office/drawing/2014/main" id="{DBB6E2A7-72C8-D59C-EA3A-F6200958A8A3}"/>
+              </a:ext>
+            </a:extLst>
+          </p:cNvPr>
+          <p:cNvPicPr>
+            <a:picLocks noChangeAspect="1"/>
+          </p:cNvPicPr>
+          <p:nvPr/>
+        </p:nvPicPr>
+        <p:blipFill>
+          <a:blip r:embed="rId3"/>
+          <a:stretch>
+            <a:fillRect/>
+          </a:stretch>
+        </p:blipFill>
+        <p:spPr>
+          <a:xfrm>
+            <a:off x="4860032" y="2132856"/>
+            <a:ext cx="3829584" cy="4029637"/>
+          </a:xfrm>
+          <a:prstGeom prst="rect">
+            <a:avLst/>
+          </a:prstGeom>
+        </p:spPr>
+      </p:pic>
     </p:spTree>
     <p:extLst>
       <p:ext uri="{BB962C8B-B14F-4D97-AF65-F5344CB8AC3E}">
-        <p14:creationId xmlns:p14="http://schemas.microsoft.com/office/powerpoint/2010/main" val="1474394765"/>
+        <p14:creationId xmlns:p14="http://schemas.microsoft.com/office/powerpoint/2010/main" val="3628570573"/>
       </p:ext>
     </p:extLst>
   </p:cSld>
@@ -5244,7 +6173,7 @@
 </p:sld>
 </file>
 
-<file path=ppt/slides/slide20.xml><?xml version="1.0" encoding="utf-8"?>
+<file path=ppt/slides/slide26.xml><?xml version="1.0" encoding="utf-8"?>
 <p:sld xmlns:a="http://schemas.openxmlformats.org/drawingml/2006/main" xmlns:r="http://schemas.openxmlformats.org/officeDocument/2006/relationships" xmlns:p="http://schemas.openxmlformats.org/presentationml/2006/main">
   <p:cSld>
     <p:spTree>
@@ -5266,7 +6195,7 @@
           <p:cNvPr id="2" name="Titre 1">
             <a:extLst>
               <a:ext uri="{FF2B5EF4-FFF2-40B4-BE49-F238E27FC236}">
-                <a16:creationId xmlns:a16="http://schemas.microsoft.com/office/drawing/2014/main" id="{7E0EC95E-7298-1777-DC04-1C4433E4AF1F}"/>
+                <a16:creationId xmlns:a16="http://schemas.microsoft.com/office/drawing/2014/main" id="{B659C785-5B30-7A6B-04E9-04AB206434E3}"/>
               </a:ext>
             </a:extLst>
           </p:cNvPr>
@@ -5283,9 +6212,10 @@
           <a:lstStyle/>
           <a:p>
             <a:r>
-              <a:rPr lang="fr-FR" dirty="0"/>
-              <a:t>Erreur après push</a:t>
-            </a:r>
+              <a:rPr lang="fr-FR" dirty="0" err="1"/>
+              <a:t>Fetch</a:t>
+            </a:r>
+            <a:endParaRPr lang="fr-FR" dirty="0"/>
           </a:p>
         </p:txBody>
       </p:sp>
@@ -5294,7 +6224,7 @@
           <p:cNvPr id="3" name="Espace réservé du contenu 2">
             <a:extLst>
               <a:ext uri="{FF2B5EF4-FFF2-40B4-BE49-F238E27FC236}">
-                <a16:creationId xmlns:a16="http://schemas.microsoft.com/office/drawing/2014/main" id="{7DBA0353-CD48-955D-E3EE-B291E30599B8}"/>
+                <a16:creationId xmlns:a16="http://schemas.microsoft.com/office/drawing/2014/main" id="{8E70FFD1-093F-9EE8-B7E4-7B9706E6FF0C}"/>
               </a:ext>
             </a:extLst>
           </p:cNvPr>
@@ -5312,13 +6242,80 @@
           <a:p>
             <a:r>
               <a:rPr lang="fr-FR" dirty="0"/>
-              <a:t>C'est le cas le plus délicat</a:t>
-            </a:r>
-          </a:p>
-          <a:p>
-            <a:r>
-              <a:rPr lang="fr-FR" dirty="0"/>
-              <a:t>Tout push devrait être fait après des tests unitaires</a:t>
+              <a:t>git </a:t>
+            </a:r>
+            <a:r>
+              <a:rPr lang="fr-FR" dirty="0" err="1"/>
+              <a:t>fetch</a:t>
+            </a:r>
+            <a:r>
+              <a:rPr lang="fr-FR" dirty="0"/>
+              <a:t> procède en deux étapes principales</a:t>
+            </a:r>
+          </a:p>
+          <a:p>
+            <a:pPr lvl="1"/>
+            <a:r>
+              <a:rPr lang="fr-FR" dirty="0"/>
+              <a:t>télécharge les </a:t>
+            </a:r>
+            <a:r>
+              <a:rPr lang="fr-FR" dirty="0" err="1"/>
+              <a:t>commits</a:t>
+            </a:r>
+            <a:r>
+              <a:rPr lang="fr-FR" dirty="0"/>
+              <a:t> que le dépôt distant possède mais qui ne sont pas dans le nôtre</a:t>
+            </a:r>
+          </a:p>
+          <a:p>
+            <a:pPr lvl="1"/>
+            <a:r>
+              <a:rPr lang="fr-FR" dirty="0"/>
+              <a:t>met à jour nos branches distantes</a:t>
+            </a:r>
+          </a:p>
+          <a:p>
+            <a:r>
+              <a:rPr lang="fr-FR" dirty="0"/>
+              <a:t>git </a:t>
+            </a:r>
+            <a:r>
+              <a:rPr lang="fr-FR" dirty="0" err="1"/>
+              <a:t>fetch</a:t>
+            </a:r>
+            <a:r>
+              <a:rPr lang="fr-FR" dirty="0"/>
+              <a:t> prend en fait notre représentation locale du dépôt distant pour la synchroniser avec ce à quoi le dépôt distant ressemble réellement</a:t>
+            </a:r>
+          </a:p>
+          <a:p>
+            <a:pPr lvl="1"/>
+            <a:r>
+              <a:rPr lang="fr-FR" dirty="0"/>
+              <a:t>git </a:t>
+            </a:r>
+            <a:r>
+              <a:rPr lang="fr-FR" dirty="0" err="1"/>
+              <a:t>fetch</a:t>
+            </a:r>
+            <a:r>
+              <a:rPr lang="fr-FR" dirty="0"/>
+              <a:t> ne change rien à votre état local</a:t>
+            </a:r>
+          </a:p>
+          <a:p>
+            <a:pPr lvl="1"/>
+            <a:r>
+              <a:rPr lang="fr-FR" dirty="0"/>
+              <a:t>Il ne met pas à jour votre branche t ne va pas changer quelque chose aux fichiers qui se trouvent actuellement dans votre répertoire de travail</a:t>
+            </a:r>
+          </a:p>
+          <a:p>
+            <a:pPr lvl="1"/>
+            <a:r>
+              <a:rPr lang="fr-FR" dirty="0"/>
+              <a:t>git merge est nécessaire</a:t>
             </a:r>
           </a:p>
         </p:txBody>
@@ -5326,7 +6323,7 @@
     </p:spTree>
     <p:extLst>
       <p:ext uri="{BB962C8B-B14F-4D97-AF65-F5344CB8AC3E}">
-        <p14:creationId xmlns:p14="http://schemas.microsoft.com/office/powerpoint/2010/main" val="3720228999"/>
+        <p14:creationId xmlns:p14="http://schemas.microsoft.com/office/powerpoint/2010/main" val="1146217026"/>
       </p:ext>
     </p:extLst>
   </p:cSld>
@@ -5336,7 +6333,7 @@
 </p:sld>
 </file>
 
-<file path=ppt/slides/slide21.xml><?xml version="1.0" encoding="utf-8"?>
+<file path=ppt/slides/slide27.xml><?xml version="1.0" encoding="utf-8"?>
 <p:sld xmlns:a="http://schemas.openxmlformats.org/drawingml/2006/main" xmlns:r="http://schemas.openxmlformats.org/officeDocument/2006/relationships" xmlns:p="http://schemas.openxmlformats.org/presentationml/2006/main">
   <p:cSld>
     <p:spTree>
@@ -5358,7 +6355,7 @@
           <p:cNvPr id="2" name="Titre 1">
             <a:extLst>
               <a:ext uri="{FF2B5EF4-FFF2-40B4-BE49-F238E27FC236}">
-                <a16:creationId xmlns:a16="http://schemas.microsoft.com/office/drawing/2014/main" id="{247EC911-9486-BB4E-82B1-C80C5E960663}"/>
+                <a16:creationId xmlns:a16="http://schemas.microsoft.com/office/drawing/2014/main" id="{7E0EC95E-7298-1777-DC04-1C4433E4AF1F}"/>
               </a:ext>
             </a:extLst>
           </p:cNvPr>
@@ -5375,10 +6372,9 @@
           <a:lstStyle/>
           <a:p>
             <a:r>
-              <a:rPr lang="fr-FR" dirty="0" err="1"/>
-              <a:t>Revert</a:t>
-            </a:r>
-            <a:endParaRPr lang="fr-FR" dirty="0"/>
+              <a:rPr lang="fr-FR" dirty="0"/>
+              <a:t>Erreur après push</a:t>
+            </a:r>
           </a:p>
         </p:txBody>
       </p:sp>
@@ -5387,7 +6383,7 @@
           <p:cNvPr id="3" name="Espace réservé du contenu 2">
             <a:extLst>
               <a:ext uri="{FF2B5EF4-FFF2-40B4-BE49-F238E27FC236}">
-                <a16:creationId xmlns:a16="http://schemas.microsoft.com/office/drawing/2014/main" id="{E6D7E41E-027F-377C-BF57-C38DC2E60EC8}"/>
+                <a16:creationId xmlns:a16="http://schemas.microsoft.com/office/drawing/2014/main" id="{7DBA0353-CD48-955D-E3EE-B291E30599B8}"/>
               </a:ext>
             </a:extLst>
           </p:cNvPr>
@@ -5405,55 +6401,13 @@
           <a:p>
             <a:r>
               <a:rPr lang="fr-FR" dirty="0"/>
-              <a:t>Il est possible d'annuler son commit public avec la commande git </a:t>
-            </a:r>
-            <a:r>
-              <a:rPr lang="fr-FR" dirty="0" err="1"/>
-              <a:t>revert</a:t>
-            </a:r>
-            <a:endParaRPr lang="fr-FR" dirty="0"/>
-          </a:p>
-          <a:p>
-            <a:r>
-              <a:rPr lang="fr-FR" dirty="0"/>
-              <a:t>L'opération </a:t>
-            </a:r>
-            <a:r>
-              <a:rPr lang="fr-FR" dirty="0" err="1"/>
-              <a:t>revert</a:t>
-            </a:r>
-            <a:r>
-              <a:rPr lang="fr-FR" dirty="0"/>
-              <a:t> annule un commit en créant un nouveau commit</a:t>
-            </a:r>
-          </a:p>
-          <a:p>
-            <a:pPr lvl="1"/>
-            <a:r>
-              <a:rPr lang="fr-FR" dirty="0"/>
-              <a:t>C'est une méthode sûre pour annuler des changements, car elle ne risque pas de réécrire l'historique du commit</a:t>
-            </a:r>
-          </a:p>
-          <a:p>
-            <a:pPr lvl="1"/>
-            <a:r>
-              <a:rPr lang="fr-FR" dirty="0"/>
-              <a:t>git </a:t>
-            </a:r>
-            <a:r>
-              <a:rPr lang="fr-FR" dirty="0" err="1"/>
-              <a:t>revert</a:t>
-            </a:r>
-            <a:r>
-              <a:rPr lang="fr-FR" dirty="0"/>
-              <a:t> HEAD </a:t>
-            </a:r>
-          </a:p>
-          <a:p>
-            <a:pPr lvl="1"/>
-            <a:r>
-              <a:rPr lang="fr-FR" dirty="0"/>
-              <a:t>HEAD^ sur les anciennes version</a:t>
+              <a:t>C'est le cas le plus délicat</a:t>
+            </a:r>
+          </a:p>
+          <a:p>
+            <a:r>
+              <a:rPr lang="fr-FR" dirty="0"/>
+              <a:t>Tout push devrait être fait après des tests unitaires</a:t>
             </a:r>
           </a:p>
         </p:txBody>
@@ -5461,7 +6415,7 @@
     </p:spTree>
     <p:extLst>
       <p:ext uri="{BB962C8B-B14F-4D97-AF65-F5344CB8AC3E}">
-        <p14:creationId xmlns:p14="http://schemas.microsoft.com/office/powerpoint/2010/main" val="795277146"/>
+        <p14:creationId xmlns:p14="http://schemas.microsoft.com/office/powerpoint/2010/main" val="3720228999"/>
       </p:ext>
     </p:extLst>
   </p:cSld>
@@ -5471,7 +6425,7 @@
 </p:sld>
 </file>
 
-<file path=ppt/slides/slide22.xml><?xml version="1.0" encoding="utf-8"?>
+<file path=ppt/slides/slide28.xml><?xml version="1.0" encoding="utf-8"?>
 <p:sld xmlns:a="http://schemas.openxmlformats.org/drawingml/2006/main" xmlns:r="http://schemas.openxmlformats.org/officeDocument/2006/relationships" xmlns:p="http://schemas.openxmlformats.org/presentationml/2006/main">
   <p:cSld>
     <p:spTree>
@@ -5493,6 +6447,141 @@
           <p:cNvPr id="2" name="Titre 1">
             <a:extLst>
               <a:ext uri="{FF2B5EF4-FFF2-40B4-BE49-F238E27FC236}">
+                <a16:creationId xmlns:a16="http://schemas.microsoft.com/office/drawing/2014/main" id="{247EC911-9486-BB4E-82B1-C80C5E960663}"/>
+              </a:ext>
+            </a:extLst>
+          </p:cNvPr>
+          <p:cNvSpPr>
+            <a:spLocks noGrp="1"/>
+          </p:cNvSpPr>
+          <p:nvPr>
+            <p:ph type="title"/>
+          </p:nvPr>
+        </p:nvSpPr>
+        <p:spPr/>
+        <p:txBody>
+          <a:bodyPr/>
+          <a:lstStyle/>
+          <a:p>
+            <a:r>
+              <a:rPr lang="fr-FR" dirty="0" err="1"/>
+              <a:t>Revert</a:t>
+            </a:r>
+            <a:endParaRPr lang="fr-FR" dirty="0"/>
+          </a:p>
+        </p:txBody>
+      </p:sp>
+      <p:sp>
+        <p:nvSpPr>
+          <p:cNvPr id="3" name="Espace réservé du contenu 2">
+            <a:extLst>
+              <a:ext uri="{FF2B5EF4-FFF2-40B4-BE49-F238E27FC236}">
+                <a16:creationId xmlns:a16="http://schemas.microsoft.com/office/drawing/2014/main" id="{E6D7E41E-027F-377C-BF57-C38DC2E60EC8}"/>
+              </a:ext>
+            </a:extLst>
+          </p:cNvPr>
+          <p:cNvSpPr>
+            <a:spLocks noGrp="1"/>
+          </p:cNvSpPr>
+          <p:nvPr>
+            <p:ph idx="1"/>
+          </p:nvPr>
+        </p:nvSpPr>
+        <p:spPr/>
+        <p:txBody>
+          <a:bodyPr/>
+          <a:lstStyle/>
+          <a:p>
+            <a:r>
+              <a:rPr lang="fr-FR" dirty="0"/>
+              <a:t>Il est possible d'annuler son commit public avec la commande git </a:t>
+            </a:r>
+            <a:r>
+              <a:rPr lang="fr-FR" dirty="0" err="1"/>
+              <a:t>revert</a:t>
+            </a:r>
+            <a:endParaRPr lang="fr-FR" dirty="0"/>
+          </a:p>
+          <a:p>
+            <a:r>
+              <a:rPr lang="fr-FR" dirty="0"/>
+              <a:t>L'opération </a:t>
+            </a:r>
+            <a:r>
+              <a:rPr lang="fr-FR" dirty="0" err="1"/>
+              <a:t>revert</a:t>
+            </a:r>
+            <a:r>
+              <a:rPr lang="fr-FR" dirty="0"/>
+              <a:t> annule un commit en créant un nouveau commit</a:t>
+            </a:r>
+          </a:p>
+          <a:p>
+            <a:pPr lvl="1"/>
+            <a:r>
+              <a:rPr lang="fr-FR" dirty="0"/>
+              <a:t>C'est une méthode sûre pour annuler des changements, car elle ne risque pas de réécrire l'historique du commit</a:t>
+            </a:r>
+          </a:p>
+          <a:p>
+            <a:pPr lvl="1"/>
+            <a:r>
+              <a:rPr lang="fr-FR" dirty="0"/>
+              <a:t>git </a:t>
+            </a:r>
+            <a:r>
+              <a:rPr lang="fr-FR" dirty="0" err="1"/>
+              <a:t>revert</a:t>
+            </a:r>
+            <a:r>
+              <a:rPr lang="fr-FR" dirty="0"/>
+              <a:t> HEAD </a:t>
+            </a:r>
+          </a:p>
+          <a:p>
+            <a:pPr lvl="1"/>
+            <a:r>
+              <a:rPr lang="fr-FR" dirty="0"/>
+              <a:t>HEAD^ sur les anciennes version</a:t>
+            </a:r>
+          </a:p>
+        </p:txBody>
+      </p:sp>
+    </p:spTree>
+    <p:extLst>
+      <p:ext uri="{BB962C8B-B14F-4D97-AF65-F5344CB8AC3E}">
+        <p14:creationId xmlns:p14="http://schemas.microsoft.com/office/powerpoint/2010/main" val="795277146"/>
+      </p:ext>
+    </p:extLst>
+  </p:cSld>
+  <p:clrMapOvr>
+    <a:masterClrMapping/>
+  </p:clrMapOvr>
+</p:sld>
+</file>
+
+<file path=ppt/slides/slide29.xml><?xml version="1.0" encoding="utf-8"?>
+<p:sld xmlns:a="http://schemas.openxmlformats.org/drawingml/2006/main" xmlns:r="http://schemas.openxmlformats.org/officeDocument/2006/relationships" xmlns:p="http://schemas.openxmlformats.org/presentationml/2006/main">
+  <p:cSld>
+    <p:spTree>
+      <p:nvGrpSpPr>
+        <p:cNvPr id="1" name=""/>
+        <p:cNvGrpSpPr/>
+        <p:nvPr/>
+      </p:nvGrpSpPr>
+      <p:grpSpPr>
+        <a:xfrm>
+          <a:off x="0" y="0"/>
+          <a:ext cx="0" cy="0"/>
+          <a:chOff x="0" y="0"/>
+          <a:chExt cx="0" cy="0"/>
+        </a:xfrm>
+      </p:grpSpPr>
+      <p:sp>
+        <p:nvSpPr>
+          <p:cNvPr id="2" name="Titre 1">
+            <a:extLst>
+              <a:ext uri="{FF2B5EF4-FFF2-40B4-BE49-F238E27FC236}">
                 <a16:creationId xmlns:a16="http://schemas.microsoft.com/office/drawing/2014/main" id="{3C0A34E3-63D6-E425-C108-F3B660274FBB}"/>
               </a:ext>
             </a:extLst>
@@ -5630,7 +6719,146 @@
 </p:sld>
 </file>
 
-<file path=ppt/slides/slide23.xml><?xml version="1.0" encoding="utf-8"?>
+<file path=ppt/slides/slide3.xml><?xml version="1.0" encoding="utf-8"?>
+<p:sld xmlns:a="http://schemas.openxmlformats.org/drawingml/2006/main" xmlns:r="http://schemas.openxmlformats.org/officeDocument/2006/relationships" xmlns:p="http://schemas.openxmlformats.org/presentationml/2006/main">
+  <p:cSld>
+    <p:spTree>
+      <p:nvGrpSpPr>
+        <p:cNvPr id="1" name=""/>
+        <p:cNvGrpSpPr/>
+        <p:nvPr/>
+      </p:nvGrpSpPr>
+      <p:grpSpPr>
+        <a:xfrm>
+          <a:off x="0" y="0"/>
+          <a:ext cx="0" cy="0"/>
+          <a:chOff x="0" y="0"/>
+          <a:chExt cx="0" cy="0"/>
+        </a:xfrm>
+      </p:grpSpPr>
+      <p:sp>
+        <p:nvSpPr>
+          <p:cNvPr id="2" name="Titre 1">
+            <a:extLst>
+              <a:ext uri="{FF2B5EF4-FFF2-40B4-BE49-F238E27FC236}">
+                <a16:creationId xmlns:a16="http://schemas.microsoft.com/office/drawing/2014/main" id="{150B35C1-11C4-3EF2-F38B-2E930936CF72}"/>
+              </a:ext>
+            </a:extLst>
+          </p:cNvPr>
+          <p:cNvSpPr>
+            <a:spLocks noGrp="1"/>
+          </p:cNvSpPr>
+          <p:nvPr>
+            <p:ph type="title"/>
+          </p:nvPr>
+        </p:nvSpPr>
+        <p:spPr/>
+        <p:txBody>
+          <a:bodyPr/>
+          <a:lstStyle/>
+          <a:p>
+            <a:r>
+              <a:rPr lang="fr-FR" dirty="0"/>
+              <a:t>Erreurs avant commit</a:t>
+            </a:r>
+          </a:p>
+        </p:txBody>
+      </p:sp>
+      <p:sp>
+        <p:nvSpPr>
+          <p:cNvPr id="3" name="Espace réservé du contenu 2">
+            <a:extLst>
+              <a:ext uri="{FF2B5EF4-FFF2-40B4-BE49-F238E27FC236}">
+                <a16:creationId xmlns:a16="http://schemas.microsoft.com/office/drawing/2014/main" id="{11D6ED4F-4845-5B4B-7807-D1F663A9CB59}"/>
+              </a:ext>
+            </a:extLst>
+          </p:cNvPr>
+          <p:cNvSpPr>
+            <a:spLocks noGrp="1"/>
+          </p:cNvSpPr>
+          <p:nvPr>
+            <p:ph idx="1"/>
+          </p:nvPr>
+        </p:nvSpPr>
+        <p:spPr/>
+        <p:txBody>
+          <a:bodyPr/>
+          <a:lstStyle/>
+          <a:p>
+            <a:r>
+              <a:rPr lang="fr-FR" dirty="0"/>
+              <a:t>Ce n'est pas grave, c'est facilement réversible</a:t>
+            </a:r>
+          </a:p>
+          <a:p>
+            <a:r>
+              <a:rPr lang="fr-FR" dirty="0"/>
+              <a:t>Un simple git </a:t>
+            </a:r>
+            <a:r>
+              <a:rPr lang="fr-FR" dirty="0" err="1"/>
+              <a:t>rm</a:t>
+            </a:r>
+            <a:r>
+              <a:rPr lang="fr-FR" dirty="0"/>
+              <a:t> devrait suffire</a:t>
+            </a:r>
+          </a:p>
+          <a:p>
+            <a:r>
+              <a:rPr lang="fr-FR" dirty="0"/>
+              <a:t>Pour les branches</a:t>
+            </a:r>
+          </a:p>
+          <a:p>
+            <a:pPr lvl="1"/>
+            <a:r>
+              <a:rPr lang="fr-FR" dirty="0"/>
+              <a:t>git </a:t>
+            </a:r>
+            <a:r>
+              <a:rPr lang="fr-FR" dirty="0" err="1"/>
+              <a:t>branch</a:t>
+            </a:r>
+            <a:r>
+              <a:rPr lang="fr-FR" dirty="0"/>
+              <a:t> -d </a:t>
+            </a:r>
+            <a:r>
+              <a:rPr lang="fr-FR" dirty="0" err="1"/>
+              <a:t>brancheTest</a:t>
+            </a:r>
+            <a:endParaRPr lang="fr-FR" dirty="0"/>
+          </a:p>
+          <a:p>
+            <a:pPr lvl="1"/>
+            <a:r>
+              <a:rPr lang="fr-FR" dirty="0"/>
+              <a:t>ou –D si la branche n'est pas vide</a:t>
+            </a:r>
+          </a:p>
+          <a:p>
+            <a:pPr marL="0" indent="0">
+              <a:buNone/>
+            </a:pPr>
+            <a:endParaRPr lang="fr-FR" dirty="0"/>
+          </a:p>
+        </p:txBody>
+      </p:sp>
+    </p:spTree>
+    <p:extLst>
+      <p:ext uri="{BB962C8B-B14F-4D97-AF65-F5344CB8AC3E}">
+        <p14:creationId xmlns:p14="http://schemas.microsoft.com/office/powerpoint/2010/main" val="1659599680"/>
+      </p:ext>
+    </p:extLst>
+  </p:cSld>
+  <p:clrMapOvr>
+    <a:masterClrMapping/>
+  </p:clrMapOvr>
+</p:sld>
+</file>
+
+<file path=ppt/slides/slide30.xml><?xml version="1.0" encoding="utf-8"?>
 <p:sld xmlns:a="http://schemas.openxmlformats.org/drawingml/2006/main" xmlns:r="http://schemas.openxmlformats.org/officeDocument/2006/relationships" xmlns:p="http://schemas.openxmlformats.org/presentationml/2006/main">
   <p:cSld>
     <p:spTree>
@@ -5744,7 +6972,7 @@
 </p:sld>
 </file>
 
-<file path=ppt/slides/slide24.xml><?xml version="1.0" encoding="utf-8"?>
+<file path=ppt/slides/slide31.xml><?xml version="1.0" encoding="utf-8"?>
 <p:sld xmlns:a="http://schemas.openxmlformats.org/drawingml/2006/main" xmlns:r="http://schemas.openxmlformats.org/officeDocument/2006/relationships" xmlns:p="http://schemas.openxmlformats.org/presentationml/2006/main">
   <p:cSld>
     <p:spTree>
@@ -5860,145 +7088,6 @@
     <p:extLst>
       <p:ext uri="{BB962C8B-B14F-4D97-AF65-F5344CB8AC3E}">
         <p14:creationId xmlns:p14="http://schemas.microsoft.com/office/powerpoint/2010/main" val="2495307716"/>
-      </p:ext>
-    </p:extLst>
-  </p:cSld>
-  <p:clrMapOvr>
-    <a:masterClrMapping/>
-  </p:clrMapOvr>
-</p:sld>
-</file>
-
-<file path=ppt/slides/slide3.xml><?xml version="1.0" encoding="utf-8"?>
-<p:sld xmlns:a="http://schemas.openxmlformats.org/drawingml/2006/main" xmlns:r="http://schemas.openxmlformats.org/officeDocument/2006/relationships" xmlns:p="http://schemas.openxmlformats.org/presentationml/2006/main">
-  <p:cSld>
-    <p:spTree>
-      <p:nvGrpSpPr>
-        <p:cNvPr id="1" name=""/>
-        <p:cNvGrpSpPr/>
-        <p:nvPr/>
-      </p:nvGrpSpPr>
-      <p:grpSpPr>
-        <a:xfrm>
-          <a:off x="0" y="0"/>
-          <a:ext cx="0" cy="0"/>
-          <a:chOff x="0" y="0"/>
-          <a:chExt cx="0" cy="0"/>
-        </a:xfrm>
-      </p:grpSpPr>
-      <p:sp>
-        <p:nvSpPr>
-          <p:cNvPr id="2" name="Titre 1">
-            <a:extLst>
-              <a:ext uri="{FF2B5EF4-FFF2-40B4-BE49-F238E27FC236}">
-                <a16:creationId xmlns:a16="http://schemas.microsoft.com/office/drawing/2014/main" id="{150B35C1-11C4-3EF2-F38B-2E930936CF72}"/>
-              </a:ext>
-            </a:extLst>
-          </p:cNvPr>
-          <p:cNvSpPr>
-            <a:spLocks noGrp="1"/>
-          </p:cNvSpPr>
-          <p:nvPr>
-            <p:ph type="title"/>
-          </p:nvPr>
-        </p:nvSpPr>
-        <p:spPr/>
-        <p:txBody>
-          <a:bodyPr/>
-          <a:lstStyle/>
-          <a:p>
-            <a:r>
-              <a:rPr lang="fr-FR" dirty="0"/>
-              <a:t>Erreurs avant commit</a:t>
-            </a:r>
-          </a:p>
-        </p:txBody>
-      </p:sp>
-      <p:sp>
-        <p:nvSpPr>
-          <p:cNvPr id="3" name="Espace réservé du contenu 2">
-            <a:extLst>
-              <a:ext uri="{FF2B5EF4-FFF2-40B4-BE49-F238E27FC236}">
-                <a16:creationId xmlns:a16="http://schemas.microsoft.com/office/drawing/2014/main" id="{11D6ED4F-4845-5B4B-7807-D1F663A9CB59}"/>
-              </a:ext>
-            </a:extLst>
-          </p:cNvPr>
-          <p:cNvSpPr>
-            <a:spLocks noGrp="1"/>
-          </p:cNvSpPr>
-          <p:nvPr>
-            <p:ph idx="1"/>
-          </p:nvPr>
-        </p:nvSpPr>
-        <p:spPr/>
-        <p:txBody>
-          <a:bodyPr/>
-          <a:lstStyle/>
-          <a:p>
-            <a:r>
-              <a:rPr lang="fr-FR" dirty="0"/>
-              <a:t>Ce n'est pas grave, c'est facilement réversible</a:t>
-            </a:r>
-          </a:p>
-          <a:p>
-            <a:r>
-              <a:rPr lang="fr-FR" dirty="0"/>
-              <a:t>Un simple git </a:t>
-            </a:r>
-            <a:r>
-              <a:rPr lang="fr-FR" dirty="0" err="1"/>
-              <a:t>rm</a:t>
-            </a:r>
-            <a:r>
-              <a:rPr lang="fr-FR" dirty="0"/>
-              <a:t> devrait suffire</a:t>
-            </a:r>
-          </a:p>
-          <a:p>
-            <a:r>
-              <a:rPr lang="fr-FR" dirty="0"/>
-              <a:t>Pour les branches</a:t>
-            </a:r>
-          </a:p>
-          <a:p>
-            <a:pPr lvl="1"/>
-            <a:r>
-              <a:rPr lang="fr-FR" dirty="0"/>
-              <a:t>git </a:t>
-            </a:r>
-            <a:r>
-              <a:rPr lang="fr-FR" dirty="0" err="1"/>
-              <a:t>branch</a:t>
-            </a:r>
-            <a:r>
-              <a:rPr lang="fr-FR" dirty="0"/>
-              <a:t> -d </a:t>
-            </a:r>
-            <a:r>
-              <a:rPr lang="fr-FR" dirty="0" err="1"/>
-              <a:t>brancheTest</a:t>
-            </a:r>
-            <a:endParaRPr lang="fr-FR" dirty="0"/>
-          </a:p>
-          <a:p>
-            <a:pPr lvl="1"/>
-            <a:r>
-              <a:rPr lang="fr-FR" dirty="0"/>
-              <a:t>ou –D si la branche n'est pas vide</a:t>
-            </a:r>
-          </a:p>
-          <a:p>
-            <a:pPr marL="0" indent="0">
-              <a:buNone/>
-            </a:pPr>
-            <a:endParaRPr lang="fr-FR" dirty="0"/>
-          </a:p>
-        </p:txBody>
-      </p:sp>
-    </p:spTree>
-    <p:extLst>
-      <p:ext uri="{BB962C8B-B14F-4D97-AF65-F5344CB8AC3E}">
-        <p14:creationId xmlns:p14="http://schemas.microsoft.com/office/powerpoint/2010/main" val="1659599680"/>
       </p:ext>
     </p:extLst>
   </p:cSld>
@@ -6519,7 +7608,7 @@
           <p:cNvPr id="2" name="Titre 1">
             <a:extLst>
               <a:ext uri="{FF2B5EF4-FFF2-40B4-BE49-F238E27FC236}">
-                <a16:creationId xmlns:a16="http://schemas.microsoft.com/office/drawing/2014/main" id="{44FC21B8-0FDF-C412-B3A7-F5B032C34AA3}"/>
+                <a16:creationId xmlns:a16="http://schemas.microsoft.com/office/drawing/2014/main" id="{BFC93849-6E81-99E7-F35A-3ED4A639940A}"/>
               </a:ext>
             </a:extLst>
           </p:cNvPr>
@@ -6537,7 +7626,7 @@
           <a:p>
             <a:r>
               <a:rPr lang="fr-FR" dirty="0"/>
-              <a:t>Erreurs après commit</a:t>
+              <a:t>HEAD</a:t>
             </a:r>
           </a:p>
         </p:txBody>
@@ -6547,7 +7636,7 @@
           <p:cNvPr id="3" name="Espace réservé du contenu 2">
             <a:extLst>
               <a:ext uri="{FF2B5EF4-FFF2-40B4-BE49-F238E27FC236}">
-                <a16:creationId xmlns:a16="http://schemas.microsoft.com/office/drawing/2014/main" id="{2D4D2737-D5CF-1D83-35CC-B56394B70519}"/>
+                <a16:creationId xmlns:a16="http://schemas.microsoft.com/office/drawing/2014/main" id="{23BF72AF-E037-C363-5E67-309D55462142}"/>
               </a:ext>
             </a:extLst>
           </p:cNvPr>
@@ -6565,30 +7654,54 @@
           <a:p>
             <a:r>
               <a:rPr lang="fr-FR" dirty="0"/>
-              <a:t>Maintenant, admettons que vous ayez réalisé vos modifications et qu'en plus vous ayez fait le commit</a:t>
-            </a:r>
-          </a:p>
-          <a:p>
-            <a:r>
-              <a:rPr lang="fr-FR" dirty="0"/>
-              <a:t>Le cas est plus complexe, puisque vous avez enregistré vos modifications sur la branche principale, alors que vous ne deviez pas.</a:t>
-            </a:r>
-          </a:p>
-          <a:p>
-            <a:r>
-              <a:rPr lang="fr-FR" dirty="0"/>
-              <a:t>Il existe différentes stratégies pour annuler ou modifier un commit</a:t>
-            </a:r>
-          </a:p>
-          <a:p>
+              <a:t>HEAD est le nom symbolique pour le commit sur lequel nous nous situons actuellement</a:t>
+            </a:r>
+          </a:p>
+          <a:p>
+            <a:pPr lvl="1"/>
+            <a:r>
+              <a:rPr lang="fr-FR" dirty="0"/>
+              <a:t>c'est le commit sur lequel nous travaillons.</a:t>
+            </a:r>
+          </a:p>
+          <a:p>
+            <a:r>
+              <a:rPr lang="fr-FR" dirty="0"/>
+              <a:t>HEAD pointe toujours sur le commit le plus récent dans l'arbre des </a:t>
+            </a:r>
+            <a:r>
+              <a:rPr lang="fr-FR" dirty="0" err="1"/>
+              <a:t>commits</a:t>
+            </a:r>
             <a:endParaRPr lang="fr-FR" dirty="0"/>
+          </a:p>
+          <a:p>
+            <a:pPr lvl="1"/>
+            <a:r>
+              <a:rPr lang="fr-FR" dirty="0"/>
+              <a:t>La plupart des commandes Git qui modifient l'arbre des </a:t>
+            </a:r>
+            <a:r>
+              <a:rPr lang="fr-FR" dirty="0" err="1"/>
+              <a:t>commits</a:t>
+            </a:r>
+            <a:r>
+              <a:rPr lang="fr-FR" dirty="0"/>
+              <a:t> vont commencer par modifier HEAD</a:t>
+            </a:r>
+          </a:p>
+          <a:p>
+            <a:r>
+              <a:rPr lang="fr-FR" dirty="0"/>
+              <a:t>Normalement HEAD pointe sur le nom d'une branche</a:t>
+            </a:r>
           </a:p>
         </p:txBody>
       </p:sp>
     </p:spTree>
     <p:extLst>
       <p:ext uri="{BB962C8B-B14F-4D97-AF65-F5344CB8AC3E}">
-        <p14:creationId xmlns:p14="http://schemas.microsoft.com/office/powerpoint/2010/main" val="960955864"/>
+        <p14:creationId xmlns:p14="http://schemas.microsoft.com/office/powerpoint/2010/main" val="3201142856"/>
       </p:ext>
     </p:extLst>
   </p:cSld>
@@ -6620,7 +7733,7 @@
           <p:cNvPr id="2" name="Titre 1">
             <a:extLst>
               <a:ext uri="{FF2B5EF4-FFF2-40B4-BE49-F238E27FC236}">
-                <a16:creationId xmlns:a16="http://schemas.microsoft.com/office/drawing/2014/main" id="{41F5B943-286A-A8D4-6F71-69607044C78F}"/>
+                <a16:creationId xmlns:a16="http://schemas.microsoft.com/office/drawing/2014/main" id="{84A49303-D91E-ABB3-905F-6FF0B216CA4A}"/>
               </a:ext>
             </a:extLst>
           </p:cNvPr>
@@ -6638,7 +7751,7 @@
           <a:p>
             <a:r>
               <a:rPr lang="fr-FR" dirty="0"/>
-              <a:t>Reset</a:t>
+              <a:t>Détacher le HEAD</a:t>
             </a:r>
           </a:p>
         </p:txBody>
@@ -6648,7 +7761,7 @@
           <p:cNvPr id="3" name="Espace réservé du contenu 2">
             <a:extLst>
               <a:ext uri="{FF2B5EF4-FFF2-40B4-BE49-F238E27FC236}">
-                <a16:creationId xmlns:a16="http://schemas.microsoft.com/office/drawing/2014/main" id="{ED575730-38E3-12F9-47E0-571FE1923BD0}"/>
+                <a16:creationId xmlns:a16="http://schemas.microsoft.com/office/drawing/2014/main" id="{0DB93B8E-2A0B-39A2-92C1-1339F92BC9E4}"/>
               </a:ext>
             </a:extLst>
           </p:cNvPr>
@@ -6666,75 +7779,8 @@
           <a:p>
             <a:r>
               <a:rPr lang="fr-FR" dirty="0"/>
-              <a:t>Cas simple : annulation sur la branche en cours</a:t>
-            </a:r>
-          </a:p>
-          <a:p>
-            <a:pPr lvl="1"/>
-            <a:r>
-              <a:rPr lang="fr-FR" dirty="0"/>
-              <a:t>git log permet de connaitre le numéro du commit</a:t>
-            </a:r>
-          </a:p>
-          <a:p>
-            <a:pPr lvl="1"/>
-            <a:r>
-              <a:rPr lang="fr-FR" dirty="0"/>
-              <a:t>git reset --hard HEAD</a:t>
-            </a:r>
-          </a:p>
-          <a:p>
-            <a:pPr lvl="1"/>
-            <a:r>
-              <a:rPr lang="fr-FR" dirty="0"/>
-              <a:t>git reset --hard ca83a6df</a:t>
-            </a:r>
-          </a:p>
-          <a:p>
-            <a:pPr lvl="1"/>
-            <a:r>
-              <a:rPr lang="fr-FR" dirty="0"/>
-              <a:t>Attention –hard efface les fichiers</a:t>
-            </a:r>
-          </a:p>
-          <a:p>
-            <a:pPr lvl="1"/>
-            <a:endParaRPr lang="fr-FR" dirty="0"/>
-          </a:p>
-          <a:p>
-            <a:pPr lvl="1"/>
-            <a:r>
-              <a:rPr lang="fr-FR" b="0" i="0" dirty="0">
-                <a:solidFill>
-                  <a:srgbClr val="FFFAEE"/>
-                </a:solidFill>
-                <a:effectLst/>
-                <a:latin typeface="Courier New" panose="02070309020205020404" pitchFamily="49" charset="0"/>
-              </a:rPr>
-              <a:t>git reset --hard HEAD^</a:t>
-            </a:r>
-            <a:endParaRPr lang="fr-FR" dirty="0"/>
-          </a:p>
-          <a:p>
-            <a:pPr lvl="1"/>
-            <a:r>
-              <a:rPr lang="fr-FR" b="0" i="0" dirty="0">
-                <a:solidFill>
-                  <a:srgbClr val="FFFAEE"/>
-                </a:solidFill>
-                <a:effectLst/>
-                <a:latin typeface="Courier New" panose="02070309020205020404" pitchFamily="49" charset="0"/>
-              </a:rPr>
-              <a:t>git reset --hard HEAD^</a:t>
-            </a:r>
-            <a:endParaRPr lang="fr-FR" dirty="0"/>
-          </a:p>
-          <a:p>
-            <a:pPr lvl="1"/>
-            <a:endParaRPr lang="fr-FR" dirty="0"/>
-          </a:p>
-          <a:p>
-            <a:endParaRPr lang="fr-FR" dirty="0"/>
+              <a:t>Détacher HEAD signifie simplement que l'on attache HEAD à un commit au lieu d'une branche</a:t>
+            </a:r>
           </a:p>
         </p:txBody>
       </p:sp>
@@ -6743,7 +7789,7 @@
           <p:cNvPr id="5" name="Image 4">
             <a:extLst>
               <a:ext uri="{FF2B5EF4-FFF2-40B4-BE49-F238E27FC236}">
-                <a16:creationId xmlns:a16="http://schemas.microsoft.com/office/drawing/2014/main" id="{A7E147C6-D0E0-FA31-146B-76A33F3B32F6}"/>
+                <a16:creationId xmlns:a16="http://schemas.microsoft.com/office/drawing/2014/main" id="{BE644DC3-55BC-0536-BB2D-6E8101BA9241}"/>
               </a:ext>
             </a:extLst>
           </p:cNvPr>
@@ -6760,8 +7806,8 @@
         </p:blipFill>
         <p:spPr>
           <a:xfrm>
-            <a:off x="1475656" y="3686141"/>
-            <a:ext cx="6619532" cy="3171859"/>
+            <a:off x="3131840" y="2852936"/>
+            <a:ext cx="2438740" cy="2924583"/>
           </a:xfrm>
           <a:prstGeom prst="rect">
             <a:avLst/>
@@ -6771,7 +7817,7 @@
     </p:spTree>
     <p:extLst>
       <p:ext uri="{BB962C8B-B14F-4D97-AF65-F5344CB8AC3E}">
-        <p14:creationId xmlns:p14="http://schemas.microsoft.com/office/powerpoint/2010/main" val="2310553655"/>
+        <p14:creationId xmlns:p14="http://schemas.microsoft.com/office/powerpoint/2010/main" val="2363237517"/>
       </p:ext>
     </p:extLst>
   </p:cSld>
@@ -6803,7 +7849,7 @@
           <p:cNvPr id="2" name="Titre 1">
             <a:extLst>
               <a:ext uri="{FF2B5EF4-FFF2-40B4-BE49-F238E27FC236}">
-                <a16:creationId xmlns:a16="http://schemas.microsoft.com/office/drawing/2014/main" id="{50176656-3D63-5EE8-54BE-B74908FFB419}"/>
+                <a16:creationId xmlns:a16="http://schemas.microsoft.com/office/drawing/2014/main" id="{F444A894-7351-7BD2-A910-2D90898C5D01}"/>
               </a:ext>
             </a:extLst>
           </p:cNvPr>
@@ -6821,7 +7867,7 @@
           <a:p>
             <a:r>
               <a:rPr lang="fr-FR" dirty="0"/>
-              <a:t>Reset</a:t>
+              <a:t>Références relatives</a:t>
             </a:r>
           </a:p>
         </p:txBody>
@@ -6831,7 +7877,7 @@
           <p:cNvPr id="3" name="Espace réservé du contenu 2">
             <a:extLst>
               <a:ext uri="{FF2B5EF4-FFF2-40B4-BE49-F238E27FC236}">
-                <a16:creationId xmlns:a16="http://schemas.microsoft.com/office/drawing/2014/main" id="{17C4CE24-C24B-F5BA-8CC2-622371E90B09}"/>
+                <a16:creationId xmlns:a16="http://schemas.microsoft.com/office/drawing/2014/main" id="{0D648DEF-4941-E781-F62F-AD671B5B4AB0}"/>
               </a:ext>
             </a:extLst>
           </p:cNvPr>
@@ -6849,69 +7895,34 @@
           <a:p>
             <a:r>
               <a:rPr lang="fr-FR" dirty="0"/>
-              <a:t>Comment identifier les </a:t>
+              <a:t>Se déplacer dans Git en spécifiant des identifiants de </a:t>
             </a:r>
             <a:r>
               <a:rPr lang="fr-FR" dirty="0" err="1"/>
               <a:t>commits</a:t>
             </a:r>
-            <a:endParaRPr lang="fr-FR" dirty="0"/>
-          </a:p>
-          <a:p>
-            <a:pPr lvl="1"/>
-            <a:r>
-              <a:rPr lang="fr-FR" dirty="0"/>
-              <a:t>HEAD ou HEAD~ ou HEAD~1 est le dernier commit</a:t>
-            </a:r>
-          </a:p>
-          <a:p>
-            <a:pPr lvl="1"/>
-            <a:r>
-              <a:rPr lang="fr-FR" dirty="0"/>
-              <a:t>HEAD~2 est l'avant dernier commit</a:t>
-            </a:r>
-          </a:p>
-          <a:p>
-            <a:pPr lvl="1"/>
-            <a:r>
-              <a:rPr lang="fr-FR" dirty="0"/>
-              <a:t>Dans le cas d'un commit avec un seul parent HEAD~ == HEAD^</a:t>
-            </a:r>
-          </a:p>
-          <a:p>
-            <a:r>
-              <a:rPr lang="fr-FR" dirty="0"/>
-              <a:t>Mais certains </a:t>
-            </a:r>
-            <a:r>
-              <a:rPr lang="fr-FR" dirty="0" err="1"/>
-              <a:t>commits</a:t>
-            </a:r>
-            <a:r>
-              <a:rPr lang="fr-FR" dirty="0"/>
-              <a:t> peuvent avoir plusieurs parents</a:t>
-            </a:r>
-          </a:p>
-          <a:p>
-            <a:pPr lvl="1"/>
-            <a:r>
-              <a:rPr lang="fr-FR" dirty="0"/>
-              <a:t>HEAD^ = HEAD^1 = 1</a:t>
-            </a:r>
-            <a:r>
-              <a:rPr lang="fr-FR" baseline="30000" dirty="0"/>
-              <a:t>er</a:t>
-            </a:r>
-            <a:r>
-              <a:rPr lang="fr-FR" dirty="0"/>
-              <a:t> parent immédiat</a:t>
-            </a:r>
-          </a:p>
-          <a:p>
-            <a:pPr lvl="1"/>
-            <a:r>
-              <a:rPr lang="fr-FR" dirty="0"/>
-              <a:t>Qui n'est pas forcément le dernier commit</a:t>
+            <a:r>
+              <a:rPr lang="fr-FR" dirty="0"/>
+              <a:t> peut être un peu agaçant</a:t>
+            </a:r>
+          </a:p>
+          <a:p>
+            <a:r>
+              <a:rPr lang="fr-FR" dirty="0"/>
+              <a:t>Git est intelligent avec les identifiants</a:t>
+            </a:r>
+          </a:p>
+          <a:p>
+            <a:pPr lvl="1"/>
+            <a:r>
+              <a:rPr lang="fr-FR" dirty="0"/>
+              <a:t>Vous avez seulement à spécifier les premiers caractères de l'identifiant jusqu'à ce qu'il reconnaisse exactement le commit</a:t>
+            </a:r>
+          </a:p>
+          <a:p>
+            <a:r>
+              <a:rPr lang="fr-FR" dirty="0"/>
+              <a:t>^ et ~</a:t>
             </a:r>
           </a:p>
         </p:txBody>
@@ -6919,7 +7930,7 @@
     </p:spTree>
     <p:extLst>
       <p:ext uri="{BB962C8B-B14F-4D97-AF65-F5344CB8AC3E}">
-        <p14:creationId xmlns:p14="http://schemas.microsoft.com/office/powerpoint/2010/main" val="2011429785"/>
+        <p14:creationId xmlns:p14="http://schemas.microsoft.com/office/powerpoint/2010/main" val="3714095146"/>
       </p:ext>
     </p:extLst>
   </p:cSld>

--- a/ppt/GIT05-Conflicts.pptx
+++ b/ppt/GIT05-Conflicts.pptx
@@ -5,10 +5,10 @@
     <p:sldMasterId id="2147483653" r:id="rId1"/>
   </p:sldMasterIdLst>
   <p:notesMasterIdLst>
-    <p:notesMasterId r:id="rId33"/>
+    <p:notesMasterId r:id="rId32"/>
   </p:notesMasterIdLst>
   <p:handoutMasterIdLst>
-    <p:handoutMasterId r:id="rId34"/>
+    <p:handoutMasterId r:id="rId33"/>
   </p:handoutMasterIdLst>
   <p:sldIdLst>
     <p:sldId id="264" r:id="rId2"/>
@@ -41,7 +41,6 @@
     <p:sldId id="282" r:id="rId29"/>
     <p:sldId id="281" r:id="rId30"/>
     <p:sldId id="283" r:id="rId31"/>
-    <p:sldId id="272" r:id="rId32"/>
   </p:sldIdLst>
   <p:sldSz cx="9144000" cy="6858000" type="screen4x3"/>
   <p:notesSz cx="6648450" cy="9782175"/>
@@ -6535,14 +6534,7 @@
             </a:r>
             <a:r>
               <a:rPr lang="fr-FR" dirty="0"/>
-              <a:t> HEAD </a:t>
-            </a:r>
-          </a:p>
-          <a:p>
-            <a:pPr lvl="1"/>
-            <a:r>
-              <a:rPr lang="fr-FR" dirty="0"/>
-              <a:t>HEAD^ sur les anciennes version</a:t>
+              <a:t> HEAD</a:t>
             </a:r>
           </a:p>
         </p:txBody>
@@ -6667,8 +6659,13 @@
             </a:r>
             <a:r>
               <a:rPr lang="fr-FR" dirty="0"/>
-              <a:t>, tandis que git reset HEAD permet d'annuler des changements non comités</a:t>
-            </a:r>
+              <a:t>, tandis que git reset HEAD permet d'annuler des changements non </a:t>
+            </a:r>
+            <a:r>
+              <a:rPr lang="fr-FR" dirty="0" err="1"/>
+              <a:t>commités</a:t>
+            </a:r>
+            <a:endParaRPr lang="fr-FR" dirty="0"/>
           </a:p>
           <a:p>
             <a:r>
@@ -6963,131 +6960,6 @@
     <p:extLst>
       <p:ext uri="{BB962C8B-B14F-4D97-AF65-F5344CB8AC3E}">
         <p14:creationId xmlns:p14="http://schemas.microsoft.com/office/powerpoint/2010/main" val="1010832246"/>
-      </p:ext>
-    </p:extLst>
-  </p:cSld>
-  <p:clrMapOvr>
-    <a:masterClrMapping/>
-  </p:clrMapOvr>
-</p:sld>
-</file>
-
-<file path=ppt/slides/slide31.xml><?xml version="1.0" encoding="utf-8"?>
-<p:sld xmlns:a="http://schemas.openxmlformats.org/drawingml/2006/main" xmlns:r="http://schemas.openxmlformats.org/officeDocument/2006/relationships" xmlns:p="http://schemas.openxmlformats.org/presentationml/2006/main">
-  <p:cSld>
-    <p:spTree>
-      <p:nvGrpSpPr>
-        <p:cNvPr id="1" name=""/>
-        <p:cNvGrpSpPr/>
-        <p:nvPr/>
-      </p:nvGrpSpPr>
-      <p:grpSpPr>
-        <a:xfrm>
-          <a:off x="0" y="0"/>
-          <a:ext cx="0" cy="0"/>
-          <a:chOff x="0" y="0"/>
-          <a:chExt cx="0" cy="0"/>
-        </a:xfrm>
-      </p:grpSpPr>
-      <p:sp>
-        <p:nvSpPr>
-          <p:cNvPr id="2" name="Titre 1">
-            <a:extLst>
-              <a:ext uri="{FF2B5EF4-FFF2-40B4-BE49-F238E27FC236}">
-                <a16:creationId xmlns:a16="http://schemas.microsoft.com/office/drawing/2014/main" id="{E15E48FD-AE46-24C9-F354-D49ADCA4E8B8}"/>
-              </a:ext>
-            </a:extLst>
-          </p:cNvPr>
-          <p:cNvSpPr>
-            <a:spLocks noGrp="1"/>
-          </p:cNvSpPr>
-          <p:nvPr>
-            <p:ph type="title"/>
-          </p:nvPr>
-        </p:nvSpPr>
-        <p:spPr/>
-        <p:txBody>
-          <a:bodyPr/>
-          <a:lstStyle/>
-          <a:p>
-            <a:r>
-              <a:rPr lang="fr-FR" dirty="0"/>
-              <a:t>Erreurs sur le main </a:t>
-            </a:r>
-            <a:r>
-              <a:rPr lang="fr-FR" dirty="0" err="1"/>
-              <a:t>remote</a:t>
-            </a:r>
-            <a:endParaRPr lang="fr-FR" dirty="0"/>
-          </a:p>
-        </p:txBody>
-      </p:sp>
-      <p:sp>
-        <p:nvSpPr>
-          <p:cNvPr id="3" name="Espace réservé du contenu 2">
-            <a:extLst>
-              <a:ext uri="{FF2B5EF4-FFF2-40B4-BE49-F238E27FC236}">
-                <a16:creationId xmlns:a16="http://schemas.microsoft.com/office/drawing/2014/main" id="{E7E21B02-7FF3-7441-4F0D-FAB86F460033}"/>
-              </a:ext>
-            </a:extLst>
-          </p:cNvPr>
-          <p:cNvSpPr>
-            <a:spLocks noGrp="1"/>
-          </p:cNvSpPr>
-          <p:nvPr>
-            <p:ph idx="1"/>
-          </p:nvPr>
-        </p:nvSpPr>
-        <p:spPr/>
-        <p:txBody>
-          <a:bodyPr/>
-          <a:lstStyle/>
-          <a:p>
-            <a:r>
-              <a:rPr lang="fr-FR" dirty="0"/>
-              <a:t>C'est le pire cas</a:t>
-            </a:r>
-          </a:p>
-          <a:p>
-            <a:pPr lvl="1"/>
-            <a:r>
-              <a:rPr lang="fr-FR" dirty="0"/>
-              <a:t>Les pull </a:t>
-            </a:r>
-            <a:r>
-              <a:rPr lang="fr-FR" dirty="0" err="1"/>
-              <a:t>request</a:t>
-            </a:r>
-            <a:r>
-              <a:rPr lang="fr-FR" dirty="0"/>
-              <a:t> sont fait pour éviter cela</a:t>
-            </a:r>
-          </a:p>
-          <a:p>
-            <a:pPr lvl="1"/>
-            <a:r>
-              <a:rPr lang="fr-FR" dirty="0"/>
-              <a:t>En général on n'annule pas le commit sur main</a:t>
-            </a:r>
-          </a:p>
-          <a:p>
-            <a:pPr lvl="1"/>
-            <a:r>
-              <a:rPr lang="fr-FR" dirty="0"/>
-              <a:t>Il faudrait créer un nouveau commit qui corrige le bug soit manuellement soit par un </a:t>
-            </a:r>
-            <a:r>
-              <a:rPr lang="fr-FR" dirty="0" err="1"/>
-              <a:t>revert</a:t>
-            </a:r>
-            <a:endParaRPr lang="fr-FR" dirty="0"/>
-          </a:p>
-        </p:txBody>
-      </p:sp>
-    </p:spTree>
-    <p:extLst>
-      <p:ext uri="{BB962C8B-B14F-4D97-AF65-F5344CB8AC3E}">
-        <p14:creationId xmlns:p14="http://schemas.microsoft.com/office/powerpoint/2010/main" val="2495307716"/>
       </p:ext>
     </p:extLst>
   </p:cSld>
